--- a/MentalFitness/netball.pptx
+++ b/MentalFitness/netball.pptx
@@ -4807,7 +4807,7 @@
                 </a:solidFill>
                 <a:latin typeface="Aptos Display" panose="020B0004020202020204" pitchFamily="34" charset="0"/>
               </a:rPr>
-              <a:t>Competency Level</a:t>
+              <a:t>Competent Phases</a:t>
             </a:r>
           </a:p>
         </p:txBody>

--- a/MentalFitness/netball.pptx
+++ b/MentalFitness/netball.pptx
@@ -4,6 +4,9 @@
   <p:sldMasterIdLst>
     <p:sldMasterId id="2147483648" r:id="rId1"/>
   </p:sldMasterIdLst>
+  <p:notesMasterIdLst>
+    <p:notesMasterId r:id="rId4"/>
+  </p:notesMasterIdLst>
   <p:sldIdLst>
     <p:sldId id="256" r:id="rId2"/>
     <p:sldId id="257" r:id="rId3"/>
@@ -32,6 +35,440 @@
     </p:ext>
   </p:extLst>
 </p:presentation>
+</file>
+
+<file path=ppt/notesMasters/notesMaster1.xml><?xml version="1.0" encoding="utf-8"?>
+<p:notesMaster xmlns:a="http://schemas.openxmlformats.org/drawingml/2006/main" xmlns:r="http://schemas.openxmlformats.org/officeDocument/2006/relationships" xmlns:p="http://schemas.openxmlformats.org/presentationml/2006/main">
+  <p:cSld>
+    <p:bg>
+      <p:bgRef idx="1001">
+        <a:schemeClr val="bg1"/>
+      </p:bgRef>
+    </p:bg>
+    <p:spTree>
+      <p:nvGrpSpPr>
+        <p:cNvPr id="1" name=""/>
+        <p:cNvGrpSpPr/>
+        <p:nvPr/>
+      </p:nvGrpSpPr>
+      <p:grpSpPr>
+        <a:xfrm>
+          <a:off x="0" y="0"/>
+          <a:ext cx="0" cy="0"/>
+          <a:chOff x="0" y="0"/>
+          <a:chExt cx="0" cy="0"/>
+        </a:xfrm>
+      </p:grpSpPr>
+      <p:sp>
+        <p:nvSpPr>
+          <p:cNvPr id="2" name="Header Placeholder 1"/>
+          <p:cNvSpPr>
+            <a:spLocks noGrp="1"/>
+          </p:cNvSpPr>
+          <p:nvPr>
+            <p:ph type="hdr" sz="quarter"/>
+          </p:nvPr>
+        </p:nvSpPr>
+        <p:spPr>
+          <a:xfrm>
+            <a:off x="0" y="0"/>
+            <a:ext cx="4292600" cy="344488"/>
+          </a:xfrm>
+          <a:prstGeom prst="rect">
+            <a:avLst/>
+          </a:prstGeom>
+        </p:spPr>
+        <p:txBody>
+          <a:bodyPr vert="horz" lIns="91440" tIns="45720" rIns="91440" bIns="45720" rtlCol="0"/>
+          <a:lstStyle>
+            <a:lvl1pPr algn="l">
+              <a:defRPr sz="1200"/>
+            </a:lvl1pPr>
+          </a:lstStyle>
+          <a:p>
+            <a:endParaRPr lang="en-MY"/>
+          </a:p>
+        </p:txBody>
+      </p:sp>
+      <p:sp>
+        <p:nvSpPr>
+          <p:cNvPr id="3" name="Date Placeholder 2"/>
+          <p:cNvSpPr>
+            <a:spLocks noGrp="1"/>
+          </p:cNvSpPr>
+          <p:nvPr>
+            <p:ph type="dt" idx="1"/>
+          </p:nvPr>
+        </p:nvSpPr>
+        <p:spPr>
+          <a:xfrm>
+            <a:off x="5611813" y="0"/>
+            <a:ext cx="4292600" cy="344488"/>
+          </a:xfrm>
+          <a:prstGeom prst="rect">
+            <a:avLst/>
+          </a:prstGeom>
+        </p:spPr>
+        <p:txBody>
+          <a:bodyPr vert="horz" lIns="91440" tIns="45720" rIns="91440" bIns="45720" rtlCol="0"/>
+          <a:lstStyle>
+            <a:lvl1pPr algn="r">
+              <a:defRPr sz="1200"/>
+            </a:lvl1pPr>
+          </a:lstStyle>
+          <a:p>
+            <a:fld id="{0D95C147-4EA0-47FE-85DC-777901A46BE4}" type="datetimeFigureOut">
+              <a:rPr lang="en-MY" smtClean="0"/>
+              <a:t>18/5/2024</a:t>
+            </a:fld>
+            <a:endParaRPr lang="en-MY"/>
+          </a:p>
+        </p:txBody>
+      </p:sp>
+      <p:sp>
+        <p:nvSpPr>
+          <p:cNvPr id="4" name="Slide Image Placeholder 3"/>
+          <p:cNvSpPr>
+            <a:spLocks noGrp="1" noRot="1" noChangeAspect="1"/>
+          </p:cNvSpPr>
+          <p:nvPr>
+            <p:ph type="sldImg" idx="2"/>
+          </p:nvPr>
+        </p:nvSpPr>
+        <p:spPr>
+          <a:xfrm>
+            <a:off x="3281363" y="857250"/>
+            <a:ext cx="3343275" cy="2314575"/>
+          </a:xfrm>
+          <a:prstGeom prst="rect">
+            <a:avLst/>
+          </a:prstGeom>
+          <a:noFill/>
+          <a:ln w="12700">
+            <a:solidFill>
+              <a:prstClr val="black"/>
+            </a:solidFill>
+          </a:ln>
+        </p:spPr>
+        <p:txBody>
+          <a:bodyPr vert="horz" lIns="91440" tIns="45720" rIns="91440" bIns="45720" rtlCol="0" anchor="ctr"/>
+          <a:lstStyle/>
+          <a:p>
+            <a:endParaRPr lang="en-MY"/>
+          </a:p>
+        </p:txBody>
+      </p:sp>
+      <p:sp>
+        <p:nvSpPr>
+          <p:cNvPr id="5" name="Notes Placeholder 4"/>
+          <p:cNvSpPr>
+            <a:spLocks noGrp="1"/>
+          </p:cNvSpPr>
+          <p:nvPr>
+            <p:ph type="body" sz="quarter" idx="3"/>
+          </p:nvPr>
+        </p:nvSpPr>
+        <p:spPr>
+          <a:xfrm>
+            <a:off x="990600" y="3300413"/>
+            <a:ext cx="7924800" cy="2700337"/>
+          </a:xfrm>
+          <a:prstGeom prst="rect">
+            <a:avLst/>
+          </a:prstGeom>
+        </p:spPr>
+        <p:txBody>
+          <a:bodyPr vert="horz" lIns="91440" tIns="45720" rIns="91440" bIns="45720" rtlCol="0"/>
+          <a:lstStyle/>
+          <a:p>
+            <a:pPr lvl="0"/>
+            <a:r>
+              <a:rPr lang="en-US"/>
+              <a:t>Click to edit Master text styles</a:t>
+            </a:r>
+          </a:p>
+          <a:p>
+            <a:pPr lvl="1"/>
+            <a:r>
+              <a:rPr lang="en-US"/>
+              <a:t>Second level</a:t>
+            </a:r>
+          </a:p>
+          <a:p>
+            <a:pPr lvl="2"/>
+            <a:r>
+              <a:rPr lang="en-US"/>
+              <a:t>Third level</a:t>
+            </a:r>
+          </a:p>
+          <a:p>
+            <a:pPr lvl="3"/>
+            <a:r>
+              <a:rPr lang="en-US"/>
+              <a:t>Fourth level</a:t>
+            </a:r>
+          </a:p>
+          <a:p>
+            <a:pPr lvl="4"/>
+            <a:r>
+              <a:rPr lang="en-US"/>
+              <a:t>Fifth level</a:t>
+            </a:r>
+            <a:endParaRPr lang="en-MY"/>
+          </a:p>
+        </p:txBody>
+      </p:sp>
+      <p:sp>
+        <p:nvSpPr>
+          <p:cNvPr id="6" name="Footer Placeholder 5"/>
+          <p:cNvSpPr>
+            <a:spLocks noGrp="1"/>
+          </p:cNvSpPr>
+          <p:nvPr>
+            <p:ph type="ftr" sz="quarter" idx="4"/>
+          </p:nvPr>
+        </p:nvSpPr>
+        <p:spPr>
+          <a:xfrm>
+            <a:off x="0" y="6513513"/>
+            <a:ext cx="4292600" cy="344487"/>
+          </a:xfrm>
+          <a:prstGeom prst="rect">
+            <a:avLst/>
+          </a:prstGeom>
+        </p:spPr>
+        <p:txBody>
+          <a:bodyPr vert="horz" lIns="91440" tIns="45720" rIns="91440" bIns="45720" rtlCol="0" anchor="b"/>
+          <a:lstStyle>
+            <a:lvl1pPr algn="l">
+              <a:defRPr sz="1200"/>
+            </a:lvl1pPr>
+          </a:lstStyle>
+          <a:p>
+            <a:endParaRPr lang="en-MY"/>
+          </a:p>
+        </p:txBody>
+      </p:sp>
+      <p:sp>
+        <p:nvSpPr>
+          <p:cNvPr id="7" name="Slide Number Placeholder 6"/>
+          <p:cNvSpPr>
+            <a:spLocks noGrp="1"/>
+          </p:cNvSpPr>
+          <p:nvPr>
+            <p:ph type="sldNum" sz="quarter" idx="5"/>
+          </p:nvPr>
+        </p:nvSpPr>
+        <p:spPr>
+          <a:xfrm>
+            <a:off x="5611813" y="6513513"/>
+            <a:ext cx="4292600" cy="344487"/>
+          </a:xfrm>
+          <a:prstGeom prst="rect">
+            <a:avLst/>
+          </a:prstGeom>
+        </p:spPr>
+        <p:txBody>
+          <a:bodyPr vert="horz" lIns="91440" tIns="45720" rIns="91440" bIns="45720" rtlCol="0" anchor="b"/>
+          <a:lstStyle>
+            <a:lvl1pPr algn="r">
+              <a:defRPr sz="1200"/>
+            </a:lvl1pPr>
+          </a:lstStyle>
+          <a:p>
+            <a:fld id="{204CEEF5-BB46-4C96-9E9B-775636BA0DEC}" type="slidenum">
+              <a:rPr lang="en-MY" smtClean="0"/>
+              <a:t>‹#›</a:t>
+            </a:fld>
+            <a:endParaRPr lang="en-MY"/>
+          </a:p>
+        </p:txBody>
+      </p:sp>
+    </p:spTree>
+    <p:extLst>
+      <p:ext uri="{BB962C8B-B14F-4D97-AF65-F5344CB8AC3E}">
+        <p14:creationId xmlns:p14="http://schemas.microsoft.com/office/powerpoint/2010/main" val="2797610710"/>
+      </p:ext>
+    </p:extLst>
+  </p:cSld>
+  <p:clrMap bg1="lt1" tx1="dk1" bg2="lt2" tx2="dk2" accent1="accent1" accent2="accent2" accent3="accent3" accent4="accent4" accent5="accent5" accent6="accent6" hlink="hlink" folHlink="folHlink"/>
+  <p:notesStyle>
+    <a:lvl1pPr marL="0" algn="l" defTabSz="914400" rtl="0" eaLnBrk="1" latinLnBrk="0" hangingPunct="1">
+      <a:defRPr sz="1200" kern="1200">
+        <a:solidFill>
+          <a:schemeClr val="tx1"/>
+        </a:solidFill>
+        <a:latin typeface="+mn-lt"/>
+        <a:ea typeface="+mn-ea"/>
+        <a:cs typeface="+mn-cs"/>
+      </a:defRPr>
+    </a:lvl1pPr>
+    <a:lvl2pPr marL="457200" algn="l" defTabSz="914400" rtl="0" eaLnBrk="1" latinLnBrk="0" hangingPunct="1">
+      <a:defRPr sz="1200" kern="1200">
+        <a:solidFill>
+          <a:schemeClr val="tx1"/>
+        </a:solidFill>
+        <a:latin typeface="+mn-lt"/>
+        <a:ea typeface="+mn-ea"/>
+        <a:cs typeface="+mn-cs"/>
+      </a:defRPr>
+    </a:lvl2pPr>
+    <a:lvl3pPr marL="914400" algn="l" defTabSz="914400" rtl="0" eaLnBrk="1" latinLnBrk="0" hangingPunct="1">
+      <a:defRPr sz="1200" kern="1200">
+        <a:solidFill>
+          <a:schemeClr val="tx1"/>
+        </a:solidFill>
+        <a:latin typeface="+mn-lt"/>
+        <a:ea typeface="+mn-ea"/>
+        <a:cs typeface="+mn-cs"/>
+      </a:defRPr>
+    </a:lvl3pPr>
+    <a:lvl4pPr marL="1371600" algn="l" defTabSz="914400" rtl="0" eaLnBrk="1" latinLnBrk="0" hangingPunct="1">
+      <a:defRPr sz="1200" kern="1200">
+        <a:solidFill>
+          <a:schemeClr val="tx1"/>
+        </a:solidFill>
+        <a:latin typeface="+mn-lt"/>
+        <a:ea typeface="+mn-ea"/>
+        <a:cs typeface="+mn-cs"/>
+      </a:defRPr>
+    </a:lvl4pPr>
+    <a:lvl5pPr marL="1828800" algn="l" defTabSz="914400" rtl="0" eaLnBrk="1" latinLnBrk="0" hangingPunct="1">
+      <a:defRPr sz="1200" kern="1200">
+        <a:solidFill>
+          <a:schemeClr val="tx1"/>
+        </a:solidFill>
+        <a:latin typeface="+mn-lt"/>
+        <a:ea typeface="+mn-ea"/>
+        <a:cs typeface="+mn-cs"/>
+      </a:defRPr>
+    </a:lvl5pPr>
+    <a:lvl6pPr marL="2286000" algn="l" defTabSz="914400" rtl="0" eaLnBrk="1" latinLnBrk="0" hangingPunct="1">
+      <a:defRPr sz="1200" kern="1200">
+        <a:solidFill>
+          <a:schemeClr val="tx1"/>
+        </a:solidFill>
+        <a:latin typeface="+mn-lt"/>
+        <a:ea typeface="+mn-ea"/>
+        <a:cs typeface="+mn-cs"/>
+      </a:defRPr>
+    </a:lvl6pPr>
+    <a:lvl7pPr marL="2743200" algn="l" defTabSz="914400" rtl="0" eaLnBrk="1" latinLnBrk="0" hangingPunct="1">
+      <a:defRPr sz="1200" kern="1200">
+        <a:solidFill>
+          <a:schemeClr val="tx1"/>
+        </a:solidFill>
+        <a:latin typeface="+mn-lt"/>
+        <a:ea typeface="+mn-ea"/>
+        <a:cs typeface="+mn-cs"/>
+      </a:defRPr>
+    </a:lvl7pPr>
+    <a:lvl8pPr marL="3200400" algn="l" defTabSz="914400" rtl="0" eaLnBrk="1" latinLnBrk="0" hangingPunct="1">
+      <a:defRPr sz="1200" kern="1200">
+        <a:solidFill>
+          <a:schemeClr val="tx1"/>
+        </a:solidFill>
+        <a:latin typeface="+mn-lt"/>
+        <a:ea typeface="+mn-ea"/>
+        <a:cs typeface="+mn-cs"/>
+      </a:defRPr>
+    </a:lvl8pPr>
+    <a:lvl9pPr marL="3657600" algn="l" defTabSz="914400" rtl="0" eaLnBrk="1" latinLnBrk="0" hangingPunct="1">
+      <a:defRPr sz="1200" kern="1200">
+        <a:solidFill>
+          <a:schemeClr val="tx1"/>
+        </a:solidFill>
+        <a:latin typeface="+mn-lt"/>
+        <a:ea typeface="+mn-ea"/>
+        <a:cs typeface="+mn-cs"/>
+      </a:defRPr>
+    </a:lvl9pPr>
+  </p:notesStyle>
+</p:notesMaster>
+</file>
+
+<file path=ppt/notesSlides/notesSlide1.xml><?xml version="1.0" encoding="utf-8"?>
+<p:notes xmlns:a="http://schemas.openxmlformats.org/drawingml/2006/main" xmlns:r="http://schemas.openxmlformats.org/officeDocument/2006/relationships" xmlns:p="http://schemas.openxmlformats.org/presentationml/2006/main">
+  <p:cSld>
+    <p:spTree>
+      <p:nvGrpSpPr>
+        <p:cNvPr id="1" name=""/>
+        <p:cNvGrpSpPr/>
+        <p:nvPr/>
+      </p:nvGrpSpPr>
+      <p:grpSpPr>
+        <a:xfrm>
+          <a:off x="0" y="0"/>
+          <a:ext cx="0" cy="0"/>
+          <a:chOff x="0" y="0"/>
+          <a:chExt cx="0" cy="0"/>
+        </a:xfrm>
+      </p:grpSpPr>
+      <p:sp>
+        <p:nvSpPr>
+          <p:cNvPr id="2" name="Slide Image Placeholder 1"/>
+          <p:cNvSpPr>
+            <a:spLocks noGrp="1" noRot="1" noChangeAspect="1"/>
+          </p:cNvSpPr>
+          <p:nvPr>
+            <p:ph type="sldImg"/>
+          </p:nvPr>
+        </p:nvSpPr>
+        <p:spPr/>
+      </p:sp>
+      <p:sp>
+        <p:nvSpPr>
+          <p:cNvPr id="3" name="Notes Placeholder 2"/>
+          <p:cNvSpPr>
+            <a:spLocks noGrp="1"/>
+          </p:cNvSpPr>
+          <p:nvPr>
+            <p:ph type="body" idx="1"/>
+          </p:nvPr>
+        </p:nvSpPr>
+        <p:spPr/>
+        <p:txBody>
+          <a:bodyPr/>
+          <a:lstStyle/>
+          <a:p>
+            <a:endParaRPr lang="en-MY" dirty="0"/>
+          </a:p>
+        </p:txBody>
+      </p:sp>
+      <p:sp>
+        <p:nvSpPr>
+          <p:cNvPr id="4" name="Slide Number Placeholder 3"/>
+          <p:cNvSpPr>
+            <a:spLocks noGrp="1"/>
+          </p:cNvSpPr>
+          <p:nvPr>
+            <p:ph type="sldNum" sz="quarter" idx="5"/>
+          </p:nvPr>
+        </p:nvSpPr>
+        <p:spPr/>
+        <p:txBody>
+          <a:bodyPr/>
+          <a:lstStyle/>
+          <a:p>
+            <a:fld id="{204CEEF5-BB46-4C96-9E9B-775636BA0DEC}" type="slidenum">
+              <a:rPr lang="en-MY" smtClean="0"/>
+              <a:t>1</a:t>
+            </a:fld>
+            <a:endParaRPr lang="en-MY"/>
+          </a:p>
+        </p:txBody>
+      </p:sp>
+    </p:spTree>
+    <p:extLst>
+      <p:ext uri="{BB962C8B-B14F-4D97-AF65-F5344CB8AC3E}">
+        <p14:creationId xmlns:p14="http://schemas.microsoft.com/office/powerpoint/2010/main" val="788223212"/>
+      </p:ext>
+    </p:extLst>
+  </p:cSld>
+  <p:clrMapOvr>
+    <a:masterClrMapping/>
+  </p:clrMapOvr>
+</p:notes>
 </file>
 
 <file path=ppt/slideLayouts/slideLayout1.xml><?xml version="1.0" encoding="utf-8"?>
@@ -1795,6 +2232,48 @@
           <a:chExt cx="0" cy="0"/>
         </a:xfrm>
       </p:grpSpPr>
+      <p:pic>
+        <p:nvPicPr>
+          <p:cNvPr id="92" name="Picture 91">
+            <a:extLst>
+              <a:ext uri="{FF2B5EF4-FFF2-40B4-BE49-F238E27FC236}">
+                <a16:creationId xmlns:a16="http://schemas.microsoft.com/office/drawing/2014/main" id="{BEC0D10B-F977-AA89-E4CA-528458C63700}"/>
+              </a:ext>
+            </a:extLst>
+          </p:cNvPr>
+          <p:cNvPicPr>
+            <a:picLocks noChangeAspect="1"/>
+          </p:cNvPicPr>
+          <p:nvPr/>
+        </p:nvPicPr>
+        <p:blipFill>
+          <a:blip r:embed="rId3">
+            <a:extLst>
+              <a:ext uri="{BEBA8EAE-BF5A-486C-A8C5-ECC9F3942E4B}">
+                <a14:imgProps xmlns:a14="http://schemas.microsoft.com/office/drawing/2010/main">
+                  <a14:imgLayer r:embed="rId4">
+                    <a14:imgEffect>
+                      <a14:colorTemperature colorTemp="7200"/>
+                    </a14:imgEffect>
+                  </a14:imgLayer>
+                </a14:imgProps>
+              </a:ext>
+            </a:extLst>
+          </a:blip>
+          <a:stretch>
+            <a:fillRect/>
+          </a:stretch>
+        </p:blipFill>
+        <p:spPr>
+          <a:xfrm>
+            <a:off x="5200777" y="532431"/>
+            <a:ext cx="1509520" cy="1008000"/>
+          </a:xfrm>
+          <a:prstGeom prst="rect">
+            <a:avLst/>
+          </a:prstGeom>
+        </p:spPr>
+      </p:pic>
       <p:graphicFrame>
         <p:nvGraphicFramePr>
           <p:cNvPr id="2" name="Table 1">
@@ -1810,14 +2289,14 @@
           <p:nvPr>
             <p:extLst>
               <p:ext uri="{D42A27DB-BD31-4B8C-83A1-F6EECF244321}">
-                <p14:modId xmlns:p14="http://schemas.microsoft.com/office/powerpoint/2010/main" val="926920972"/>
+                <p14:modId xmlns:p14="http://schemas.microsoft.com/office/powerpoint/2010/main" val="2234833754"/>
               </p:ext>
             </p:extLst>
           </p:nvPr>
         </p:nvGraphicFramePr>
         <p:xfrm>
-          <a:off x="365179" y="574772"/>
-          <a:ext cx="4572829" cy="3074064"/>
+          <a:off x="365180" y="574772"/>
+          <a:ext cx="3897293" cy="3074064"/>
         </p:xfrm>
         <a:graphic>
           <a:graphicData uri="http://schemas.openxmlformats.org/drawingml/2006/table">
@@ -1826,14 +2305,14 @@
                 <a:tableStyleId>{8EC20E35-A176-4012-BC5E-935CFFF8708E}</a:tableStyleId>
               </a:tblPr>
               <a:tblGrid>
-                <a:gridCol w="880707">
+                <a:gridCol w="873443">
                   <a:extLst>
                     <a:ext uri="{9D8B030D-6E8A-4147-A177-3AD203B41FA5}">
                       <a16:colId xmlns:a16="http://schemas.microsoft.com/office/drawing/2014/main" val="20000"/>
                     </a:ext>
                   </a:extLst>
                 </a:gridCol>
-                <a:gridCol w="3692122">
+                <a:gridCol w="3023850">
                   <a:extLst>
                     <a:ext uri="{9D8B030D-6E8A-4147-A177-3AD203B41FA5}">
                       <a16:colId xmlns:a16="http://schemas.microsoft.com/office/drawing/2014/main" val="20001"/>
@@ -1997,7 +2476,7 @@
                       </a:r>
                     </a:p>
                   </a:txBody>
-                  <a:tcPr marR="828000">
+                  <a:tcPr marR="216000">
                     <a:lnR w="12700" cap="flat" cmpd="sng" algn="ctr">
                       <a:solidFill>
                         <a:schemeClr val="tx1"/>
@@ -2182,7 +2661,7 @@
                       </a:endParaRPr>
                     </a:p>
                   </a:txBody>
-                  <a:tcPr marR="1584000">
+                  <a:tcPr marR="972000">
                     <a:lnR w="12700" cap="flat" cmpd="sng" algn="ctr">
                       <a:solidFill>
                         <a:schemeClr val="tx1"/>
@@ -2308,7 +2787,7 @@
                       </a:endParaRPr>
                     </a:p>
                   </a:txBody>
-                  <a:tcPr marR="2016000">
+                  <a:tcPr marR="1224000">
                     <a:lnR w="12700" cap="flat" cmpd="sng" algn="ctr">
                       <a:solidFill>
                         <a:schemeClr val="tx1"/>
@@ -2379,11 +2858,29 @@
                           </a:solidFill>
                           <a:latin typeface="Aptos Narrow" panose="020B0004020202020204" pitchFamily="34" charset="0"/>
                         </a:rPr>
-                        <a:t> of actions regularly followed.</a:t>
+                        <a:t> of actions </a:t>
+                      </a:r>
+                      <a:r>
+                        <a:rPr lang="en-US" sz="900" b="1" dirty="0">
+                          <a:solidFill>
+                            <a:schemeClr val="tx1"/>
+                          </a:solidFill>
+                          <a:latin typeface="Aptos Narrow" panose="020B0004020202020204" pitchFamily="34" charset="0"/>
+                        </a:rPr>
+                        <a:t>regularly</a:t>
+                      </a:r>
+                      <a:r>
+                        <a:rPr lang="en-US" sz="900" dirty="0">
+                          <a:solidFill>
+                            <a:schemeClr val="tx1"/>
+                          </a:solidFill>
+                          <a:latin typeface="Aptos Narrow" panose="020B0004020202020204" pitchFamily="34" charset="0"/>
+                        </a:rPr>
+                        <a:t> followed.</a:t>
                       </a:r>
                     </a:p>
                   </a:txBody>
-                  <a:tcPr marR="2160000">
+                  <a:tcPr marR="1296000">
                     <a:lnR w="12700" cap="flat" cmpd="sng" algn="ctr">
                       <a:solidFill>
                         <a:schemeClr val="tx1"/>
@@ -2476,7 +2973,7 @@
                       </a:r>
                     </a:p>
                   </a:txBody>
-                  <a:tcPr marR="2196000">
+                  <a:tcPr marR="1368000">
                     <a:lnR w="12700" cap="flat" cmpd="sng" algn="ctr">
                       <a:solidFill>
                         <a:schemeClr val="tx1"/>
@@ -2624,7 +3121,7 @@
           <a:prstGeom prst="pie">
             <a:avLst>
               <a:gd name="adj1" fmla="val 16130702"/>
-              <a:gd name="adj2" fmla="val 18858256"/>
+              <a:gd name="adj2" fmla="val 19016266"/>
             </a:avLst>
           </a:prstGeom>
           <a:solidFill>
@@ -2719,14 +3216,14 @@
           <p:nvPr>
             <p:extLst>
               <p:ext uri="{D42A27DB-BD31-4B8C-83A1-F6EECF244321}">
-                <p14:modId xmlns:p14="http://schemas.microsoft.com/office/powerpoint/2010/main" val="1367857126"/>
+                <p14:modId xmlns:p14="http://schemas.microsoft.com/office/powerpoint/2010/main" val="4046689836"/>
               </p:ext>
             </p:extLst>
           </p:nvPr>
         </p:nvGraphicFramePr>
         <p:xfrm>
-          <a:off x="5761689" y="6451920"/>
-          <a:ext cx="4144311" cy="370840"/>
+          <a:off x="3157272" y="6433062"/>
+          <a:ext cx="6520127" cy="360000"/>
         </p:xfrm>
         <a:graphic>
           <a:graphicData uri="http://schemas.openxmlformats.org/drawingml/2006/table">
@@ -2735,29 +3232,36 @@
                 <a:tableStyleId>{5C22544A-7EE6-4342-B048-85BDC9FD1C3A}</a:tableStyleId>
               </a:tblPr>
               <a:tblGrid>
-                <a:gridCol w="1381437">
+                <a:gridCol w="1157874">
                   <a:extLst>
                     <a:ext uri="{9D8B030D-6E8A-4147-A177-3AD203B41FA5}">
                       <a16:colId xmlns:a16="http://schemas.microsoft.com/office/drawing/2014/main" val="1845057893"/>
                     </a:ext>
                   </a:extLst>
                 </a:gridCol>
-                <a:gridCol w="1381437">
+                <a:gridCol w="1157874">
                   <a:extLst>
                     <a:ext uri="{9D8B030D-6E8A-4147-A177-3AD203B41FA5}">
                       <a16:colId xmlns:a16="http://schemas.microsoft.com/office/drawing/2014/main" val="3192560304"/>
                     </a:ext>
                   </a:extLst>
                 </a:gridCol>
-                <a:gridCol w="1381437">
+                <a:gridCol w="1313760">
                   <a:extLst>
                     <a:ext uri="{9D8B030D-6E8A-4147-A177-3AD203B41FA5}">
                       <a16:colId xmlns:a16="http://schemas.microsoft.com/office/drawing/2014/main" val="1004428497"/>
                     </a:ext>
                   </a:extLst>
                 </a:gridCol>
+                <a:gridCol w="2890619">
+                  <a:extLst>
+                    <a:ext uri="{9D8B030D-6E8A-4147-A177-3AD203B41FA5}">
+                      <a16:colId xmlns:a16="http://schemas.microsoft.com/office/drawing/2014/main" val="3180650691"/>
+                    </a:ext>
+                  </a:extLst>
+                </a:gridCol>
               </a:tblGrid>
-              <a:tr h="370840">
+              <a:tr h="360000">
                 <a:tc>
                   <a:txBody>
                     <a:bodyPr/>
@@ -2787,11 +3291,86 @@
                           </a:solidFill>
                           <a:latin typeface="Aptos" panose="020B0004020202020204" pitchFamily="34" charset="0"/>
                         </a:rPr>
-                        <a:t>Memorize</a:t>
+                        <a:t>Understand</a:t>
                       </a:r>
                     </a:p>
                   </a:txBody>
-                  <a:tcPr anchor="ctr">
+                  <a:tcPr marL="0" marR="0" marT="0" marB="0" anchor="ctr">
+                    <a:lnL w="12700" cap="flat" cmpd="sng" algn="ctr">
+                      <a:noFill/>
+                      <a:prstDash val="solid"/>
+                      <a:round/>
+                      <a:headEnd type="none" w="med" len="med"/>
+                      <a:tailEnd type="none" w="med" len="med"/>
+                    </a:lnL>
+                    <a:lnR w="12700" cap="flat" cmpd="sng" algn="ctr">
+                      <a:noFill/>
+                      <a:prstDash val="solid"/>
+                      <a:round/>
+                      <a:headEnd type="none" w="med" len="med"/>
+                      <a:tailEnd type="none" w="med" len="med"/>
+                    </a:lnR>
+                    <a:lnT w="12700" cap="flat" cmpd="sng" algn="ctr">
+                      <a:noFill/>
+                      <a:prstDash val="solid"/>
+                      <a:round/>
+                      <a:headEnd type="none" w="med" len="med"/>
+                      <a:tailEnd type="none" w="med" len="med"/>
+                    </a:lnT>
+                    <a:lnB w="12700" cap="flat" cmpd="sng" algn="ctr">
+                      <a:noFill/>
+                      <a:prstDash val="solid"/>
+                      <a:round/>
+                      <a:headEnd type="none" w="med" len="med"/>
+                      <a:tailEnd type="none" w="med" len="med"/>
+                    </a:lnB>
+                    <a:lnTlToBr w="12700" cmpd="sng">
+                      <a:noFill/>
+                      <a:prstDash val="solid"/>
+                    </a:lnTlToBr>
+                    <a:lnBlToTr w="12700" cmpd="sng">
+                      <a:noFill/>
+                      <a:prstDash val="solid"/>
+                    </a:lnBlToTr>
+                    <a:solidFill>
+                      <a:schemeClr val="bg1"/>
+                    </a:solidFill>
+                  </a:tcPr>
+                </a:tc>
+                <a:tc>
+                  <a:txBody>
+                    <a:bodyPr/>
+                    <a:lstStyle/>
+                    <a:p>
+                      <a:pPr marL="457200" marR="0" lvl="1" indent="0" algn="l" defTabSz="914400" eaLnBrk="1" fontAlgn="auto" latinLnBrk="0" hangingPunct="1">
+                        <a:lnSpc>
+                          <a:spcPct val="100000"/>
+                        </a:lnSpc>
+                        <a:spcBef>
+                          <a:spcPts val="0"/>
+                        </a:spcBef>
+                        <a:spcAft>
+                          <a:spcPts val="0"/>
+                        </a:spcAft>
+                        <a:buClrTx/>
+                        <a:buSzTx/>
+                        <a:buFontTx/>
+                        <a:buNone/>
+                        <a:tabLst/>
+                        <a:defRPr/>
+                      </a:pPr>
+                      <a:r>
+                        <a:rPr lang="en-MY" sz="1000" b="0" dirty="0">
+                          <a:solidFill>
+                            <a:schemeClr val="tx1"/>
+                          </a:solidFill>
+                          <a:latin typeface="Aptos" panose="020B0004020202020204" pitchFamily="34" charset="0"/>
+                        </a:rPr>
+                        <a:t>Memorize</a:t>
+                      </a:r>
+                    </a:p>
+                  </a:txBody>
+                  <a:tcPr marL="0" marR="0" marT="0" marB="0" anchor="ctr">
                     <a:lnL w="12700" cap="flat" cmpd="sng" algn="ctr">
                       <a:noFill/>
                       <a:prstDash val="solid"/>
@@ -2846,11 +3425,11 @@
                           </a:solidFill>
                           <a:latin typeface="Aptos" panose="020B0004020202020204" pitchFamily="34" charset="0"/>
                         </a:rPr>
-                        <a:t>Understand</a:t>
+                        <a:t>Alert / Aware</a:t>
                       </a:r>
                     </a:p>
                   </a:txBody>
-                  <a:tcPr anchor="ctr">
+                  <a:tcPr marL="0" marR="0" marT="0" marB="0" anchor="ctr">
                     <a:lnL w="12700" cap="flat" cmpd="sng" algn="ctr">
                       <a:noFill/>
                       <a:prstDash val="solid"/>
@@ -2897,19 +3476,35 @@
                     <a:bodyPr/>
                     <a:lstStyle/>
                     <a:p>
-                      <a:pPr lvl="1" algn="l"/>
-                      <a:r>
-                        <a:rPr lang="en-MY" sz="1000" b="0" dirty="0">
+                      <a:pPr marL="457200" marR="0" lvl="1" indent="-188913" algn="l" defTabSz="914400" eaLnBrk="1" fontAlgn="auto" latinLnBrk="0" hangingPunct="1">
+                        <a:lnSpc>
+                          <a:spcPct val="100000"/>
+                        </a:lnSpc>
+                        <a:spcBef>
+                          <a:spcPts val="0"/>
+                        </a:spcBef>
+                        <a:spcAft>
+                          <a:spcPts val="0"/>
+                        </a:spcAft>
+                        <a:buClrTx/>
+                        <a:buSzTx/>
+                        <a:buFontTx/>
+                        <a:buNone/>
+                        <a:tabLst/>
+                        <a:defRPr/>
+                      </a:pPr>
+                      <a:r>
+                        <a:rPr lang="en-MY" sz="1000" b="0" i="1" dirty="0">
                           <a:solidFill>
                             <a:schemeClr val="tx1"/>
                           </a:solidFill>
                           <a:latin typeface="Aptos" panose="020B0004020202020204" pitchFamily="34" charset="0"/>
                         </a:rPr>
-                        <a:t>Alert / Aware</a:t>
+                        <a:t>…. free your mind ….. more brain time for game</a:t>
                       </a:r>
                     </a:p>
                   </a:txBody>
-                  <a:tcPr anchor="ctr">
+                  <a:tcPr marL="0" marR="0" marT="0" marB="0" anchor="ctr">
                     <a:lnL w="12700" cap="flat" cmpd="sng" algn="ctr">
                       <a:noFill/>
                       <a:prstDash val="solid"/>
@@ -3021,13 +3616,13 @@
           <p:nvPr>
             <p:extLst>
               <p:ext uri="{D42A27DB-BD31-4B8C-83A1-F6EECF244321}">
-                <p14:modId xmlns:p14="http://schemas.microsoft.com/office/powerpoint/2010/main" val="2726537278"/>
+                <p14:modId xmlns:p14="http://schemas.microsoft.com/office/powerpoint/2010/main" val="343834575"/>
               </p:ext>
             </p:extLst>
           </p:nvPr>
         </p:nvGraphicFramePr>
         <p:xfrm>
-          <a:off x="7627493" y="586358"/>
+          <a:off x="7793863" y="877711"/>
           <a:ext cx="1511300" cy="1511300"/>
         </p:xfrm>
         <a:graphic>
@@ -3135,7 +3730,7 @@
                         </a:rPr>
                         <a:t>3</a:t>
                       </a:r>
-                      <a:endParaRPr sz="2400">
+                      <a:endParaRPr sz="2400" dirty="0">
                         <a:latin typeface="Calibri"/>
                         <a:cs typeface="Calibri"/>
                       </a:endParaRPr>
@@ -3260,7 +3855,7 @@
                         </a:rPr>
                         <a:t>4</a:t>
                       </a:r>
-                      <a:endParaRPr sz="2400">
+                      <a:endParaRPr sz="2400" dirty="0">
                         <a:latin typeface="Calibri"/>
                         <a:cs typeface="Calibri"/>
                       </a:endParaRPr>
@@ -3952,8 +4547,8 @@
         </p:nvSpPr>
         <p:spPr>
           <a:xfrm>
-            <a:off x="7093825" y="2779379"/>
-            <a:ext cx="1978660" cy="1304969"/>
+            <a:off x="7093824" y="3129212"/>
+            <a:ext cx="2431175" cy="826439"/>
           </a:xfrm>
           <a:custGeom>
             <a:avLst/>
@@ -4047,11 +4642,11 @@
           <p:nvPr/>
         </p:nvPicPr>
         <p:blipFill rotWithShape="1">
-          <a:blip r:embed="rId2" cstate="print">
+          <a:blip r:embed="rId5" cstate="print">
             <a:extLst>
               <a:ext uri="{BEBA8EAE-BF5A-486C-A8C5-ECC9F3942E4B}">
                 <a14:imgProps xmlns:a14="http://schemas.microsoft.com/office/drawing/2010/main">
-                  <a14:imgLayer r:embed="rId3">
+                  <a14:imgLayer r:embed="rId6">
                     <a14:imgEffect>
                       <a14:colorTemperature colorTemp="8800"/>
                     </a14:imgEffect>
@@ -4085,307 +4680,6 @@
       </p:pic>
       <p:pic>
         <p:nvPicPr>
-          <p:cNvPr id="70" name="object 70"/>
-          <p:cNvPicPr/>
-          <p:nvPr/>
-        </p:nvPicPr>
-        <p:blipFill>
-          <a:blip r:embed="rId4" cstate="print"/>
-          <a:stretch>
-            <a:fillRect/>
-          </a:stretch>
-        </p:blipFill>
-        <p:spPr>
-          <a:xfrm>
-            <a:off x="7606030" y="2170429"/>
-            <a:ext cx="1541779" cy="256539"/>
-          </a:xfrm>
-          <a:prstGeom prst="rect">
-            <a:avLst/>
-          </a:prstGeom>
-        </p:spPr>
-      </p:pic>
-      <p:sp>
-        <p:nvSpPr>
-          <p:cNvPr id="71" name="object 71"/>
-          <p:cNvSpPr txBox="1"/>
-          <p:nvPr/>
-        </p:nvSpPr>
-        <p:spPr>
-          <a:xfrm>
-            <a:off x="8474075" y="2214245"/>
-            <a:ext cx="558165" cy="135935"/>
-          </a:xfrm>
-          <a:prstGeom prst="rect">
-            <a:avLst/>
-          </a:prstGeom>
-        </p:spPr>
-        <p:txBody>
-          <a:bodyPr vert="horz" wrap="square" lIns="0" tIns="12700" rIns="0" bIns="0" rtlCol="0">
-            <a:spAutoFit/>
-          </a:bodyPr>
-          <a:lstStyle/>
-          <a:p>
-            <a:pPr marL="12700">
-              <a:lnSpc>
-                <a:spcPct val="100000"/>
-              </a:lnSpc>
-              <a:spcBef>
-                <a:spcPts val="100"/>
-              </a:spcBef>
-            </a:pPr>
-            <a:r>
-              <a:rPr sz="800" b="1" spc="-10" dirty="0">
-                <a:solidFill>
-                  <a:srgbClr val="FFFFFF"/>
-                </a:solidFill>
-                <a:latin typeface="+mn-lt"/>
-                <a:cs typeface="Calibri"/>
-              </a:rPr>
-              <a:t>COMPETENT</a:t>
-            </a:r>
-            <a:endParaRPr sz="800" dirty="0">
-              <a:latin typeface="+mn-lt"/>
-              <a:cs typeface="Calibri"/>
-            </a:endParaRPr>
-          </a:p>
-        </p:txBody>
-      </p:sp>
-      <p:sp>
-        <p:nvSpPr>
-          <p:cNvPr id="72" name="object 72"/>
-          <p:cNvSpPr txBox="1"/>
-          <p:nvPr/>
-        </p:nvSpPr>
-        <p:spPr>
-          <a:xfrm>
-            <a:off x="7693279" y="2214245"/>
-            <a:ext cx="652145" cy="135935"/>
-          </a:xfrm>
-          <a:prstGeom prst="rect">
-            <a:avLst/>
-          </a:prstGeom>
-        </p:spPr>
-        <p:txBody>
-          <a:bodyPr vert="horz" wrap="square" lIns="0" tIns="12700" rIns="0" bIns="0" rtlCol="0">
-            <a:spAutoFit/>
-          </a:bodyPr>
-          <a:lstStyle/>
-          <a:p>
-            <a:pPr marL="12700">
-              <a:lnSpc>
-                <a:spcPct val="100000"/>
-              </a:lnSpc>
-              <a:spcBef>
-                <a:spcPts val="100"/>
-              </a:spcBef>
-            </a:pPr>
-            <a:r>
-              <a:rPr sz="800" b="1" spc="-10" dirty="0">
-                <a:solidFill>
-                  <a:srgbClr val="FFFFFF"/>
-                </a:solidFill>
-                <a:latin typeface="+mn-lt"/>
-                <a:cs typeface="Calibri"/>
-              </a:rPr>
-              <a:t>INCOMPETENT</a:t>
-            </a:r>
-            <a:endParaRPr sz="800" dirty="0">
-              <a:latin typeface="+mn-lt"/>
-              <a:cs typeface="Calibri"/>
-            </a:endParaRPr>
-          </a:p>
-        </p:txBody>
-      </p:sp>
-      <p:grpSp>
-        <p:nvGrpSpPr>
-          <p:cNvPr id="73" name="object 73"/>
-          <p:cNvGrpSpPr/>
-          <p:nvPr/>
-        </p:nvGrpSpPr>
-        <p:grpSpPr>
-          <a:xfrm>
-            <a:off x="7503159" y="2296160"/>
-            <a:ext cx="1785620" cy="314960"/>
-            <a:chOff x="7503159" y="2296160"/>
-            <a:chExt cx="1785620" cy="314960"/>
-          </a:xfrm>
-        </p:grpSpPr>
-        <p:sp>
-          <p:nvSpPr>
-            <p:cNvPr id="74" name="object 74"/>
-            <p:cNvSpPr/>
-            <p:nvPr/>
-          </p:nvSpPr>
-          <p:spPr>
-            <a:xfrm>
-              <a:off x="8980170" y="2302509"/>
-              <a:ext cx="302260" cy="302260"/>
-            </a:xfrm>
-            <a:custGeom>
-              <a:avLst/>
-              <a:gdLst/>
-              <a:ahLst/>
-              <a:cxnLst/>
-              <a:rect l="l" t="t" r="r" b="b"/>
-              <a:pathLst>
-                <a:path w="302259" h="302260">
-                  <a:moveTo>
-                    <a:pt x="302260" y="99060"/>
-                  </a:moveTo>
-                  <a:lnTo>
-                    <a:pt x="203073" y="99060"/>
-                  </a:lnTo>
-                  <a:lnTo>
-                    <a:pt x="203073" y="0"/>
-                  </a:lnTo>
-                  <a:lnTo>
-                    <a:pt x="99187" y="0"/>
-                  </a:lnTo>
-                  <a:lnTo>
-                    <a:pt x="99187" y="99060"/>
-                  </a:lnTo>
-                  <a:lnTo>
-                    <a:pt x="0" y="99060"/>
-                  </a:lnTo>
-                  <a:lnTo>
-                    <a:pt x="0" y="203200"/>
-                  </a:lnTo>
-                  <a:lnTo>
-                    <a:pt x="99187" y="203200"/>
-                  </a:lnTo>
-                  <a:lnTo>
-                    <a:pt x="99187" y="302260"/>
-                  </a:lnTo>
-                  <a:lnTo>
-                    <a:pt x="203073" y="302260"/>
-                  </a:lnTo>
-                  <a:lnTo>
-                    <a:pt x="203073" y="203200"/>
-                  </a:lnTo>
-                  <a:lnTo>
-                    <a:pt x="302260" y="203200"/>
-                  </a:lnTo>
-                  <a:lnTo>
-                    <a:pt x="302260" y="99060"/>
-                  </a:lnTo>
-                  <a:close/>
-                </a:path>
-              </a:pathLst>
-            </a:custGeom>
-            <a:solidFill>
-              <a:srgbClr val="4471C4"/>
-            </a:solidFill>
-          </p:spPr>
-          <p:txBody>
-            <a:bodyPr wrap="square" lIns="0" tIns="0" rIns="0" bIns="0" rtlCol="0"/>
-            <a:lstStyle/>
-            <a:p>
-              <a:endParaRPr>
-                <a:latin typeface="Aptos Display" panose="020B0004020202020204" pitchFamily="34" charset="0"/>
-              </a:endParaRPr>
-            </a:p>
-          </p:txBody>
-        </p:sp>
-        <p:sp>
-          <p:nvSpPr>
-            <p:cNvPr id="75" name="object 75"/>
-            <p:cNvSpPr/>
-            <p:nvPr/>
-          </p:nvSpPr>
-          <p:spPr>
-            <a:xfrm>
-              <a:off x="7509509" y="2302510"/>
-              <a:ext cx="1772920" cy="302260"/>
-            </a:xfrm>
-            <a:custGeom>
-              <a:avLst/>
-              <a:gdLst/>
-              <a:ahLst/>
-              <a:cxnLst/>
-              <a:rect l="l" t="t" r="r" b="b"/>
-              <a:pathLst>
-                <a:path w="1772920" h="302260">
-                  <a:moveTo>
-                    <a:pt x="1470660" y="99187"/>
-                  </a:moveTo>
-                  <a:lnTo>
-                    <a:pt x="1569847" y="99187"/>
-                  </a:lnTo>
-                  <a:lnTo>
-                    <a:pt x="1569847" y="0"/>
-                  </a:lnTo>
-                  <a:lnTo>
-                    <a:pt x="1673733" y="0"/>
-                  </a:lnTo>
-                  <a:lnTo>
-                    <a:pt x="1673733" y="99187"/>
-                  </a:lnTo>
-                  <a:lnTo>
-                    <a:pt x="1772920" y="99187"/>
-                  </a:lnTo>
-                  <a:lnTo>
-                    <a:pt x="1772920" y="203073"/>
-                  </a:lnTo>
-                  <a:lnTo>
-                    <a:pt x="1673733" y="203073"/>
-                  </a:lnTo>
-                  <a:lnTo>
-                    <a:pt x="1673733" y="302260"/>
-                  </a:lnTo>
-                  <a:lnTo>
-                    <a:pt x="1569847" y="302260"/>
-                  </a:lnTo>
-                  <a:lnTo>
-                    <a:pt x="1569847" y="203073"/>
-                  </a:lnTo>
-                  <a:lnTo>
-                    <a:pt x="1470660" y="203073"/>
-                  </a:lnTo>
-                  <a:lnTo>
-                    <a:pt x="1470660" y="99187"/>
-                  </a:lnTo>
-                  <a:close/>
-                </a:path>
-                <a:path w="1772920" h="302260">
-                  <a:moveTo>
-                    <a:pt x="0" y="185419"/>
-                  </a:moveTo>
-                  <a:lnTo>
-                    <a:pt x="284479" y="185419"/>
-                  </a:lnTo>
-                  <a:lnTo>
-                    <a:pt x="284479" y="88899"/>
-                  </a:lnTo>
-                  <a:lnTo>
-                    <a:pt x="0" y="88899"/>
-                  </a:lnTo>
-                  <a:lnTo>
-                    <a:pt x="0" y="185419"/>
-                  </a:lnTo>
-                  <a:close/>
-                </a:path>
-              </a:pathLst>
-            </a:custGeom>
-            <a:ln w="12700">
-              <a:solidFill>
-                <a:srgbClr val="FFFFFF"/>
-              </a:solidFill>
-            </a:ln>
-          </p:spPr>
-          <p:txBody>
-            <a:bodyPr wrap="square" lIns="0" tIns="0" rIns="0" bIns="0" rtlCol="0"/>
-            <a:lstStyle/>
-            <a:p>
-              <a:endParaRPr>
-                <a:latin typeface="Aptos Display" panose="020B0004020202020204" pitchFamily="34" charset="0"/>
-              </a:endParaRPr>
-            </a:p>
-          </p:txBody>
-        </p:sp>
-      </p:grpSp>
-      <p:pic>
-        <p:nvPicPr>
           <p:cNvPr id="1026" name="Picture 2" descr="The mind-heart connection | Women's Wellness">
             <a:extLst>
               <a:ext uri="{FF2B5EF4-FFF2-40B4-BE49-F238E27FC236}">
@@ -4399,8 +4693,17 @@
           <p:nvPr/>
         </p:nvPicPr>
         <p:blipFill>
-          <a:blip r:embed="rId5" cstate="print">
+          <a:blip r:embed="rId7" cstate="print">
             <a:extLst>
+              <a:ext uri="{BEBA8EAE-BF5A-486C-A8C5-ECC9F3942E4B}">
+                <a14:imgProps xmlns:a14="http://schemas.microsoft.com/office/drawing/2010/main">
+                  <a14:imgLayer r:embed="rId8">
+                    <a14:imgEffect>
+                      <a14:brightnessContrast bright="20000" contrast="-20000"/>
+                    </a14:imgEffect>
+                  </a14:imgLayer>
+                </a14:imgProps>
+              </a:ext>
               <a:ext uri="{28A0092B-C50C-407E-A947-70E740481C1C}">
                 <a14:useLocalDpi xmlns:a14="http://schemas.microsoft.com/office/drawing/2010/main" val="0"/>
               </a:ext>
@@ -4418,7 +4721,7 @@
           </a:xfrm>
           <a:prstGeom prst="roundRect">
             <a:avLst>
-              <a:gd name="adj" fmla="val 12980"/>
+              <a:gd name="adj" fmla="val 46293"/>
             </a:avLst>
           </a:prstGeom>
           <a:solidFill>
@@ -4532,7 +4835,7 @@
           <p:nvPr/>
         </p:nvPicPr>
         <p:blipFill>
-          <a:blip r:embed="rId6" cstate="print"/>
+          <a:blip r:embed="rId9" cstate="print"/>
           <a:stretch>
             <a:fillRect/>
           </a:stretch>
@@ -4782,7 +5085,7 @@
         </p:nvSpPr>
         <p:spPr>
           <a:xfrm>
-            <a:off x="6035810" y="1860549"/>
+            <a:off x="6061597" y="1985306"/>
             <a:ext cx="1338635" cy="1042442"/>
           </a:xfrm>
           <a:prstGeom prst="ellipse">
@@ -4814,18 +5117,310 @@
       </p:sp>
       <p:grpSp>
         <p:nvGrpSpPr>
-          <p:cNvPr id="76" name="object 76"/>
+          <p:cNvPr id="40" name="Group 39">
+            <a:extLst>
+              <a:ext uri="{FF2B5EF4-FFF2-40B4-BE49-F238E27FC236}">
+                <a16:creationId xmlns:a16="http://schemas.microsoft.com/office/drawing/2014/main" id="{EB5A66A3-30AA-F6EC-5509-600CBAB86650}"/>
+              </a:ext>
+            </a:extLst>
+          </p:cNvPr>
           <p:cNvGrpSpPr/>
           <p:nvPr/>
         </p:nvGrpSpPr>
         <p:grpSpPr>
           <a:xfrm>
-            <a:off x="7087260" y="242047"/>
-            <a:ext cx="970279" cy="2253635"/>
-            <a:chOff x="7112000" y="261620"/>
-            <a:chExt cx="970279" cy="2253635"/>
+            <a:off x="7253630" y="533400"/>
+            <a:ext cx="2195170" cy="2362723"/>
+            <a:chOff x="7087260" y="242047"/>
+            <a:chExt cx="2195170" cy="2362723"/>
           </a:xfrm>
         </p:grpSpPr>
+        <p:pic>
+          <p:nvPicPr>
+            <p:cNvPr id="70" name="object 70"/>
+            <p:cNvPicPr/>
+            <p:nvPr/>
+          </p:nvPicPr>
+          <p:blipFill>
+            <a:blip r:embed="rId10" cstate="print"/>
+            <a:stretch>
+              <a:fillRect/>
+            </a:stretch>
+          </p:blipFill>
+          <p:spPr>
+            <a:xfrm>
+              <a:off x="7606030" y="2170429"/>
+              <a:ext cx="1541779" cy="256539"/>
+            </a:xfrm>
+            <a:prstGeom prst="rect">
+              <a:avLst/>
+            </a:prstGeom>
+          </p:spPr>
+        </p:pic>
+        <p:sp>
+          <p:nvSpPr>
+            <p:cNvPr id="71" name="object 71"/>
+            <p:cNvSpPr txBox="1"/>
+            <p:nvPr/>
+          </p:nvSpPr>
+          <p:spPr>
+            <a:xfrm>
+              <a:off x="8474075" y="2214245"/>
+              <a:ext cx="558165" cy="135935"/>
+            </a:xfrm>
+            <a:prstGeom prst="rect">
+              <a:avLst/>
+            </a:prstGeom>
+          </p:spPr>
+          <p:txBody>
+            <a:bodyPr vert="horz" wrap="square" lIns="0" tIns="12700" rIns="0" bIns="0" rtlCol="0">
+              <a:spAutoFit/>
+            </a:bodyPr>
+            <a:lstStyle/>
+            <a:p>
+              <a:pPr marL="12700">
+                <a:lnSpc>
+                  <a:spcPct val="100000"/>
+                </a:lnSpc>
+                <a:spcBef>
+                  <a:spcPts val="100"/>
+                </a:spcBef>
+              </a:pPr>
+              <a:r>
+                <a:rPr sz="800" b="1" spc="-10" dirty="0">
+                  <a:solidFill>
+                    <a:srgbClr val="FFFFFF"/>
+                  </a:solidFill>
+                  <a:latin typeface="+mn-lt"/>
+                  <a:cs typeface="Calibri"/>
+                </a:rPr>
+                <a:t>COMPETENT</a:t>
+              </a:r>
+              <a:endParaRPr sz="800" dirty="0">
+                <a:latin typeface="+mn-lt"/>
+                <a:cs typeface="Calibri"/>
+              </a:endParaRPr>
+            </a:p>
+          </p:txBody>
+        </p:sp>
+        <p:sp>
+          <p:nvSpPr>
+            <p:cNvPr id="72" name="object 72"/>
+            <p:cNvSpPr txBox="1"/>
+            <p:nvPr/>
+          </p:nvSpPr>
+          <p:spPr>
+            <a:xfrm>
+              <a:off x="7693279" y="2214245"/>
+              <a:ext cx="652145" cy="135935"/>
+            </a:xfrm>
+            <a:prstGeom prst="rect">
+              <a:avLst/>
+            </a:prstGeom>
+          </p:spPr>
+          <p:txBody>
+            <a:bodyPr vert="horz" wrap="square" lIns="0" tIns="12700" rIns="0" bIns="0" rtlCol="0">
+              <a:spAutoFit/>
+            </a:bodyPr>
+            <a:lstStyle/>
+            <a:p>
+              <a:pPr marL="12700">
+                <a:lnSpc>
+                  <a:spcPct val="100000"/>
+                </a:lnSpc>
+                <a:spcBef>
+                  <a:spcPts val="100"/>
+                </a:spcBef>
+              </a:pPr>
+              <a:r>
+                <a:rPr sz="800" b="1" spc="-10" dirty="0">
+                  <a:solidFill>
+                    <a:srgbClr val="FFFFFF"/>
+                  </a:solidFill>
+                  <a:latin typeface="+mn-lt"/>
+                  <a:cs typeface="Calibri"/>
+                </a:rPr>
+                <a:t>INCOMPETENT</a:t>
+              </a:r>
+              <a:endParaRPr sz="800" dirty="0">
+                <a:latin typeface="+mn-lt"/>
+                <a:cs typeface="Calibri"/>
+              </a:endParaRPr>
+            </a:p>
+          </p:txBody>
+        </p:sp>
+        <p:sp>
+          <p:nvSpPr>
+            <p:cNvPr id="74" name="object 74"/>
+            <p:cNvSpPr/>
+            <p:nvPr/>
+          </p:nvSpPr>
+          <p:spPr>
+            <a:xfrm>
+              <a:off x="8980170" y="2302509"/>
+              <a:ext cx="302260" cy="302260"/>
+            </a:xfrm>
+            <a:custGeom>
+              <a:avLst/>
+              <a:gdLst/>
+              <a:ahLst/>
+              <a:cxnLst/>
+              <a:rect l="l" t="t" r="r" b="b"/>
+              <a:pathLst>
+                <a:path w="302259" h="302260">
+                  <a:moveTo>
+                    <a:pt x="302260" y="99060"/>
+                  </a:moveTo>
+                  <a:lnTo>
+                    <a:pt x="203073" y="99060"/>
+                  </a:lnTo>
+                  <a:lnTo>
+                    <a:pt x="203073" y="0"/>
+                  </a:lnTo>
+                  <a:lnTo>
+                    <a:pt x="99187" y="0"/>
+                  </a:lnTo>
+                  <a:lnTo>
+                    <a:pt x="99187" y="99060"/>
+                  </a:lnTo>
+                  <a:lnTo>
+                    <a:pt x="0" y="99060"/>
+                  </a:lnTo>
+                  <a:lnTo>
+                    <a:pt x="0" y="203200"/>
+                  </a:lnTo>
+                  <a:lnTo>
+                    <a:pt x="99187" y="203200"/>
+                  </a:lnTo>
+                  <a:lnTo>
+                    <a:pt x="99187" y="302260"/>
+                  </a:lnTo>
+                  <a:lnTo>
+                    <a:pt x="203073" y="302260"/>
+                  </a:lnTo>
+                  <a:lnTo>
+                    <a:pt x="203073" y="203200"/>
+                  </a:lnTo>
+                  <a:lnTo>
+                    <a:pt x="302260" y="203200"/>
+                  </a:lnTo>
+                  <a:lnTo>
+                    <a:pt x="302260" y="99060"/>
+                  </a:lnTo>
+                  <a:close/>
+                </a:path>
+              </a:pathLst>
+            </a:custGeom>
+            <a:solidFill>
+              <a:srgbClr val="4471C4"/>
+            </a:solidFill>
+          </p:spPr>
+          <p:txBody>
+            <a:bodyPr wrap="square" lIns="0" tIns="0" rIns="0" bIns="0" rtlCol="0"/>
+            <a:lstStyle/>
+            <a:p>
+              <a:endParaRPr>
+                <a:latin typeface="Aptos Display" panose="020B0004020202020204" pitchFamily="34" charset="0"/>
+              </a:endParaRPr>
+            </a:p>
+          </p:txBody>
+        </p:sp>
+        <p:sp>
+          <p:nvSpPr>
+            <p:cNvPr id="75" name="object 75"/>
+            <p:cNvSpPr/>
+            <p:nvPr/>
+          </p:nvSpPr>
+          <p:spPr>
+            <a:xfrm>
+              <a:off x="7509509" y="2302510"/>
+              <a:ext cx="1772920" cy="302260"/>
+            </a:xfrm>
+            <a:custGeom>
+              <a:avLst/>
+              <a:gdLst/>
+              <a:ahLst/>
+              <a:cxnLst/>
+              <a:rect l="l" t="t" r="r" b="b"/>
+              <a:pathLst>
+                <a:path w="1772920" h="302260">
+                  <a:moveTo>
+                    <a:pt x="1470660" y="99187"/>
+                  </a:moveTo>
+                  <a:lnTo>
+                    <a:pt x="1569847" y="99187"/>
+                  </a:lnTo>
+                  <a:lnTo>
+                    <a:pt x="1569847" y="0"/>
+                  </a:lnTo>
+                  <a:lnTo>
+                    <a:pt x="1673733" y="0"/>
+                  </a:lnTo>
+                  <a:lnTo>
+                    <a:pt x="1673733" y="99187"/>
+                  </a:lnTo>
+                  <a:lnTo>
+                    <a:pt x="1772920" y="99187"/>
+                  </a:lnTo>
+                  <a:lnTo>
+                    <a:pt x="1772920" y="203073"/>
+                  </a:lnTo>
+                  <a:lnTo>
+                    <a:pt x="1673733" y="203073"/>
+                  </a:lnTo>
+                  <a:lnTo>
+                    <a:pt x="1673733" y="302260"/>
+                  </a:lnTo>
+                  <a:lnTo>
+                    <a:pt x="1569847" y="302260"/>
+                  </a:lnTo>
+                  <a:lnTo>
+                    <a:pt x="1569847" y="203073"/>
+                  </a:lnTo>
+                  <a:lnTo>
+                    <a:pt x="1470660" y="203073"/>
+                  </a:lnTo>
+                  <a:lnTo>
+                    <a:pt x="1470660" y="99187"/>
+                  </a:lnTo>
+                  <a:close/>
+                </a:path>
+                <a:path w="1772920" h="302260">
+                  <a:moveTo>
+                    <a:pt x="0" y="185419"/>
+                  </a:moveTo>
+                  <a:lnTo>
+                    <a:pt x="284479" y="185419"/>
+                  </a:lnTo>
+                  <a:lnTo>
+                    <a:pt x="284479" y="88899"/>
+                  </a:lnTo>
+                  <a:lnTo>
+                    <a:pt x="0" y="88899"/>
+                  </a:lnTo>
+                  <a:lnTo>
+                    <a:pt x="0" y="185419"/>
+                  </a:lnTo>
+                  <a:close/>
+                </a:path>
+              </a:pathLst>
+            </a:custGeom>
+            <a:ln w="12700">
+              <a:solidFill>
+                <a:srgbClr val="FFFFFF"/>
+              </a:solidFill>
+            </a:ln>
+          </p:spPr>
+          <p:txBody>
+            <a:bodyPr wrap="square" lIns="0" tIns="0" rIns="0" bIns="0" rtlCol="0"/>
+            <a:lstStyle/>
+            <a:p>
+              <a:endParaRPr>
+                <a:latin typeface="Aptos Display" panose="020B0004020202020204" pitchFamily="34" charset="0"/>
+              </a:endParaRPr>
+            </a:p>
+          </p:txBody>
+        </p:sp>
         <p:sp>
           <p:nvSpPr>
             <p:cNvPr id="77" name="object 77"/>
@@ -4834,7 +5429,7 @@
           </p:nvSpPr>
           <p:spPr>
             <a:xfrm>
-              <a:off x="7530527" y="2418735"/>
+              <a:off x="7505787" y="2399162"/>
               <a:ext cx="284480" cy="96520"/>
             </a:xfrm>
             <a:custGeom>
@@ -4885,14 +5480,14 @@
             <p:nvPr/>
           </p:nvPicPr>
           <p:blipFill>
-            <a:blip r:embed="rId7" cstate="print"/>
+            <a:blip r:embed="rId11" cstate="print"/>
             <a:stretch>
               <a:fillRect/>
             </a:stretch>
           </p:blipFill>
           <p:spPr>
             <a:xfrm>
-              <a:off x="7112000" y="261620"/>
+              <a:off x="7087260" y="242047"/>
               <a:ext cx="970279" cy="2156459"/>
             </a:xfrm>
             <a:prstGeom prst="rect">
@@ -4912,52 +5507,13 @@
           </p:cNvPr>
           <p:cNvCxnSpPr>
             <a:cxnSpLocks/>
-            <a:endCxn id="78" idx="1"/>
           </p:cNvCxnSpPr>
           <p:nvPr/>
         </p:nvCxnSpPr>
         <p:spPr>
           <a:xfrm flipV="1">
-            <a:off x="5262304" y="1320277"/>
-            <a:ext cx="1824956" cy="1856798"/>
-          </a:xfrm>
-          <a:prstGeom prst="line">
-            <a:avLst/>
-          </a:prstGeom>
-        </p:spPr>
-        <p:style>
-          <a:lnRef idx="1">
-            <a:schemeClr val="dk1"/>
-          </a:lnRef>
-          <a:fillRef idx="0">
-            <a:schemeClr val="dk1"/>
-          </a:fillRef>
-          <a:effectRef idx="0">
-            <a:schemeClr val="dk1"/>
-          </a:effectRef>
-          <a:fontRef idx="minor">
-            <a:schemeClr val="tx1"/>
-          </a:fontRef>
-        </p:style>
-      </p:cxnSp>
-      <p:cxnSp>
-        <p:nvCxnSpPr>
-          <p:cNvPr id="94" name="Straight Connector 93">
-            <a:extLst>
-              <a:ext uri="{FF2B5EF4-FFF2-40B4-BE49-F238E27FC236}">
-                <a16:creationId xmlns:a16="http://schemas.microsoft.com/office/drawing/2014/main" id="{D9A18D5F-FA46-467F-7930-D70B985AEE49}"/>
-              </a:ext>
-            </a:extLst>
-          </p:cNvPr>
-          <p:cNvCxnSpPr>
-            <a:cxnSpLocks/>
-          </p:cNvCxnSpPr>
-          <p:nvPr/>
-        </p:nvCxnSpPr>
-        <p:spPr>
-          <a:xfrm flipV="1">
-            <a:off x="5955537" y="2523360"/>
-            <a:ext cx="2274063" cy="495211"/>
+            <a:off x="5291170" y="1353739"/>
+            <a:ext cx="1965773" cy="1817430"/>
           </a:xfrm>
           <a:prstGeom prst="line">
             <a:avLst/>
@@ -4992,7 +5548,7 @@
         </p:nvSpPr>
         <p:spPr>
           <a:xfrm>
-            <a:off x="6361945" y="2779379"/>
+            <a:off x="6361945" y="2895600"/>
             <a:ext cx="1093709" cy="1304969"/>
           </a:xfrm>
           <a:prstGeom prst="ellipse">
@@ -5044,8 +5600,8 @@
         </p:nvSpPr>
         <p:spPr>
           <a:xfrm>
-            <a:off x="7093825" y="3428111"/>
-            <a:ext cx="1982470" cy="0"/>
+            <a:off x="7093825" y="3544331"/>
+            <a:ext cx="2437738" cy="45719"/>
           </a:xfrm>
           <a:custGeom>
             <a:avLst/>
@@ -6256,366 +6812,728 @@
           </a:fontRef>
         </p:style>
       </p:cxnSp>
-      <p:pic>
-        <p:nvPicPr>
-          <p:cNvPr id="10" name="Picture 9">
+      <p:cxnSp>
+        <p:nvCxnSpPr>
+          <p:cNvPr id="94" name="Straight Connector 93">
             <a:extLst>
               <a:ext uri="{FF2B5EF4-FFF2-40B4-BE49-F238E27FC236}">
-                <a16:creationId xmlns:a16="http://schemas.microsoft.com/office/drawing/2014/main" id="{339DA9A0-6F2D-027C-724E-47CC9D97D455}"/>
+                <a16:creationId xmlns:a16="http://schemas.microsoft.com/office/drawing/2014/main" id="{D9A18D5F-FA46-467F-7930-D70B985AEE49}"/>
               </a:ext>
             </a:extLst>
           </p:cNvPr>
-          <p:cNvPicPr>
-            <a:picLocks noChangeAspect="1"/>
-          </p:cNvPicPr>
+          <p:cNvCxnSpPr>
+            <a:cxnSpLocks/>
+          </p:cNvCxnSpPr>
           <p:nvPr/>
-        </p:nvPicPr>
-        <p:blipFill>
-          <a:blip r:embed="rId8"/>
-          <a:stretch>
-            <a:fillRect/>
-          </a:stretch>
-        </p:blipFill>
+        </p:nvCxnSpPr>
         <p:spPr>
-          <a:xfrm>
-            <a:off x="7479024" y="6552030"/>
-            <a:ext cx="172820" cy="180000"/>
+          <a:xfrm flipV="1">
+            <a:off x="5955537" y="2847441"/>
+            <a:ext cx="2528241" cy="171130"/>
           </a:xfrm>
-          <a:prstGeom prst="rect">
+          <a:prstGeom prst="line">
             <a:avLst/>
           </a:prstGeom>
         </p:spPr>
-      </p:pic>
-      <p:pic>
-        <p:nvPicPr>
-          <p:cNvPr id="11" name="Picture 10">
+        <p:style>
+          <a:lnRef idx="1">
+            <a:schemeClr val="dk1"/>
+          </a:lnRef>
+          <a:fillRef idx="0">
+            <a:schemeClr val="dk1"/>
+          </a:fillRef>
+          <a:effectRef idx="0">
+            <a:schemeClr val="dk1"/>
+          </a:effectRef>
+          <a:fontRef idx="minor">
+            <a:schemeClr val="tx1"/>
+          </a:fontRef>
+        </p:style>
+      </p:cxnSp>
+      <p:sp>
+        <p:nvSpPr>
+          <p:cNvPr id="96" name="Oval 95">
             <a:extLst>
               <a:ext uri="{FF2B5EF4-FFF2-40B4-BE49-F238E27FC236}">
-                <a16:creationId xmlns:a16="http://schemas.microsoft.com/office/drawing/2014/main" id="{8903CA19-639F-CE15-A3F8-05179A01C126}"/>
+                <a16:creationId xmlns:a16="http://schemas.microsoft.com/office/drawing/2014/main" id="{565CF67B-78E9-5E96-0785-95A72351409F}"/>
               </a:ext>
             </a:extLst>
           </p:cNvPr>
-          <p:cNvPicPr>
-            <a:picLocks noChangeAspect="1"/>
-          </p:cNvPicPr>
+          <p:cNvSpPr/>
           <p:nvPr/>
-        </p:nvPicPr>
-        <p:blipFill>
-          <a:blip r:embed="rId9"/>
-          <a:stretch>
-            <a:fillRect/>
-          </a:stretch>
-        </p:blipFill>
+        </p:nvSpPr>
         <p:spPr>
           <a:xfrm>
-            <a:off x="6105821" y="6549564"/>
-            <a:ext cx="180575" cy="180000"/>
+            <a:off x="4419600" y="2209800"/>
+            <a:ext cx="216000" cy="216000"/>
           </a:xfrm>
-          <a:prstGeom prst="rect">
+          <a:prstGeom prst="ellipse">
             <a:avLst/>
           </a:prstGeom>
+          <a:ln>
+            <a:noFill/>
+          </a:ln>
         </p:spPr>
-      </p:pic>
-      <p:pic>
-        <p:nvPicPr>
-          <p:cNvPr id="12" name="Picture 11">
+        <p:style>
+          <a:lnRef idx="2">
+            <a:schemeClr val="dk1">
+              <a:shade val="15000"/>
+            </a:schemeClr>
+          </a:lnRef>
+          <a:fillRef idx="1">
+            <a:schemeClr val="dk1"/>
+          </a:fillRef>
+          <a:effectRef idx="0">
+            <a:schemeClr val="dk1"/>
+          </a:effectRef>
+          <a:fontRef idx="minor">
+            <a:schemeClr val="lt1"/>
+          </a:fontRef>
+        </p:style>
+        <p:txBody>
+          <a:bodyPr rtlCol="0" anchor="ctr"/>
+          <a:lstStyle/>
+          <a:p>
+            <a:pPr algn="ctr"/>
+            <a:r>
+              <a:rPr lang="en-MY" sz="1100" b="1" dirty="0">
+                <a:latin typeface="Aptos Display" panose="020B0004020202020204" pitchFamily="34" charset="0"/>
+              </a:rPr>
+              <a:t>M</a:t>
+            </a:r>
+            <a:endParaRPr lang="en-MY" b="1" dirty="0">
+              <a:latin typeface="Aptos Display" panose="020B0004020202020204" pitchFamily="34" charset="0"/>
+            </a:endParaRPr>
+          </a:p>
+        </p:txBody>
+      </p:sp>
+      <p:sp>
+        <p:nvSpPr>
+          <p:cNvPr id="98" name="Oval 97">
             <a:extLst>
               <a:ext uri="{FF2B5EF4-FFF2-40B4-BE49-F238E27FC236}">
-                <a16:creationId xmlns:a16="http://schemas.microsoft.com/office/drawing/2014/main" id="{70C0CC1B-CC1C-31B8-01F4-72D81CFC7E5A}"/>
+                <a16:creationId xmlns:a16="http://schemas.microsoft.com/office/drawing/2014/main" id="{43745D4E-BEE4-FA14-588E-CE877424639D}"/>
               </a:ext>
             </a:extLst>
           </p:cNvPr>
-          <p:cNvPicPr>
-            <a:picLocks noChangeAspect="1"/>
-          </p:cNvPicPr>
+          <p:cNvSpPr/>
           <p:nvPr/>
-        </p:nvPicPr>
-        <p:blipFill>
-          <a:blip r:embed="rId10"/>
-          <a:stretch>
-            <a:fillRect/>
-          </a:stretch>
-        </p:blipFill>
+        </p:nvSpPr>
         <p:spPr>
           <a:xfrm>
-            <a:off x="8852240" y="6546010"/>
-            <a:ext cx="180000" cy="180000"/>
+            <a:off x="5905337" y="2702186"/>
+            <a:ext cx="216000" cy="216000"/>
           </a:xfrm>
-          <a:prstGeom prst="rect">
+          <a:prstGeom prst="ellipse">
             <a:avLst/>
           </a:prstGeom>
+          <a:ln>
+            <a:noFill/>
+          </a:ln>
         </p:spPr>
-      </p:pic>
-      <p:pic>
-        <p:nvPicPr>
-          <p:cNvPr id="13" name="Picture 12">
+        <p:style>
+          <a:lnRef idx="2">
+            <a:schemeClr val="dk1">
+              <a:shade val="15000"/>
+            </a:schemeClr>
+          </a:lnRef>
+          <a:fillRef idx="1">
+            <a:schemeClr val="dk1"/>
+          </a:fillRef>
+          <a:effectRef idx="0">
+            <a:schemeClr val="dk1"/>
+          </a:effectRef>
+          <a:fontRef idx="minor">
+            <a:schemeClr val="lt1"/>
+          </a:fontRef>
+        </p:style>
+        <p:txBody>
+          <a:bodyPr rtlCol="0" anchor="ctr"/>
+          <a:lstStyle/>
+          <a:p>
+            <a:pPr algn="ctr"/>
+            <a:r>
+              <a:rPr lang="en-MY" sz="1100" b="1" dirty="0">
+                <a:latin typeface="Aptos Display" panose="020B0004020202020204" pitchFamily="34" charset="0"/>
+              </a:rPr>
+              <a:t>U</a:t>
+            </a:r>
+            <a:endParaRPr lang="en-MY" b="1" dirty="0">
+              <a:latin typeface="Aptos Display" panose="020B0004020202020204" pitchFamily="34" charset="0"/>
+            </a:endParaRPr>
+          </a:p>
+        </p:txBody>
+      </p:sp>
+      <p:sp>
+        <p:nvSpPr>
+          <p:cNvPr id="99" name="Oval 98">
             <a:extLst>
               <a:ext uri="{FF2B5EF4-FFF2-40B4-BE49-F238E27FC236}">
-                <a16:creationId xmlns:a16="http://schemas.microsoft.com/office/drawing/2014/main" id="{02EB6CD6-BED7-A4ED-B3C0-D68E6FC77264}"/>
+                <a16:creationId xmlns:a16="http://schemas.microsoft.com/office/drawing/2014/main" id="{E199581C-47AA-A928-69EF-E790578B98B5}"/>
               </a:ext>
             </a:extLst>
           </p:cNvPr>
-          <p:cNvPicPr>
-            <a:picLocks noChangeAspect="1"/>
-          </p:cNvPicPr>
+          <p:cNvSpPr/>
           <p:nvPr/>
-        </p:nvPicPr>
-        <p:blipFill>
-          <a:blip r:embed="rId8"/>
-          <a:stretch>
-            <a:fillRect/>
-          </a:stretch>
-        </p:blipFill>
+        </p:nvSpPr>
         <p:spPr>
           <a:xfrm>
-            <a:off x="4907933" y="4586294"/>
-            <a:ext cx="276512" cy="288000"/>
+            <a:off x="5325451" y="2220052"/>
+            <a:ext cx="216000" cy="216000"/>
           </a:xfrm>
-          <a:prstGeom prst="rect">
+          <a:prstGeom prst="ellipse">
             <a:avLst/>
           </a:prstGeom>
+          <a:ln>
+            <a:noFill/>
+          </a:ln>
         </p:spPr>
-      </p:pic>
-      <p:pic>
-        <p:nvPicPr>
-          <p:cNvPr id="14" name="Picture 13">
+        <p:style>
+          <a:lnRef idx="2">
+            <a:schemeClr val="dk1">
+              <a:shade val="15000"/>
+            </a:schemeClr>
+          </a:lnRef>
+          <a:fillRef idx="1">
+            <a:schemeClr val="dk1"/>
+          </a:fillRef>
+          <a:effectRef idx="0">
+            <a:schemeClr val="dk1"/>
+          </a:effectRef>
+          <a:fontRef idx="minor">
+            <a:schemeClr val="lt1"/>
+          </a:fontRef>
+        </p:style>
+        <p:txBody>
+          <a:bodyPr rtlCol="0" anchor="ctr"/>
+          <a:lstStyle/>
+          <a:p>
+            <a:pPr algn="ctr"/>
+            <a:r>
+              <a:rPr lang="en-MY" sz="1100" b="1" dirty="0">
+                <a:latin typeface="Aptos Display" panose="020B0004020202020204" pitchFamily="34" charset="0"/>
+              </a:rPr>
+              <a:t>A</a:t>
+            </a:r>
+            <a:endParaRPr lang="en-MY" b="1" dirty="0">
+              <a:latin typeface="Aptos Display" panose="020B0004020202020204" pitchFamily="34" charset="0"/>
+            </a:endParaRPr>
+          </a:p>
+        </p:txBody>
+      </p:sp>
+      <p:sp>
+        <p:nvSpPr>
+          <p:cNvPr id="101" name="Oval 100">
             <a:extLst>
               <a:ext uri="{FF2B5EF4-FFF2-40B4-BE49-F238E27FC236}">
-                <a16:creationId xmlns:a16="http://schemas.microsoft.com/office/drawing/2014/main" id="{A5745637-6C3B-85A2-8767-E816D94088A4}"/>
+                <a16:creationId xmlns:a16="http://schemas.microsoft.com/office/drawing/2014/main" id="{B04E7350-3452-E759-EB08-91FBA3127FA7}"/>
               </a:ext>
             </a:extLst>
           </p:cNvPr>
-          <p:cNvPicPr>
-            <a:picLocks noChangeAspect="1"/>
-          </p:cNvPicPr>
+          <p:cNvSpPr/>
           <p:nvPr/>
-        </p:nvPicPr>
-        <p:blipFill>
-          <a:blip r:embed="rId9"/>
-          <a:stretch>
-            <a:fillRect/>
-          </a:stretch>
-        </p:blipFill>
+        </p:nvSpPr>
         <p:spPr>
           <a:xfrm>
-            <a:off x="4308576" y="2133600"/>
-            <a:ext cx="288920" cy="288000"/>
+            <a:off x="3802875" y="2743200"/>
+            <a:ext cx="216000" cy="216000"/>
           </a:xfrm>
-          <a:prstGeom prst="rect">
+          <a:prstGeom prst="ellipse">
             <a:avLst/>
           </a:prstGeom>
+          <a:ln>
+            <a:noFill/>
+          </a:ln>
         </p:spPr>
-      </p:pic>
-      <p:pic>
-        <p:nvPicPr>
-          <p:cNvPr id="15" name="Picture 14">
+        <p:style>
+          <a:lnRef idx="2">
+            <a:schemeClr val="dk1">
+              <a:shade val="15000"/>
+            </a:schemeClr>
+          </a:lnRef>
+          <a:fillRef idx="1">
+            <a:schemeClr val="dk1"/>
+          </a:fillRef>
+          <a:effectRef idx="0">
+            <a:schemeClr val="dk1"/>
+          </a:effectRef>
+          <a:fontRef idx="minor">
+            <a:schemeClr val="lt1"/>
+          </a:fontRef>
+        </p:style>
+        <p:txBody>
+          <a:bodyPr rtlCol="0" anchor="ctr"/>
+          <a:lstStyle/>
+          <a:p>
+            <a:pPr algn="ctr"/>
+            <a:r>
+              <a:rPr lang="en-MY" sz="1100" b="1" dirty="0">
+                <a:latin typeface="Aptos Display" panose="020B0004020202020204" pitchFamily="34" charset="0"/>
+              </a:rPr>
+              <a:t>A</a:t>
+            </a:r>
+            <a:endParaRPr lang="en-MY" b="1" dirty="0">
+              <a:latin typeface="Aptos Display" panose="020B0004020202020204" pitchFamily="34" charset="0"/>
+            </a:endParaRPr>
+          </a:p>
+        </p:txBody>
+      </p:sp>
+      <p:sp>
+        <p:nvSpPr>
+          <p:cNvPr id="102" name="Oval 101">
             <a:extLst>
               <a:ext uri="{FF2B5EF4-FFF2-40B4-BE49-F238E27FC236}">
-                <a16:creationId xmlns:a16="http://schemas.microsoft.com/office/drawing/2014/main" id="{763ED071-F50C-D26D-2EF1-685BD6A50E5E}"/>
+                <a16:creationId xmlns:a16="http://schemas.microsoft.com/office/drawing/2014/main" id="{AFAB1E73-2F24-3BD2-5FFA-1D68016D808E}"/>
               </a:ext>
             </a:extLst>
           </p:cNvPr>
-          <p:cNvPicPr>
-            <a:picLocks noChangeAspect="1"/>
-          </p:cNvPicPr>
+          <p:cNvSpPr/>
           <p:nvPr/>
-        </p:nvPicPr>
-        <p:blipFill>
-          <a:blip r:embed="rId10"/>
-          <a:stretch>
-            <a:fillRect/>
-          </a:stretch>
-        </p:blipFill>
+        </p:nvSpPr>
         <p:spPr>
           <a:xfrm>
-            <a:off x="5367056" y="2142555"/>
-            <a:ext cx="288000" cy="288000"/>
+            <a:off x="3691156" y="3777187"/>
+            <a:ext cx="216000" cy="216000"/>
           </a:xfrm>
-          <a:prstGeom prst="rect">
+          <a:prstGeom prst="ellipse">
             <a:avLst/>
           </a:prstGeom>
+          <a:ln>
+            <a:noFill/>
+          </a:ln>
         </p:spPr>
-      </p:pic>
-      <p:pic>
-        <p:nvPicPr>
-          <p:cNvPr id="16" name="Picture 15">
+        <p:style>
+          <a:lnRef idx="2">
+            <a:schemeClr val="dk1">
+              <a:shade val="15000"/>
+            </a:schemeClr>
+          </a:lnRef>
+          <a:fillRef idx="1">
+            <a:schemeClr val="dk1"/>
+          </a:fillRef>
+          <a:effectRef idx="0">
+            <a:schemeClr val="dk1"/>
+          </a:effectRef>
+          <a:fontRef idx="minor">
+            <a:schemeClr val="lt1"/>
+          </a:fontRef>
+        </p:style>
+        <p:txBody>
+          <a:bodyPr rtlCol="0" anchor="ctr"/>
+          <a:lstStyle/>
+          <a:p>
+            <a:pPr algn="ctr"/>
+            <a:r>
+              <a:rPr lang="en-MY" sz="1100" b="1" dirty="0">
+                <a:latin typeface="Aptos Display" panose="020B0004020202020204" pitchFamily="34" charset="0"/>
+              </a:rPr>
+              <a:t>A</a:t>
+            </a:r>
+            <a:endParaRPr lang="en-MY" b="1" dirty="0">
+              <a:latin typeface="Aptos Display" panose="020B0004020202020204" pitchFamily="34" charset="0"/>
+            </a:endParaRPr>
+          </a:p>
+        </p:txBody>
+      </p:sp>
+      <p:sp>
+        <p:nvSpPr>
+          <p:cNvPr id="103" name="Oval 102">
             <a:extLst>
               <a:ext uri="{FF2B5EF4-FFF2-40B4-BE49-F238E27FC236}">
-                <a16:creationId xmlns:a16="http://schemas.microsoft.com/office/drawing/2014/main" id="{5B57C5AB-1C4B-CEBC-5A6E-43EB71287F70}"/>
+                <a16:creationId xmlns:a16="http://schemas.microsoft.com/office/drawing/2014/main" id="{6C89A133-B69A-E339-1CB5-EC5E6CAA9388}"/>
               </a:ext>
             </a:extLst>
           </p:cNvPr>
-          <p:cNvPicPr>
-            <a:picLocks noChangeAspect="1"/>
-          </p:cNvPicPr>
+          <p:cNvSpPr/>
           <p:nvPr/>
-        </p:nvPicPr>
-        <p:blipFill>
-          <a:blip r:embed="rId8"/>
-          <a:stretch>
-            <a:fillRect/>
-          </a:stretch>
-        </p:blipFill>
+        </p:nvSpPr>
         <p:spPr>
           <a:xfrm>
-            <a:off x="6083795" y="3227351"/>
-            <a:ext cx="276512" cy="288000"/>
+            <a:off x="3636750" y="3276600"/>
+            <a:ext cx="216000" cy="216000"/>
           </a:xfrm>
-          <a:prstGeom prst="rect">
+          <a:prstGeom prst="ellipse">
             <a:avLst/>
           </a:prstGeom>
+          <a:ln>
+            <a:noFill/>
+          </a:ln>
         </p:spPr>
-      </p:pic>
-      <p:pic>
-        <p:nvPicPr>
-          <p:cNvPr id="17" name="Picture 16">
+        <p:style>
+          <a:lnRef idx="2">
+            <a:schemeClr val="dk1">
+              <a:shade val="15000"/>
+            </a:schemeClr>
+          </a:lnRef>
+          <a:fillRef idx="1">
+            <a:schemeClr val="dk1"/>
+          </a:fillRef>
+          <a:effectRef idx="0">
+            <a:schemeClr val="dk1"/>
+          </a:effectRef>
+          <a:fontRef idx="minor">
+            <a:schemeClr val="lt1"/>
+          </a:fontRef>
+        </p:style>
+        <p:txBody>
+          <a:bodyPr rtlCol="0" anchor="ctr"/>
+          <a:lstStyle/>
+          <a:p>
+            <a:pPr algn="ctr"/>
+            <a:r>
+              <a:rPr lang="en-MY" sz="1100" b="1" dirty="0">
+                <a:latin typeface="Aptos Display" panose="020B0004020202020204" pitchFamily="34" charset="0"/>
+              </a:rPr>
+              <a:t>M</a:t>
+            </a:r>
+            <a:endParaRPr lang="en-MY" b="1" dirty="0">
+              <a:latin typeface="Aptos Display" panose="020B0004020202020204" pitchFamily="34" charset="0"/>
+            </a:endParaRPr>
+          </a:p>
+        </p:txBody>
+      </p:sp>
+      <p:sp>
+        <p:nvSpPr>
+          <p:cNvPr id="107" name="Oval 106">
             <a:extLst>
               <a:ext uri="{FF2B5EF4-FFF2-40B4-BE49-F238E27FC236}">
-                <a16:creationId xmlns:a16="http://schemas.microsoft.com/office/drawing/2014/main" id="{FFFA3789-35A6-1A56-363F-892751208EFD}"/>
+                <a16:creationId xmlns:a16="http://schemas.microsoft.com/office/drawing/2014/main" id="{2F1D7F6E-922C-518D-4C0A-4E8F56931E55}"/>
               </a:ext>
             </a:extLst>
           </p:cNvPr>
-          <p:cNvPicPr>
-            <a:picLocks noChangeAspect="1"/>
-          </p:cNvPicPr>
+          <p:cNvSpPr/>
           <p:nvPr/>
-        </p:nvPicPr>
-        <p:blipFill>
-          <a:blip r:embed="rId8"/>
-          <a:stretch>
-            <a:fillRect/>
-          </a:stretch>
-        </p:blipFill>
+        </p:nvSpPr>
         <p:spPr>
           <a:xfrm>
-            <a:off x="3974829" y="4205408"/>
-            <a:ext cx="276512" cy="288000"/>
+            <a:off x="6082519" y="3288104"/>
+            <a:ext cx="216000" cy="216000"/>
           </a:xfrm>
-          <a:prstGeom prst="rect">
+          <a:prstGeom prst="ellipse">
             <a:avLst/>
           </a:prstGeom>
+          <a:ln>
+            <a:noFill/>
+          </a:ln>
         </p:spPr>
-      </p:pic>
-      <p:pic>
-        <p:nvPicPr>
-          <p:cNvPr id="18" name="Picture 17">
+        <p:style>
+          <a:lnRef idx="2">
+            <a:schemeClr val="dk1">
+              <a:shade val="15000"/>
+            </a:schemeClr>
+          </a:lnRef>
+          <a:fillRef idx="1">
+            <a:schemeClr val="dk1"/>
+          </a:fillRef>
+          <a:effectRef idx="0">
+            <a:schemeClr val="dk1"/>
+          </a:effectRef>
+          <a:fontRef idx="minor">
+            <a:schemeClr val="lt1"/>
+          </a:fontRef>
+        </p:style>
+        <p:txBody>
+          <a:bodyPr rtlCol="0" anchor="ctr"/>
+          <a:lstStyle/>
+          <a:p>
+            <a:pPr algn="ctr"/>
+            <a:r>
+              <a:rPr lang="en-MY" sz="1100" b="1" dirty="0">
+                <a:latin typeface="Aptos Display" panose="020B0004020202020204" pitchFamily="34" charset="0"/>
+              </a:rPr>
+              <a:t>U</a:t>
+            </a:r>
+            <a:endParaRPr lang="en-MY" b="1" dirty="0">
+              <a:latin typeface="Aptos Display" panose="020B0004020202020204" pitchFamily="34" charset="0"/>
+            </a:endParaRPr>
+          </a:p>
+        </p:txBody>
+      </p:sp>
+      <p:sp>
+        <p:nvSpPr>
+          <p:cNvPr id="109" name="Oval 108">
             <a:extLst>
               <a:ext uri="{FF2B5EF4-FFF2-40B4-BE49-F238E27FC236}">
-                <a16:creationId xmlns:a16="http://schemas.microsoft.com/office/drawing/2014/main" id="{D2537234-4DEC-C771-63C1-13468CA8C829}"/>
+                <a16:creationId xmlns:a16="http://schemas.microsoft.com/office/drawing/2014/main" id="{E5EF2794-D465-505B-8E60-E7957758BE92}"/>
               </a:ext>
             </a:extLst>
           </p:cNvPr>
-          <p:cNvPicPr>
-            <a:picLocks noChangeAspect="1"/>
-          </p:cNvPicPr>
+          <p:cNvSpPr/>
           <p:nvPr/>
-        </p:nvPicPr>
-        <p:blipFill>
-          <a:blip r:embed="rId8"/>
-          <a:stretch>
-            <a:fillRect/>
-          </a:stretch>
-        </p:blipFill>
+        </p:nvSpPr>
         <p:spPr>
           <a:xfrm>
-            <a:off x="5913775" y="2600171"/>
-            <a:ext cx="276512" cy="288000"/>
+            <a:off x="4909730" y="4554306"/>
+            <a:ext cx="216000" cy="216000"/>
           </a:xfrm>
-          <a:prstGeom prst="rect">
+          <a:prstGeom prst="ellipse">
             <a:avLst/>
           </a:prstGeom>
+          <a:ln>
+            <a:noFill/>
+          </a:ln>
         </p:spPr>
-      </p:pic>
-      <p:pic>
-        <p:nvPicPr>
-          <p:cNvPr id="19" name="Picture 18">
+        <p:style>
+          <a:lnRef idx="2">
+            <a:schemeClr val="dk1">
+              <a:shade val="15000"/>
+            </a:schemeClr>
+          </a:lnRef>
+          <a:fillRef idx="1">
+            <a:schemeClr val="dk1"/>
+          </a:fillRef>
+          <a:effectRef idx="0">
+            <a:schemeClr val="dk1"/>
+          </a:effectRef>
+          <a:fontRef idx="minor">
+            <a:schemeClr val="lt1"/>
+          </a:fontRef>
+        </p:style>
+        <p:txBody>
+          <a:bodyPr rtlCol="0" anchor="ctr"/>
+          <a:lstStyle/>
+          <a:p>
+            <a:pPr algn="ctr"/>
+            <a:r>
+              <a:rPr lang="en-MY" sz="1100" b="1" dirty="0">
+                <a:latin typeface="Aptos Display" panose="020B0004020202020204" pitchFamily="34" charset="0"/>
+              </a:rPr>
+              <a:t>U</a:t>
+            </a:r>
+            <a:endParaRPr lang="en-MY" b="1" dirty="0">
+              <a:latin typeface="Aptos Display" panose="020B0004020202020204" pitchFamily="34" charset="0"/>
+            </a:endParaRPr>
+          </a:p>
+        </p:txBody>
+      </p:sp>
+      <p:sp>
+        <p:nvSpPr>
+          <p:cNvPr id="110" name="Oval 109">
             <a:extLst>
               <a:ext uri="{FF2B5EF4-FFF2-40B4-BE49-F238E27FC236}">
-                <a16:creationId xmlns:a16="http://schemas.microsoft.com/office/drawing/2014/main" id="{FAA38920-716D-6C1A-2140-8337DBE9B5DC}"/>
+                <a16:creationId xmlns:a16="http://schemas.microsoft.com/office/drawing/2014/main" id="{5FBEA186-F262-B0F3-688B-2573C8B1F6D9}"/>
               </a:ext>
             </a:extLst>
           </p:cNvPr>
-          <p:cNvPicPr>
-            <a:picLocks noChangeAspect="1"/>
-          </p:cNvPicPr>
+          <p:cNvSpPr/>
           <p:nvPr/>
-        </p:nvPicPr>
-        <p:blipFill>
-          <a:blip r:embed="rId9"/>
-          <a:stretch>
-            <a:fillRect/>
-          </a:stretch>
-        </p:blipFill>
+        </p:nvSpPr>
         <p:spPr>
           <a:xfrm>
-            <a:off x="3581400" y="3233357"/>
-            <a:ext cx="288920" cy="288000"/>
+            <a:off x="4055646" y="4244188"/>
+            <a:ext cx="216000" cy="216000"/>
           </a:xfrm>
-          <a:prstGeom prst="rect">
+          <a:prstGeom prst="ellipse">
             <a:avLst/>
           </a:prstGeom>
+          <a:ln>
+            <a:noFill/>
+          </a:ln>
         </p:spPr>
-      </p:pic>
-      <p:pic>
-        <p:nvPicPr>
-          <p:cNvPr id="20" name="Picture 19">
+        <p:style>
+          <a:lnRef idx="2">
+            <a:schemeClr val="dk1">
+              <a:shade val="15000"/>
+            </a:schemeClr>
+          </a:lnRef>
+          <a:fillRef idx="1">
+            <a:schemeClr val="dk1"/>
+          </a:fillRef>
+          <a:effectRef idx="0">
+            <a:schemeClr val="dk1"/>
+          </a:effectRef>
+          <a:fontRef idx="minor">
+            <a:schemeClr val="lt1"/>
+          </a:fontRef>
+        </p:style>
+        <p:txBody>
+          <a:bodyPr rtlCol="0" anchor="ctr"/>
+          <a:lstStyle/>
+          <a:p>
+            <a:pPr algn="ctr"/>
+            <a:r>
+              <a:rPr lang="en-MY" sz="1100" b="1" dirty="0">
+                <a:latin typeface="Aptos Display" panose="020B0004020202020204" pitchFamily="34" charset="0"/>
+              </a:rPr>
+              <a:t>U</a:t>
+            </a:r>
+            <a:endParaRPr lang="en-MY" b="1" dirty="0">
+              <a:latin typeface="Aptos Display" panose="020B0004020202020204" pitchFamily="34" charset="0"/>
+            </a:endParaRPr>
+          </a:p>
+        </p:txBody>
+      </p:sp>
+      <p:sp>
+        <p:nvSpPr>
+          <p:cNvPr id="111" name="Oval 110">
             <a:extLst>
               <a:ext uri="{FF2B5EF4-FFF2-40B4-BE49-F238E27FC236}">
-                <a16:creationId xmlns:a16="http://schemas.microsoft.com/office/drawing/2014/main" id="{DA3F273A-823B-ACA0-A2CF-C04063BA2D36}"/>
+                <a16:creationId xmlns:a16="http://schemas.microsoft.com/office/drawing/2014/main" id="{5F409512-2604-1647-32BE-9DAC997E1EE1}"/>
               </a:ext>
             </a:extLst>
           </p:cNvPr>
-          <p:cNvPicPr>
-            <a:picLocks noChangeAspect="1"/>
-          </p:cNvPicPr>
+          <p:cNvSpPr/>
           <p:nvPr/>
-        </p:nvPicPr>
-        <p:blipFill>
-          <a:blip r:embed="rId10"/>
-          <a:stretch>
-            <a:fillRect/>
-          </a:stretch>
-        </p:blipFill>
+        </p:nvSpPr>
         <p:spPr>
           <a:xfrm>
-            <a:off x="3742737" y="2692521"/>
-            <a:ext cx="288000" cy="288000"/>
+            <a:off x="4694329" y="6523062"/>
+            <a:ext cx="180000" cy="180000"/>
           </a:xfrm>
-          <a:prstGeom prst="rect">
+          <a:prstGeom prst="ellipse">
             <a:avLst/>
           </a:prstGeom>
+          <a:ln>
+            <a:noFill/>
+          </a:ln>
         </p:spPr>
-      </p:pic>
-      <p:pic>
-        <p:nvPicPr>
-          <p:cNvPr id="21" name="Picture 20">
+        <p:style>
+          <a:lnRef idx="2">
+            <a:schemeClr val="dk1">
+              <a:shade val="15000"/>
+            </a:schemeClr>
+          </a:lnRef>
+          <a:fillRef idx="1">
+            <a:schemeClr val="dk1"/>
+          </a:fillRef>
+          <a:effectRef idx="0">
+            <a:schemeClr val="dk1"/>
+          </a:effectRef>
+          <a:fontRef idx="minor">
+            <a:schemeClr val="lt1"/>
+          </a:fontRef>
+        </p:style>
+        <p:txBody>
+          <a:bodyPr rtlCol="0" anchor="ctr"/>
+          <a:lstStyle/>
+          <a:p>
+            <a:pPr algn="ctr"/>
+            <a:r>
+              <a:rPr lang="en-MY" sz="1000" b="1" dirty="0">
+                <a:latin typeface="Aptos Display" panose="020B0004020202020204" pitchFamily="34" charset="0"/>
+              </a:rPr>
+              <a:t>M</a:t>
+            </a:r>
+            <a:endParaRPr lang="en-MY" sz="1400" b="1" dirty="0">
+              <a:latin typeface="Aptos Display" panose="020B0004020202020204" pitchFamily="34" charset="0"/>
+            </a:endParaRPr>
+          </a:p>
+        </p:txBody>
+      </p:sp>
+      <p:sp>
+        <p:nvSpPr>
+          <p:cNvPr id="113" name="Oval 112">
             <a:extLst>
               <a:ext uri="{FF2B5EF4-FFF2-40B4-BE49-F238E27FC236}">
-                <a16:creationId xmlns:a16="http://schemas.microsoft.com/office/drawing/2014/main" id="{23DD8014-CF66-B781-9A72-9CCBFAE2F05F}"/>
+                <a16:creationId xmlns:a16="http://schemas.microsoft.com/office/drawing/2014/main" id="{707B7FFB-8914-1C24-139F-EA75125D38EC}"/>
               </a:ext>
             </a:extLst>
           </p:cNvPr>
-          <p:cNvPicPr>
-            <a:picLocks noChangeAspect="1"/>
-          </p:cNvPicPr>
+          <p:cNvSpPr/>
           <p:nvPr/>
-        </p:nvPicPr>
-        <p:blipFill>
-          <a:blip r:embed="rId10"/>
-          <a:stretch>
-            <a:fillRect/>
-          </a:stretch>
-        </p:blipFill>
+        </p:nvSpPr>
         <p:spPr>
           <a:xfrm>
-            <a:off x="3656688" y="3703378"/>
-            <a:ext cx="288000" cy="288000"/>
+            <a:off x="3524148" y="6523062"/>
+            <a:ext cx="180000" cy="180000"/>
           </a:xfrm>
-          <a:prstGeom prst="rect">
+          <a:prstGeom prst="ellipse">
             <a:avLst/>
           </a:prstGeom>
+          <a:ln>
+            <a:noFill/>
+          </a:ln>
         </p:spPr>
-      </p:pic>
+        <p:style>
+          <a:lnRef idx="2">
+            <a:schemeClr val="dk1">
+              <a:shade val="15000"/>
+            </a:schemeClr>
+          </a:lnRef>
+          <a:fillRef idx="1">
+            <a:schemeClr val="dk1"/>
+          </a:fillRef>
+          <a:effectRef idx="0">
+            <a:schemeClr val="dk1"/>
+          </a:effectRef>
+          <a:fontRef idx="minor">
+            <a:schemeClr val="lt1"/>
+          </a:fontRef>
+        </p:style>
+        <p:txBody>
+          <a:bodyPr rtlCol="0" anchor="ctr"/>
+          <a:lstStyle/>
+          <a:p>
+            <a:pPr algn="ctr"/>
+            <a:r>
+              <a:rPr lang="en-MY" sz="1000" b="1" dirty="0">
+                <a:latin typeface="Aptos Display" panose="020B0004020202020204" pitchFamily="34" charset="0"/>
+              </a:rPr>
+              <a:t>U</a:t>
+            </a:r>
+            <a:endParaRPr lang="en-MY" sz="1400" b="1" dirty="0">
+              <a:latin typeface="Aptos Display" panose="020B0004020202020204" pitchFamily="34" charset="0"/>
+            </a:endParaRPr>
+          </a:p>
+        </p:txBody>
+      </p:sp>
+      <p:sp>
+        <p:nvSpPr>
+          <p:cNvPr id="114" name="Oval 113">
+            <a:extLst>
+              <a:ext uri="{FF2B5EF4-FFF2-40B4-BE49-F238E27FC236}">
+                <a16:creationId xmlns:a16="http://schemas.microsoft.com/office/drawing/2014/main" id="{20EAE97D-4B01-1652-380A-4DDFC6A9E04C}"/>
+              </a:ext>
+            </a:extLst>
+          </p:cNvPr>
+          <p:cNvSpPr/>
+          <p:nvPr/>
+        </p:nvSpPr>
+        <p:spPr>
+          <a:xfrm>
+            <a:off x="5824677" y="6523062"/>
+            <a:ext cx="180000" cy="180000"/>
+          </a:xfrm>
+          <a:prstGeom prst="ellipse">
+            <a:avLst/>
+          </a:prstGeom>
+          <a:ln>
+            <a:noFill/>
+          </a:ln>
+        </p:spPr>
+        <p:style>
+          <a:lnRef idx="2">
+            <a:schemeClr val="dk1">
+              <a:shade val="15000"/>
+            </a:schemeClr>
+          </a:lnRef>
+          <a:fillRef idx="1">
+            <a:schemeClr val="dk1"/>
+          </a:fillRef>
+          <a:effectRef idx="0">
+            <a:schemeClr val="dk1"/>
+          </a:effectRef>
+          <a:fontRef idx="minor">
+            <a:schemeClr val="lt1"/>
+          </a:fontRef>
+        </p:style>
+        <p:txBody>
+          <a:bodyPr rtlCol="0" anchor="ctr"/>
+          <a:lstStyle/>
+          <a:p>
+            <a:pPr algn="ctr"/>
+            <a:r>
+              <a:rPr lang="en-MY" sz="1000" b="1" dirty="0">
+                <a:latin typeface="Aptos Display" panose="020B0004020202020204" pitchFamily="34" charset="0"/>
+              </a:rPr>
+              <a:t>A</a:t>
+            </a:r>
+            <a:endParaRPr lang="en-MY" sz="1400" b="1" dirty="0">
+              <a:latin typeface="Aptos Display" panose="020B0004020202020204" pitchFamily="34" charset="0"/>
+            </a:endParaRPr>
+          </a:p>
+        </p:txBody>
+      </p:sp>
     </p:spTree>
   </p:cSld>
   <p:clrMapOvr>
@@ -20010,4 +20928,299 @@
   <a:objectDefaults/>
   <a:extraClrSchemeLst/>
 </a:theme>
+</file>
+
+<file path=ppt/theme/theme2.xml><?xml version="1.0" encoding="utf-8"?>
+<a:theme xmlns:a="http://schemas.openxmlformats.org/drawingml/2006/main" name="Office Theme">
+  <a:themeElements>
+    <a:clrScheme name="Office">
+      <a:dk1>
+        <a:sysClr val="windowText" lastClr="000000"/>
+      </a:dk1>
+      <a:lt1>
+        <a:sysClr val="window" lastClr="FFFFFF"/>
+      </a:lt1>
+      <a:dk2>
+        <a:srgbClr val="44546A"/>
+      </a:dk2>
+      <a:lt2>
+        <a:srgbClr val="E7E6E6"/>
+      </a:lt2>
+      <a:accent1>
+        <a:srgbClr val="4472C4"/>
+      </a:accent1>
+      <a:accent2>
+        <a:srgbClr val="ED7D31"/>
+      </a:accent2>
+      <a:accent3>
+        <a:srgbClr val="A5A5A5"/>
+      </a:accent3>
+      <a:accent4>
+        <a:srgbClr val="FFC000"/>
+      </a:accent4>
+      <a:accent5>
+        <a:srgbClr val="5B9BD5"/>
+      </a:accent5>
+      <a:accent6>
+        <a:srgbClr val="70AD47"/>
+      </a:accent6>
+      <a:hlink>
+        <a:srgbClr val="0563C1"/>
+      </a:hlink>
+      <a:folHlink>
+        <a:srgbClr val="954F72"/>
+      </a:folHlink>
+    </a:clrScheme>
+    <a:fontScheme name="Office">
+      <a:majorFont>
+        <a:latin typeface="Calibri Light" panose="020F0302020204030204"/>
+        <a:ea typeface=""/>
+        <a:cs typeface=""/>
+        <a:font script="Jpan" typeface="游ゴシック Light"/>
+        <a:font script="Hang" typeface="맑은 고딕"/>
+        <a:font script="Hans" typeface="等线 Light"/>
+        <a:font script="Hant" typeface="新細明體"/>
+        <a:font script="Arab" typeface="Times New Roman"/>
+        <a:font script="Hebr" typeface="Times New Roman"/>
+        <a:font script="Thai" typeface="Angsana New"/>
+        <a:font script="Ethi" typeface="Nyala"/>
+        <a:font script="Beng" typeface="Vrinda"/>
+        <a:font script="Gujr" typeface="Shruti"/>
+        <a:font script="Khmr" typeface="MoolBoran"/>
+        <a:font script="Knda" typeface="Tunga"/>
+        <a:font script="Guru" typeface="Raavi"/>
+        <a:font script="Cans" typeface="Euphemia"/>
+        <a:font script="Cher" typeface="Plantagenet Cherokee"/>
+        <a:font script="Yiii" typeface="Microsoft Yi Baiti"/>
+        <a:font script="Tibt" typeface="Microsoft Himalaya"/>
+        <a:font script="Thaa" typeface="MV Boli"/>
+        <a:font script="Deva" typeface="Mangal"/>
+        <a:font script="Telu" typeface="Gautami"/>
+        <a:font script="Taml" typeface="Latha"/>
+        <a:font script="Syrc" typeface="Estrangelo Edessa"/>
+        <a:font script="Orya" typeface="Kalinga"/>
+        <a:font script="Mlym" typeface="Kartika"/>
+        <a:font script="Laoo" typeface="DokChampa"/>
+        <a:font script="Sinh" typeface="Iskoola Pota"/>
+        <a:font script="Mong" typeface="Mongolian Baiti"/>
+        <a:font script="Viet" typeface="Times New Roman"/>
+        <a:font script="Uigh" typeface="Microsoft Uighur"/>
+        <a:font script="Geor" typeface="Sylfaen"/>
+        <a:font script="Armn" typeface="Arial"/>
+        <a:font script="Bugi" typeface="Leelawadee UI"/>
+        <a:font script="Bopo" typeface="Microsoft JhengHei"/>
+        <a:font script="Java" typeface="Javanese Text"/>
+        <a:font script="Lisu" typeface="Segoe UI"/>
+        <a:font script="Mymr" typeface="Myanmar Text"/>
+        <a:font script="Nkoo" typeface="Ebrima"/>
+        <a:font script="Olck" typeface="Nirmala UI"/>
+        <a:font script="Osma" typeface="Ebrima"/>
+        <a:font script="Phag" typeface="Phagspa"/>
+        <a:font script="Syrn" typeface="Estrangelo Edessa"/>
+        <a:font script="Syrj" typeface="Estrangelo Edessa"/>
+        <a:font script="Syre" typeface="Estrangelo Edessa"/>
+        <a:font script="Sora" typeface="Nirmala UI"/>
+        <a:font script="Tale" typeface="Microsoft Tai Le"/>
+        <a:font script="Talu" typeface="Microsoft New Tai Lue"/>
+        <a:font script="Tfng" typeface="Ebrima"/>
+      </a:majorFont>
+      <a:minorFont>
+        <a:latin typeface="Calibri" panose="020F0502020204030204"/>
+        <a:ea typeface=""/>
+        <a:cs typeface=""/>
+        <a:font script="Jpan" typeface="游ゴシック"/>
+        <a:font script="Hang" typeface="맑은 고딕"/>
+        <a:font script="Hans" typeface="等线"/>
+        <a:font script="Hant" typeface="新細明體"/>
+        <a:font script="Arab" typeface="Arial"/>
+        <a:font script="Hebr" typeface="Arial"/>
+        <a:font script="Thai" typeface="Cordia New"/>
+        <a:font script="Ethi" typeface="Nyala"/>
+        <a:font script="Beng" typeface="Vrinda"/>
+        <a:font script="Gujr" typeface="Shruti"/>
+        <a:font script="Khmr" typeface="DaunPenh"/>
+        <a:font script="Knda" typeface="Tunga"/>
+        <a:font script="Guru" typeface="Raavi"/>
+        <a:font script="Cans" typeface="Euphemia"/>
+        <a:font script="Cher" typeface="Plantagenet Cherokee"/>
+        <a:font script="Yiii" typeface="Microsoft Yi Baiti"/>
+        <a:font script="Tibt" typeface="Microsoft Himalaya"/>
+        <a:font script="Thaa" typeface="MV Boli"/>
+        <a:font script="Deva" typeface="Mangal"/>
+        <a:font script="Telu" typeface="Gautami"/>
+        <a:font script="Taml" typeface="Latha"/>
+        <a:font script="Syrc" typeface="Estrangelo Edessa"/>
+        <a:font script="Orya" typeface="Kalinga"/>
+        <a:font script="Mlym" typeface="Kartika"/>
+        <a:font script="Laoo" typeface="DokChampa"/>
+        <a:font script="Sinh" typeface="Iskoola Pota"/>
+        <a:font script="Mong" typeface="Mongolian Baiti"/>
+        <a:font script="Viet" typeface="Arial"/>
+        <a:font script="Uigh" typeface="Microsoft Uighur"/>
+        <a:font script="Geor" typeface="Sylfaen"/>
+        <a:font script="Armn" typeface="Arial"/>
+        <a:font script="Bugi" typeface="Leelawadee UI"/>
+        <a:font script="Bopo" typeface="Microsoft JhengHei"/>
+        <a:font script="Java" typeface="Javanese Text"/>
+        <a:font script="Lisu" typeface="Segoe UI"/>
+        <a:font script="Mymr" typeface="Myanmar Text"/>
+        <a:font script="Nkoo" typeface="Ebrima"/>
+        <a:font script="Olck" typeface="Nirmala UI"/>
+        <a:font script="Osma" typeface="Ebrima"/>
+        <a:font script="Phag" typeface="Phagspa"/>
+        <a:font script="Syrn" typeface="Estrangelo Edessa"/>
+        <a:font script="Syrj" typeface="Estrangelo Edessa"/>
+        <a:font script="Syre" typeface="Estrangelo Edessa"/>
+        <a:font script="Sora" typeface="Nirmala UI"/>
+        <a:font script="Tale" typeface="Microsoft Tai Le"/>
+        <a:font script="Talu" typeface="Microsoft New Tai Lue"/>
+        <a:font script="Tfng" typeface="Ebrima"/>
+      </a:minorFont>
+    </a:fontScheme>
+    <a:fmtScheme name="Office">
+      <a:fillStyleLst>
+        <a:solidFill>
+          <a:schemeClr val="phClr"/>
+        </a:solidFill>
+        <a:gradFill rotWithShape="1">
+          <a:gsLst>
+            <a:gs pos="0">
+              <a:schemeClr val="phClr">
+                <a:lumMod val="110000"/>
+                <a:satMod val="105000"/>
+                <a:tint val="67000"/>
+              </a:schemeClr>
+            </a:gs>
+            <a:gs pos="50000">
+              <a:schemeClr val="phClr">
+                <a:lumMod val="105000"/>
+                <a:satMod val="103000"/>
+                <a:tint val="73000"/>
+              </a:schemeClr>
+            </a:gs>
+            <a:gs pos="100000">
+              <a:schemeClr val="phClr">
+                <a:lumMod val="105000"/>
+                <a:satMod val="109000"/>
+                <a:tint val="81000"/>
+              </a:schemeClr>
+            </a:gs>
+          </a:gsLst>
+          <a:lin ang="5400000" scaled="0"/>
+        </a:gradFill>
+        <a:gradFill rotWithShape="1">
+          <a:gsLst>
+            <a:gs pos="0">
+              <a:schemeClr val="phClr">
+                <a:satMod val="103000"/>
+                <a:lumMod val="102000"/>
+                <a:tint val="94000"/>
+              </a:schemeClr>
+            </a:gs>
+            <a:gs pos="50000">
+              <a:schemeClr val="phClr">
+                <a:satMod val="110000"/>
+                <a:lumMod val="100000"/>
+                <a:shade val="100000"/>
+              </a:schemeClr>
+            </a:gs>
+            <a:gs pos="100000">
+              <a:schemeClr val="phClr">
+                <a:lumMod val="99000"/>
+                <a:satMod val="120000"/>
+                <a:shade val="78000"/>
+              </a:schemeClr>
+            </a:gs>
+          </a:gsLst>
+          <a:lin ang="5400000" scaled="0"/>
+        </a:gradFill>
+      </a:fillStyleLst>
+      <a:lnStyleLst>
+        <a:ln w="6350" cap="flat" cmpd="sng" algn="ctr">
+          <a:solidFill>
+            <a:schemeClr val="phClr"/>
+          </a:solidFill>
+          <a:prstDash val="solid"/>
+          <a:miter lim="800000"/>
+        </a:ln>
+        <a:ln w="12700" cap="flat" cmpd="sng" algn="ctr">
+          <a:solidFill>
+            <a:schemeClr val="phClr"/>
+          </a:solidFill>
+          <a:prstDash val="solid"/>
+          <a:miter lim="800000"/>
+        </a:ln>
+        <a:ln w="19050" cap="flat" cmpd="sng" algn="ctr">
+          <a:solidFill>
+            <a:schemeClr val="phClr"/>
+          </a:solidFill>
+          <a:prstDash val="solid"/>
+          <a:miter lim="800000"/>
+        </a:ln>
+      </a:lnStyleLst>
+      <a:effectStyleLst>
+        <a:effectStyle>
+          <a:effectLst/>
+        </a:effectStyle>
+        <a:effectStyle>
+          <a:effectLst/>
+        </a:effectStyle>
+        <a:effectStyle>
+          <a:effectLst>
+            <a:outerShdw blurRad="57150" dist="19050" dir="5400000" algn="ctr" rotWithShape="0">
+              <a:srgbClr val="000000">
+                <a:alpha val="63000"/>
+              </a:srgbClr>
+            </a:outerShdw>
+          </a:effectLst>
+        </a:effectStyle>
+      </a:effectStyleLst>
+      <a:bgFillStyleLst>
+        <a:solidFill>
+          <a:schemeClr val="phClr"/>
+        </a:solidFill>
+        <a:solidFill>
+          <a:schemeClr val="phClr">
+            <a:tint val="95000"/>
+            <a:satMod val="170000"/>
+          </a:schemeClr>
+        </a:solidFill>
+        <a:gradFill rotWithShape="1">
+          <a:gsLst>
+            <a:gs pos="0">
+              <a:schemeClr val="phClr">
+                <a:tint val="93000"/>
+                <a:satMod val="150000"/>
+                <a:shade val="98000"/>
+                <a:lumMod val="102000"/>
+              </a:schemeClr>
+            </a:gs>
+            <a:gs pos="50000">
+              <a:schemeClr val="phClr">
+                <a:tint val="98000"/>
+                <a:satMod val="130000"/>
+                <a:shade val="90000"/>
+                <a:lumMod val="103000"/>
+              </a:schemeClr>
+            </a:gs>
+            <a:gs pos="100000">
+              <a:schemeClr val="phClr">
+                <a:shade val="63000"/>
+                <a:satMod val="120000"/>
+              </a:schemeClr>
+            </a:gs>
+          </a:gsLst>
+          <a:lin ang="5400000" scaled="0"/>
+        </a:gradFill>
+      </a:bgFillStyleLst>
+    </a:fmtScheme>
+  </a:themeElements>
+  <a:objectDefaults/>
+  <a:extraClrSchemeLst/>
+  <a:extLst>
+    <a:ext uri="{05A4C25C-085E-4340-85A3-A5531E510DB2}">
+      <thm15:themeFamily xmlns:thm15="http://schemas.microsoft.com/office/thememl/2012/main" name="Office Theme" id="{62F939B6-93AF-4DB8-9C6B-D6C7DFDC589F}" vid="{4A3C46E8-61CC-4603-A589-7422A47A8E4A}"/>
+    </a:ext>
+  </a:extLst>
+</a:theme>
 </file>
--- a/MentalFitness/netball.pptx
+++ b/MentalFitness/netball.pptx
@@ -119,7 +119,7 @@
           <a:p>
             <a:fld id="{0D95C147-4EA0-47FE-85DC-777901A46BE4}" type="datetimeFigureOut">
               <a:rPr lang="en-MY" smtClean="0"/>
-              <a:t>18/5/2024</a:t>
+              <a:t>20/5/2024</a:t>
             </a:fld>
             <a:endParaRPr lang="en-MY"/>
           </a:p>
@@ -620,7 +620,7 @@
           <a:p>
             <a:fld id="{1D8BD707-D9CF-40AE-B4C6-C98DA3205C09}" type="datetimeFigureOut">
               <a:rPr lang="en-US"/>
-              <a:t>5/17/2024</a:t>
+              <a:t>5/20/2024</a:t>
             </a:fld>
             <a:endParaRPr lang="en-US"/>
           </a:p>
@@ -853,7 +853,7 @@
           <a:p>
             <a:fld id="{1D8BD707-D9CF-40AE-B4C6-C98DA3205C09}" type="datetimeFigureOut">
               <a:rPr lang="en-US"/>
-              <a:t>5/17/2024</a:t>
+              <a:t>5/20/2024</a:t>
             </a:fld>
             <a:endParaRPr lang="en-US"/>
           </a:p>
@@ -1067,7 +1067,7 @@
           <a:p>
             <a:fld id="{1D8BD707-D9CF-40AE-B4C6-C98DA3205C09}" type="datetimeFigureOut">
               <a:rPr lang="en-US"/>
-              <a:t>5/17/2024</a:t>
+              <a:t>5/20/2024</a:t>
             </a:fld>
             <a:endParaRPr lang="en-US"/>
           </a:p>
@@ -1215,7 +1215,7 @@
           <a:p>
             <a:fld id="{1D8BD707-D9CF-40AE-B4C6-C98DA3205C09}" type="datetimeFigureOut">
               <a:rPr lang="en-US"/>
-              <a:t>5/17/2024</a:t>
+              <a:t>5/20/2024</a:t>
             </a:fld>
             <a:endParaRPr lang="en-US"/>
           </a:p>
@@ -1790,7 +1790,7 @@
           <a:p>
             <a:fld id="{1D8BD707-D9CF-40AE-B4C6-C98DA3205C09}" type="datetimeFigureOut">
               <a:rPr lang="en-US"/>
-              <a:t>5/17/2024</a:t>
+              <a:t>5/20/2024</a:t>
             </a:fld>
             <a:endParaRPr lang="en-US"/>
           </a:p>
@@ -2013,7 +2013,7 @@
           <a:p>
             <a:fld id="{1D8BD707-D9CF-40AE-B4C6-C98DA3205C09}" type="datetimeFigureOut">
               <a:rPr lang="en-US"/>
-              <a:t>5/17/2024</a:t>
+              <a:t>5/20/2024</a:t>
             </a:fld>
             <a:endParaRPr lang="en-US"/>
           </a:p>
@@ -2237,7 +2237,7 @@
           <p:cNvPr id="92" name="Picture 91">
             <a:extLst>
               <a:ext uri="{FF2B5EF4-FFF2-40B4-BE49-F238E27FC236}">
-                <a16:creationId xmlns:a16="http://schemas.microsoft.com/office/drawing/2014/main" id="{BEC0D10B-F977-AA89-E4CA-528458C63700}"/>
+                <a16:creationId xmlns:a16="http://schemas.microsoft.com/office/drawing/2014/main" xmlns="" id="{BEC0D10B-F977-AA89-E4CA-528458C63700}"/>
               </a:ext>
             </a:extLst>
           </p:cNvPr>
@@ -2279,7 +2279,7 @@
           <p:cNvPr id="2" name="Table 1">
             <a:extLst>
               <a:ext uri="{FF2B5EF4-FFF2-40B4-BE49-F238E27FC236}">
-                <a16:creationId xmlns:a16="http://schemas.microsoft.com/office/drawing/2014/main" id="{2E50B121-33C2-C5D8-D527-2FA1A0B4B13F}"/>
+                <a16:creationId xmlns:a16="http://schemas.microsoft.com/office/drawing/2014/main" xmlns="" id="{2E50B121-33C2-C5D8-D527-2FA1A0B4B13F}"/>
               </a:ext>
             </a:extLst>
           </p:cNvPr>
@@ -2289,7 +2289,7 @@
           <p:nvPr>
             <p:extLst>
               <p:ext uri="{D42A27DB-BD31-4B8C-83A1-F6EECF244321}">
-                <p14:modId xmlns:p14="http://schemas.microsoft.com/office/powerpoint/2010/main" val="2234833754"/>
+                <p14:modId xmlns:p14="http://schemas.microsoft.com/office/powerpoint/2010/main" val="3668268345"/>
               </p:ext>
             </p:extLst>
           </p:nvPr>
@@ -2305,17 +2305,17 @@
                 <a:tableStyleId>{8EC20E35-A176-4012-BC5E-935CFFF8708E}</a:tableStyleId>
               </a:tblPr>
               <a:tblGrid>
-                <a:gridCol w="873443">
+                <a:gridCol w="930220">
                   <a:extLst>
                     <a:ext uri="{9D8B030D-6E8A-4147-A177-3AD203B41FA5}">
-                      <a16:colId xmlns:a16="http://schemas.microsoft.com/office/drawing/2014/main" val="20000"/>
+                      <a16:colId xmlns:a16="http://schemas.microsoft.com/office/drawing/2014/main" xmlns="" val="20000"/>
                     </a:ext>
                   </a:extLst>
                 </a:gridCol>
-                <a:gridCol w="3023850">
+                <a:gridCol w="2967073">
                   <a:extLst>
                     <a:ext uri="{9D8B030D-6E8A-4147-A177-3AD203B41FA5}">
-                      <a16:colId xmlns:a16="http://schemas.microsoft.com/office/drawing/2014/main" val="20001"/>
+                      <a16:colId xmlns:a16="http://schemas.microsoft.com/office/drawing/2014/main" xmlns="" val="20001"/>
                     </a:ext>
                   </a:extLst>
                 </a:gridCol>
@@ -2327,7 +2327,7 @@
                     <a:lstStyle/>
                     <a:p>
                       <a:r>
-                        <a:rPr lang="en-US" sz="1050" b="1" dirty="0">
+                        <a:rPr lang="en-US" sz="1000" b="1" dirty="0">
                           <a:latin typeface="Aptos Narrow" panose="020B0004020202020204" pitchFamily="34" charset="0"/>
                         </a:rPr>
                         <a:t>Tournament</a:t>
@@ -2346,7 +2346,7 @@
                     <a:lstStyle/>
                     <a:p>
                       <a:r>
-                        <a:rPr lang="en-US" sz="900" dirty="0">
+                        <a:rPr lang="en-US" sz="800" dirty="0">
                           <a:solidFill>
                             <a:schemeClr val="tx1"/>
                           </a:solidFill>
@@ -2355,7 +2355,7 @@
                         <a:t>A series of games to </a:t>
                       </a:r>
                       <a:r>
-                        <a:rPr lang="en-US" sz="900" b="1" dirty="0">
+                        <a:rPr lang="en-US" sz="800" b="1" dirty="0">
                           <a:solidFill>
                             <a:schemeClr val="tx1"/>
                           </a:solidFill>
@@ -2364,7 +2364,7 @@
                         <a:t>measure</a:t>
                       </a:r>
                       <a:r>
-                        <a:rPr lang="en-US" sz="900" dirty="0">
+                        <a:rPr lang="en-US" sz="800" dirty="0">
                           <a:solidFill>
                             <a:schemeClr val="tx1"/>
                           </a:solidFill>
@@ -2373,7 +2373,7 @@
                         <a:t> </a:t>
                       </a:r>
                       <a:r>
-                        <a:rPr lang="en-US" sz="900" b="1" dirty="0">
+                        <a:rPr lang="en-US" sz="800" b="1" dirty="0">
                           <a:solidFill>
                             <a:schemeClr val="tx1"/>
                           </a:solidFill>
@@ -2382,7 +2382,7 @@
                         <a:t>rank</a:t>
                       </a:r>
                       <a:r>
-                        <a:rPr lang="en-US" sz="900" dirty="0">
+                        <a:rPr lang="en-US" sz="800" dirty="0">
                           <a:solidFill>
                             <a:schemeClr val="tx1"/>
                           </a:solidFill>
@@ -2409,7 +2409,7 @@
                 </a:tc>
                 <a:extLst>
                   <a:ext uri="{0D108BD9-81ED-4DB2-BD59-A6C34878D82A}">
-                    <a16:rowId xmlns:a16="http://schemas.microsoft.com/office/drawing/2014/main" val="10000"/>
+                    <a16:rowId xmlns:a16="http://schemas.microsoft.com/office/drawing/2014/main" xmlns="" val="10000"/>
                   </a:ext>
                 </a:extLst>
               </a:tr>
@@ -2420,7 +2420,7 @@
                     <a:lstStyle/>
                     <a:p>
                       <a:r>
-                        <a:rPr lang="en-US" sz="1050" b="1" dirty="0">
+                        <a:rPr lang="en-US" sz="1000" b="1" dirty="0">
                           <a:latin typeface="Aptos Narrow" panose="020B0004020202020204" pitchFamily="34" charset="0"/>
                         </a:rPr>
                         <a:t>Teamwork</a:t>
@@ -2439,7 +2439,7 @@
                     <a:lstStyle/>
                     <a:p>
                       <a:r>
-                        <a:rPr lang="en-US" sz="900" dirty="0">
+                        <a:rPr lang="en-US" sz="800" dirty="0">
                           <a:solidFill>
                             <a:schemeClr val="tx1"/>
                           </a:solidFill>
@@ -2448,7 +2448,7 @@
                         <a:t>Group of interdependent individuals working </a:t>
                       </a:r>
                       <a:r>
-                        <a:rPr lang="en-US" sz="900" b="1" dirty="0">
+                        <a:rPr lang="en-US" sz="800" b="1" dirty="0">
                           <a:solidFill>
                             <a:schemeClr val="tx1"/>
                           </a:solidFill>
@@ -2457,7 +2457,7 @@
                         <a:t>together</a:t>
                       </a:r>
                       <a:r>
-                        <a:rPr lang="en-US" sz="900" dirty="0">
+                        <a:rPr lang="en-US" sz="800" dirty="0">
                           <a:solidFill>
                             <a:schemeClr val="tx1"/>
                           </a:solidFill>
@@ -2466,7 +2466,7 @@
                         <a:t> towards a </a:t>
                       </a:r>
                       <a:r>
-                        <a:rPr lang="en-US" sz="900" b="1" dirty="0">
+                        <a:rPr lang="en-US" sz="800" b="1" dirty="0">
                           <a:solidFill>
                             <a:schemeClr val="tx1"/>
                           </a:solidFill>
@@ -2493,7 +2493,7 @@
                 </a:tc>
                 <a:extLst>
                   <a:ext uri="{0D108BD9-81ED-4DB2-BD59-A6C34878D82A}">
-                    <a16:rowId xmlns:a16="http://schemas.microsoft.com/office/drawing/2014/main" val="10001"/>
+                    <a16:rowId xmlns:a16="http://schemas.microsoft.com/office/drawing/2014/main" xmlns="" val="10001"/>
                   </a:ext>
                 </a:extLst>
               </a:tr>
@@ -2504,7 +2504,7 @@
                     <a:lstStyle/>
                     <a:p>
                       <a:r>
-                        <a:rPr lang="en-US" sz="1050" b="1" dirty="0">
+                        <a:rPr lang="en-US" sz="1000" b="1" dirty="0">
                           <a:latin typeface="Aptos Narrow" panose="020B0004020202020204" pitchFamily="34" charset="0"/>
                         </a:rPr>
                         <a:t>Win</a:t>
@@ -2523,7 +2523,7 @@
                     <a:lstStyle/>
                     <a:p>
                       <a:r>
-                        <a:rPr lang="en-US" sz="900" b="1" dirty="0">
+                        <a:rPr lang="en-US" sz="800" b="1" dirty="0">
                           <a:solidFill>
                             <a:schemeClr val="tx1"/>
                           </a:solidFill>
@@ -2532,7 +2532,7 @@
                         <a:t>Leading</a:t>
                       </a:r>
                       <a:r>
-                        <a:rPr lang="en-US" sz="900" dirty="0">
+                        <a:rPr lang="en-US" sz="800" dirty="0">
                           <a:solidFill>
                             <a:schemeClr val="tx1"/>
                           </a:solidFill>
@@ -2541,7 +2541,7 @@
                         <a:t> </a:t>
                       </a:r>
                       <a:r>
-                        <a:rPr lang="en-US" sz="900" kern="1200" dirty="0">
+                        <a:rPr lang="en-US" sz="800" kern="1200" dirty="0">
                           <a:solidFill>
                             <a:schemeClr val="tx1"/>
                           </a:solidFill>
@@ -2552,7 +2552,7 @@
                         <a:t>at end </a:t>
                       </a:r>
                       <a:r>
-                        <a:rPr lang="en-US" sz="900" dirty="0">
+                        <a:rPr lang="en-US" sz="800" dirty="0">
                           <a:solidFill>
                             <a:schemeClr val="tx1"/>
                           </a:solidFill>
@@ -2561,7 +2561,7 @@
                         <a:t>of </a:t>
                       </a:r>
                       <a:r>
-                        <a:rPr lang="en-US" sz="900" b="1" dirty="0">
+                        <a:rPr lang="en-US" sz="800" b="1" dirty="0">
                           <a:solidFill>
                             <a:schemeClr val="tx1"/>
                           </a:solidFill>
@@ -2570,7 +2570,7 @@
                         <a:t>final whistle </a:t>
                       </a:r>
                       <a:r>
-                        <a:rPr lang="en-US" sz="900" dirty="0">
+                        <a:rPr lang="en-US" sz="800" dirty="0">
                           <a:solidFill>
                             <a:schemeClr val="tx1"/>
                           </a:solidFill>
@@ -2597,7 +2597,7 @@
                 </a:tc>
                 <a:extLst>
                   <a:ext uri="{0D108BD9-81ED-4DB2-BD59-A6C34878D82A}">
-                    <a16:rowId xmlns:a16="http://schemas.microsoft.com/office/drawing/2014/main" val="10002"/>
+                    <a16:rowId xmlns:a16="http://schemas.microsoft.com/office/drawing/2014/main" xmlns="" val="10002"/>
                   </a:ext>
                 </a:extLst>
               </a:tr>
@@ -2608,7 +2608,7 @@
                     <a:lstStyle/>
                     <a:p>
                       <a:r>
-                        <a:rPr lang="en-US" sz="1050" b="1" dirty="0">
+                        <a:rPr lang="en-US" sz="1000" b="1" dirty="0">
                           <a:latin typeface="Aptos Narrow" panose="020B0004020202020204" pitchFamily="34" charset="0"/>
                         </a:rPr>
                         <a:t>Leading</a:t>
@@ -2627,7 +2627,7 @@
                     <a:lstStyle/>
                     <a:p>
                       <a:r>
-                        <a:rPr lang="en-US" sz="900" b="1" dirty="0">
+                        <a:rPr lang="en-US" sz="800" b="1" dirty="0">
                           <a:solidFill>
                             <a:schemeClr val="tx1"/>
                           </a:solidFill>
@@ -2636,7 +2636,7 @@
                         <a:t>More</a:t>
                       </a:r>
                       <a:r>
-                        <a:rPr lang="en-US" sz="900" dirty="0">
+                        <a:rPr lang="en-US" sz="800" dirty="0">
                           <a:solidFill>
                             <a:schemeClr val="tx1"/>
                           </a:solidFill>
@@ -2645,7 +2645,7 @@
                         <a:t> points than opponent</a:t>
                       </a:r>
                       <a:r>
-                        <a:rPr lang="en-US" sz="900" baseline="0" dirty="0">
+                        <a:rPr lang="en-US" sz="800" baseline="0" dirty="0">
                           <a:solidFill>
                             <a:schemeClr val="tx1"/>
                           </a:solidFill>
@@ -2653,7 +2653,7 @@
                         </a:rPr>
                         <a:t> while game is still at play</a:t>
                       </a:r>
-                      <a:endParaRPr lang="en-US" sz="900" dirty="0">
+                      <a:endParaRPr lang="en-US" sz="800" dirty="0">
                         <a:solidFill>
                           <a:schemeClr val="tx1"/>
                         </a:solidFill>
@@ -2678,7 +2678,7 @@
                 </a:tc>
                 <a:extLst>
                   <a:ext uri="{0D108BD9-81ED-4DB2-BD59-A6C34878D82A}">
-                    <a16:rowId xmlns:a16="http://schemas.microsoft.com/office/drawing/2014/main" val="10003"/>
+                    <a16:rowId xmlns:a16="http://schemas.microsoft.com/office/drawing/2014/main" xmlns="" val="10003"/>
                   </a:ext>
                 </a:extLst>
               </a:tr>
@@ -2689,7 +2689,7 @@
                     <a:lstStyle/>
                     <a:p>
                       <a:r>
-                        <a:rPr lang="en-US" sz="1050" b="1" dirty="0">
+                        <a:rPr lang="en-US" sz="1000" b="1" dirty="0">
                           <a:latin typeface="Aptos Narrow" panose="020B0004020202020204" pitchFamily="34" charset="0"/>
                         </a:rPr>
                         <a:t>Game</a:t>
@@ -2708,7 +2708,7 @@
                     <a:lstStyle/>
                     <a:p>
                       <a:r>
-                        <a:rPr lang="en-US" sz="900" b="1" baseline="0" dirty="0">
+                        <a:rPr lang="en-US" sz="800" b="1" baseline="0" dirty="0">
                           <a:solidFill>
                             <a:schemeClr val="tx1"/>
                           </a:solidFill>
@@ -2717,7 +2717,7 @@
                         <a:t>Start</a:t>
                       </a:r>
                       <a:r>
-                        <a:rPr lang="en-US" sz="900" baseline="0" dirty="0">
+                        <a:rPr lang="en-US" sz="800" baseline="0" dirty="0">
                           <a:solidFill>
                             <a:schemeClr val="tx1"/>
                           </a:solidFill>
@@ -2726,7 +2726,7 @@
                         <a:t> of whistle …. </a:t>
                       </a:r>
                       <a:r>
-                        <a:rPr lang="en-US" sz="900" dirty="0">
+                        <a:rPr lang="en-US" sz="800" dirty="0">
                           <a:solidFill>
                             <a:schemeClr val="tx1"/>
                           </a:solidFill>
@@ -2735,7 +2735,7 @@
                         <a:t>Period</a:t>
                       </a:r>
                       <a:r>
-                        <a:rPr lang="en-US" sz="900" baseline="0" dirty="0">
+                        <a:rPr lang="en-US" sz="800" baseline="0" dirty="0">
                           <a:solidFill>
                             <a:schemeClr val="tx1"/>
                           </a:solidFill>
@@ -2744,7 +2744,7 @@
                         <a:t> of </a:t>
                       </a:r>
                       <a:r>
-                        <a:rPr lang="en-US" sz="900" b="1" baseline="0" dirty="0">
+                        <a:rPr lang="en-US" sz="800" b="1" baseline="0" dirty="0">
                           <a:solidFill>
                             <a:schemeClr val="tx1"/>
                           </a:solidFill>
@@ -2753,7 +2753,7 @@
                         <a:t>play</a:t>
                       </a:r>
                       <a:r>
-                        <a:rPr lang="en-US" sz="900" baseline="0" dirty="0">
+                        <a:rPr lang="en-US" sz="800" baseline="0" dirty="0">
                           <a:solidFill>
                             <a:schemeClr val="tx1"/>
                           </a:solidFill>
@@ -2762,7 +2762,7 @@
                         <a:t> …. </a:t>
                       </a:r>
                       <a:r>
-                        <a:rPr lang="en-US" sz="900" b="1" baseline="0" dirty="0">
+                        <a:rPr lang="en-US" sz="800" b="1" baseline="0" dirty="0">
                           <a:solidFill>
                             <a:schemeClr val="tx1"/>
                           </a:solidFill>
@@ -2771,7 +2771,7 @@
                         <a:t>final whistle</a:t>
                       </a:r>
                       <a:r>
-                        <a:rPr lang="en-US" sz="900" baseline="0" dirty="0">
+                        <a:rPr lang="en-US" sz="800" baseline="0" dirty="0">
                           <a:solidFill>
                             <a:schemeClr val="tx1"/>
                           </a:solidFill>
@@ -2779,7 +2779,7 @@
                         </a:rPr>
                         <a:t> blow</a:t>
                       </a:r>
-                      <a:endParaRPr lang="en-US" sz="900" dirty="0">
+                      <a:endParaRPr lang="en-US" sz="800" dirty="0">
                         <a:solidFill>
                           <a:schemeClr val="tx1"/>
                         </a:solidFill>
@@ -2804,7 +2804,7 @@
                 </a:tc>
                 <a:extLst>
                   <a:ext uri="{0D108BD9-81ED-4DB2-BD59-A6C34878D82A}">
-                    <a16:rowId xmlns:a16="http://schemas.microsoft.com/office/drawing/2014/main" val="10004"/>
+                    <a16:rowId xmlns:a16="http://schemas.microsoft.com/office/drawing/2014/main" xmlns="" val="10004"/>
                   </a:ext>
                 </a:extLst>
               </a:tr>
@@ -2815,7 +2815,7 @@
                     <a:lstStyle/>
                     <a:p>
                       <a:r>
-                        <a:rPr lang="en-US" sz="1050" b="1" dirty="0">
+                        <a:rPr lang="en-US" sz="1000" b="1" dirty="0">
                           <a:latin typeface="Aptos Narrow" panose="020B0004020202020204" pitchFamily="34" charset="0"/>
                         </a:rPr>
                         <a:t>Routine</a:t>
@@ -2834,7 +2834,7 @@
                     <a:lstStyle/>
                     <a:p>
                       <a:r>
-                        <a:rPr lang="en-US" sz="900" dirty="0">
+                        <a:rPr lang="en-US" sz="800" dirty="0">
                           <a:solidFill>
                             <a:schemeClr val="tx1"/>
                           </a:solidFill>
@@ -2843,7 +2843,7 @@
                         <a:t>A </a:t>
                       </a:r>
                       <a:r>
-                        <a:rPr lang="en-US" sz="900" b="1" dirty="0">
+                        <a:rPr lang="en-US" sz="800" b="1" dirty="0">
                           <a:solidFill>
                             <a:schemeClr val="tx1"/>
                           </a:solidFill>
@@ -2852,7 +2852,7 @@
                         <a:t>sequence</a:t>
                       </a:r>
                       <a:r>
-                        <a:rPr lang="en-US" sz="900" dirty="0">
+                        <a:rPr lang="en-US" sz="800" dirty="0">
                           <a:solidFill>
                             <a:schemeClr val="tx1"/>
                           </a:solidFill>
@@ -2861,7 +2861,7 @@
                         <a:t> of actions </a:t>
                       </a:r>
                       <a:r>
-                        <a:rPr lang="en-US" sz="900" b="1" dirty="0">
+                        <a:rPr lang="en-US" sz="800" b="1" dirty="0">
                           <a:solidFill>
                             <a:schemeClr val="tx1"/>
                           </a:solidFill>
@@ -2870,7 +2870,7 @@
                         <a:t>regularly</a:t>
                       </a:r>
                       <a:r>
-                        <a:rPr lang="en-US" sz="900" dirty="0">
+                        <a:rPr lang="en-US" sz="800" dirty="0">
                           <a:solidFill>
                             <a:schemeClr val="tx1"/>
                           </a:solidFill>
@@ -2897,7 +2897,7 @@
                 </a:tc>
                 <a:extLst>
                   <a:ext uri="{0D108BD9-81ED-4DB2-BD59-A6C34878D82A}">
-                    <a16:rowId xmlns:a16="http://schemas.microsoft.com/office/drawing/2014/main" val="10005"/>
+                    <a16:rowId xmlns:a16="http://schemas.microsoft.com/office/drawing/2014/main" xmlns="" val="10005"/>
                   </a:ext>
                 </a:extLst>
               </a:tr>
@@ -2908,7 +2908,7 @@
                     <a:lstStyle/>
                     <a:p>
                       <a:r>
-                        <a:rPr lang="en-US" sz="1050" b="1" dirty="0">
+                        <a:rPr lang="en-US" sz="1000" b="1" dirty="0">
                           <a:latin typeface="Aptos Narrow" panose="020B0004020202020204" pitchFamily="34" charset="0"/>
                         </a:rPr>
                         <a:t>Tactics</a:t>
@@ -2927,7 +2927,7 @@
                     <a:lstStyle/>
                     <a:p>
                       <a:r>
-                        <a:rPr lang="en-US" sz="900" dirty="0">
+                        <a:rPr lang="en-US" sz="800" dirty="0">
                           <a:solidFill>
                             <a:schemeClr val="tx1"/>
                           </a:solidFill>
@@ -2936,7 +2936,7 @@
                         <a:t>Action</a:t>
                       </a:r>
                       <a:r>
-                        <a:rPr lang="en-US" sz="900" baseline="0" dirty="0">
+                        <a:rPr lang="en-US" sz="800" baseline="0" dirty="0">
                           <a:solidFill>
                             <a:schemeClr val="tx1"/>
                           </a:solidFill>
@@ -2945,7 +2945,7 @@
                         <a:t> </a:t>
                       </a:r>
                       <a:r>
-                        <a:rPr lang="en-US" sz="900" dirty="0">
+                        <a:rPr lang="en-US" sz="800" dirty="0">
                           <a:solidFill>
                             <a:schemeClr val="tx1"/>
                           </a:solidFill>
@@ -2954,7 +2954,7 @@
                         <a:t>or strategy carefully planned to </a:t>
                       </a:r>
                       <a:r>
-                        <a:rPr lang="en-US" sz="900" b="1" dirty="0">
+                        <a:rPr lang="en-US" sz="800" b="1" dirty="0">
                           <a:solidFill>
                             <a:schemeClr val="tx1"/>
                           </a:solidFill>
@@ -2963,7 +2963,7 @@
                         <a:t>achieve a specific end</a:t>
                       </a:r>
                       <a:r>
-                        <a:rPr lang="en-US" sz="900" dirty="0">
+                        <a:rPr lang="en-US" sz="800" dirty="0">
                           <a:solidFill>
                             <a:schemeClr val="tx1"/>
                           </a:solidFill>
@@ -2990,7 +2990,7 @@
                 </a:tc>
                 <a:extLst>
                   <a:ext uri="{0D108BD9-81ED-4DB2-BD59-A6C34878D82A}">
-                    <a16:rowId xmlns:a16="http://schemas.microsoft.com/office/drawing/2014/main" val="10006"/>
+                    <a16:rowId xmlns:a16="http://schemas.microsoft.com/office/drawing/2014/main" xmlns="" val="10006"/>
                   </a:ext>
                 </a:extLst>
               </a:tr>
@@ -3000,7 +3000,7 @@
                     <a:bodyPr/>
                     <a:lstStyle/>
                     <a:p>
-                      <a:endParaRPr lang="en-US" sz="1050" dirty="0">
+                      <a:endParaRPr lang="en-US" sz="1000" dirty="0">
                         <a:latin typeface="Aptos Narrow" panose="020B0004020202020204" pitchFamily="34" charset="0"/>
                       </a:endParaRPr>
                     </a:p>
@@ -3016,7 +3016,7 @@
                     <a:bodyPr/>
                     <a:lstStyle/>
                     <a:p>
-                      <a:endParaRPr lang="en-US" sz="900" dirty="0">
+                      <a:endParaRPr lang="en-US" sz="800" dirty="0">
                         <a:latin typeface="Aptos Narrow" panose="020B0004020202020204" pitchFamily="34" charset="0"/>
                       </a:endParaRPr>
                     </a:p>
@@ -3038,7 +3038,7 @@
                 </a:tc>
                 <a:extLst>
                   <a:ext uri="{0D108BD9-81ED-4DB2-BD59-A6C34878D82A}">
-                    <a16:rowId xmlns:a16="http://schemas.microsoft.com/office/drawing/2014/main" val="10007"/>
+                    <a16:rowId xmlns:a16="http://schemas.microsoft.com/office/drawing/2014/main" xmlns="" val="10007"/>
                   </a:ext>
                 </a:extLst>
               </a:tr>
@@ -3051,7 +3051,7 @@
           <p:cNvPr id="8" name="Partial Circle 7">
             <a:extLst>
               <a:ext uri="{FF2B5EF4-FFF2-40B4-BE49-F238E27FC236}">
-                <a16:creationId xmlns:a16="http://schemas.microsoft.com/office/drawing/2014/main" id="{77CF4B81-3BF3-2697-2878-5FE1A5FE431A}"/>
+                <a16:creationId xmlns:a16="http://schemas.microsoft.com/office/drawing/2014/main" xmlns="" id="{77CF4B81-3BF3-2697-2878-5FE1A5FE431A}"/>
               </a:ext>
             </a:extLst>
           </p:cNvPr>
@@ -3097,7 +3097,7 @@
           <a:lstStyle/>
           <a:p>
             <a:pPr algn="ctr"/>
-            <a:endParaRPr lang="en-MY"/>
+            <a:endParaRPr lang="en-MY" sz="1600"/>
           </a:p>
         </p:txBody>
       </p:sp>
@@ -3106,7 +3106,7 @@
           <p:cNvPr id="3" name="Partial Circle 2">
             <a:extLst>
               <a:ext uri="{FF2B5EF4-FFF2-40B4-BE49-F238E27FC236}">
-                <a16:creationId xmlns:a16="http://schemas.microsoft.com/office/drawing/2014/main" id="{04C46028-7B54-2845-B763-36EA579DE7AF}"/>
+                <a16:creationId xmlns:a16="http://schemas.microsoft.com/office/drawing/2014/main" xmlns="" id="{04C46028-7B54-2845-B763-36EA579DE7AF}"/>
               </a:ext>
             </a:extLst>
           </p:cNvPr>
@@ -3148,7 +3148,7 @@
           <a:lstStyle/>
           <a:p>
             <a:pPr algn="ctr"/>
-            <a:endParaRPr lang="en-MY"/>
+            <a:endParaRPr lang="en-MY" sz="1600"/>
           </a:p>
         </p:txBody>
       </p:sp>
@@ -3157,7 +3157,7 @@
           <p:cNvPr id="1065" name="Partial Circle 1064">
             <a:extLst>
               <a:ext uri="{FF2B5EF4-FFF2-40B4-BE49-F238E27FC236}">
-                <a16:creationId xmlns:a16="http://schemas.microsoft.com/office/drawing/2014/main" id="{5623C272-50DC-7BA4-8FD2-E3D918314182}"/>
+                <a16:creationId xmlns:a16="http://schemas.microsoft.com/office/drawing/2014/main" xmlns="" id="{5623C272-50DC-7BA4-8FD2-E3D918314182}"/>
               </a:ext>
             </a:extLst>
           </p:cNvPr>
@@ -3197,7 +3197,7 @@
           <a:lstStyle/>
           <a:p>
             <a:pPr algn="ctr"/>
-            <a:endParaRPr lang="en-MY"/>
+            <a:endParaRPr lang="en-MY" sz="1600"/>
           </a:p>
         </p:txBody>
       </p:sp>
@@ -3206,7 +3206,7 @@
           <p:cNvPr id="1062" name="Table 1061">
             <a:extLst>
               <a:ext uri="{FF2B5EF4-FFF2-40B4-BE49-F238E27FC236}">
-                <a16:creationId xmlns:a16="http://schemas.microsoft.com/office/drawing/2014/main" id="{386A9683-4EA2-19CB-AF5A-E60576F98816}"/>
+                <a16:creationId xmlns:a16="http://schemas.microsoft.com/office/drawing/2014/main" xmlns="" id="{386A9683-4EA2-19CB-AF5A-E60576F98816}"/>
               </a:ext>
             </a:extLst>
           </p:cNvPr>
@@ -3216,7 +3216,7 @@
           <p:nvPr>
             <p:extLst>
               <p:ext uri="{D42A27DB-BD31-4B8C-83A1-F6EECF244321}">
-                <p14:modId xmlns:p14="http://schemas.microsoft.com/office/powerpoint/2010/main" val="4046689836"/>
+                <p14:modId xmlns:p14="http://schemas.microsoft.com/office/powerpoint/2010/main" val="4137708808"/>
               </p:ext>
             </p:extLst>
           </p:nvPr>
@@ -3232,31 +3232,31 @@
                 <a:tableStyleId>{5C22544A-7EE6-4342-B048-85BDC9FD1C3A}</a:tableStyleId>
               </a:tblPr>
               <a:tblGrid>
-                <a:gridCol w="1157874">
+                <a:gridCol w="1209836">
                   <a:extLst>
                     <a:ext uri="{9D8B030D-6E8A-4147-A177-3AD203B41FA5}">
-                      <a16:colId xmlns:a16="http://schemas.microsoft.com/office/drawing/2014/main" val="1845057893"/>
+                      <a16:colId xmlns:a16="http://schemas.microsoft.com/office/drawing/2014/main" xmlns="" val="1845057893"/>
                     </a:ext>
                   </a:extLst>
                 </a:gridCol>
-                <a:gridCol w="1157874">
+                <a:gridCol w="1209836">
                   <a:extLst>
                     <a:ext uri="{9D8B030D-6E8A-4147-A177-3AD203B41FA5}">
-                      <a16:colId xmlns:a16="http://schemas.microsoft.com/office/drawing/2014/main" val="3192560304"/>
+                      <a16:colId xmlns:a16="http://schemas.microsoft.com/office/drawing/2014/main" xmlns="" val="3192560304"/>
                     </a:ext>
                   </a:extLst>
                 </a:gridCol>
-                <a:gridCol w="1313760">
+                <a:gridCol w="1209836">
                   <a:extLst>
                     <a:ext uri="{9D8B030D-6E8A-4147-A177-3AD203B41FA5}">
-                      <a16:colId xmlns:a16="http://schemas.microsoft.com/office/drawing/2014/main" val="1004428497"/>
+                      <a16:colId xmlns:a16="http://schemas.microsoft.com/office/drawing/2014/main" xmlns="" val="1004428497"/>
                     </a:ext>
                   </a:extLst>
                 </a:gridCol>
                 <a:gridCol w="2890619">
                   <a:extLst>
                     <a:ext uri="{9D8B030D-6E8A-4147-A177-3AD203B41FA5}">
-                      <a16:colId xmlns:a16="http://schemas.microsoft.com/office/drawing/2014/main" val="3180650691"/>
+                      <a16:colId xmlns:a16="http://schemas.microsoft.com/office/drawing/2014/main" xmlns="" val="3180650691"/>
                     </a:ext>
                   </a:extLst>
                 </a:gridCol>
@@ -3285,13 +3285,31 @@
                         <a:defRPr/>
                       </a:pPr>
                       <a:r>
-                        <a:rPr lang="en-MY" sz="1000" b="0" dirty="0">
+                        <a:rPr lang="en-MY" sz="1000" b="0" dirty="0" smtClean="0">
                           <a:solidFill>
                             <a:schemeClr val="tx1"/>
                           </a:solidFill>
                           <a:latin typeface="Aptos" panose="020B0004020202020204" pitchFamily="34" charset="0"/>
                         </a:rPr>
-                        <a:t>Understand</a:t>
+                        <a:t>Alert /</a:t>
+                      </a:r>
+                      <a:r>
+                        <a:rPr lang="en-MY" sz="1000" b="0" baseline="0" dirty="0" smtClean="0">
+                          <a:solidFill>
+                            <a:schemeClr val="tx1"/>
+                          </a:solidFill>
+                          <a:latin typeface="Aptos" panose="020B0004020202020204" pitchFamily="34" charset="0"/>
+                        </a:rPr>
+                        <a:t> </a:t>
+                      </a:r>
+                      <a:r>
+                        <a:rPr lang="en-MY" sz="1000" b="0" dirty="0" smtClean="0">
+                          <a:solidFill>
+                            <a:schemeClr val="tx1"/>
+                          </a:solidFill>
+                          <a:latin typeface="Aptos" panose="020B0004020202020204" pitchFamily="34" charset="0"/>
+                        </a:rPr>
+                        <a:t>Aware</a:t>
                       </a:r>
                     </a:p>
                   </a:txBody>
@@ -3360,14 +3378,20 @@
                         <a:defRPr/>
                       </a:pPr>
                       <a:r>
-                        <a:rPr lang="en-MY" sz="1000" b="0" dirty="0">
+                        <a:rPr lang="en-MY" sz="1000" b="0" dirty="0" smtClean="0">
                           <a:solidFill>
                             <a:schemeClr val="tx1"/>
                           </a:solidFill>
                           <a:latin typeface="Aptos" panose="020B0004020202020204" pitchFamily="34" charset="0"/>
                         </a:rPr>
-                        <a:t>Memorize</a:t>
-                      </a:r>
+                        <a:t>Understand</a:t>
+                      </a:r>
+                      <a:endParaRPr lang="en-MY" sz="1000" b="0" dirty="0">
+                        <a:solidFill>
+                          <a:schemeClr val="tx1"/>
+                        </a:solidFill>
+                        <a:latin typeface="Aptos" panose="020B0004020202020204" pitchFamily="34" charset="0"/>
+                      </a:endParaRPr>
                     </a:p>
                   </a:txBody>
                   <a:tcPr marL="0" marR="0" marT="0" marB="0" anchor="ctr">
@@ -3419,14 +3443,20 @@
                     <a:p>
                       <a:pPr lvl="1" algn="l"/>
                       <a:r>
-                        <a:rPr lang="en-MY" sz="1000" b="0" dirty="0">
+                        <a:rPr lang="en-MY" sz="1000" b="0" dirty="0" smtClean="0">
                           <a:solidFill>
                             <a:schemeClr val="tx1"/>
                           </a:solidFill>
                           <a:latin typeface="Aptos" panose="020B0004020202020204" pitchFamily="34" charset="0"/>
                         </a:rPr>
-                        <a:t>Alert / Aware</a:t>
-                      </a:r>
+                        <a:t>Memorize</a:t>
+                      </a:r>
+                      <a:endParaRPr lang="en-MY" sz="1000" b="0" dirty="0">
+                        <a:solidFill>
+                          <a:schemeClr val="tx1"/>
+                        </a:solidFill>
+                        <a:latin typeface="Aptos" panose="020B0004020202020204" pitchFamily="34" charset="0"/>
+                      </a:endParaRPr>
                     </a:p>
                   </a:txBody>
                   <a:tcPr marL="0" marR="0" marT="0" marB="0" anchor="ctr">
@@ -3548,7 +3578,7 @@
                 </a:tc>
                 <a:extLst>
                   <a:ext uri="{0D108BD9-81ED-4DB2-BD59-A6C34878D82A}">
-                    <a16:rowId xmlns:a16="http://schemas.microsoft.com/office/drawing/2014/main" val="207670041"/>
+                    <a16:rowId xmlns:a16="http://schemas.microsoft.com/office/drawing/2014/main" xmlns="" val="207670041"/>
                   </a:ext>
                 </a:extLst>
               </a:tr>
@@ -3561,7 +3591,7 @@
           <p:cNvPr id="100" name="Partial Circle 99">
             <a:extLst>
               <a:ext uri="{FF2B5EF4-FFF2-40B4-BE49-F238E27FC236}">
-                <a16:creationId xmlns:a16="http://schemas.microsoft.com/office/drawing/2014/main" id="{49FB7735-8316-4F27-9D6A-382DD88CA670}"/>
+                <a16:creationId xmlns:a16="http://schemas.microsoft.com/office/drawing/2014/main" xmlns="" id="{49FB7735-8316-4F27-9D6A-382DD88CA670}"/>
               </a:ext>
             </a:extLst>
           </p:cNvPr>
@@ -3603,7 +3633,7 @@
           <a:lstStyle/>
           <a:p>
             <a:pPr algn="ctr"/>
-            <a:endParaRPr lang="en-MY"/>
+            <a:endParaRPr lang="en-MY" sz="1600"/>
           </a:p>
         </p:txBody>
       </p:sp>
@@ -3635,14 +3665,14 @@
                 <a:gridCol w="755650">
                   <a:extLst>
                     <a:ext uri="{9D8B030D-6E8A-4147-A177-3AD203B41FA5}">
-                      <a16:colId xmlns:a16="http://schemas.microsoft.com/office/drawing/2014/main" val="20000"/>
+                      <a16:colId xmlns:a16="http://schemas.microsoft.com/office/drawing/2014/main" xmlns="" val="20000"/>
                     </a:ext>
                   </a:extLst>
                 </a:gridCol>
                 <a:gridCol w="755650">
                   <a:extLst>
                     <a:ext uri="{9D8B030D-6E8A-4147-A177-3AD203B41FA5}">
-                      <a16:colId xmlns:a16="http://schemas.microsoft.com/office/drawing/2014/main" val="20001"/>
+                      <a16:colId xmlns:a16="http://schemas.microsoft.com/office/drawing/2014/main" xmlns="" val="20001"/>
                     </a:ext>
                   </a:extLst>
                 </a:gridCol>
@@ -3768,7 +3798,7 @@
                 </a:tc>
                 <a:extLst>
                   <a:ext uri="{0D108BD9-81ED-4DB2-BD59-A6C34878D82A}">
-                    <a16:rowId xmlns:a16="http://schemas.microsoft.com/office/drawing/2014/main" val="10000"/>
+                    <a16:rowId xmlns:a16="http://schemas.microsoft.com/office/drawing/2014/main" xmlns="" val="10000"/>
                   </a:ext>
                 </a:extLst>
               </a:tr>
@@ -3893,7 +3923,7 @@
                 </a:tc>
                 <a:extLst>
                   <a:ext uri="{0D108BD9-81ED-4DB2-BD59-A6C34878D82A}">
-                    <a16:rowId xmlns:a16="http://schemas.microsoft.com/office/drawing/2014/main" val="10001"/>
+                    <a16:rowId xmlns:a16="http://schemas.microsoft.com/office/drawing/2014/main" xmlns="" val="10001"/>
                   </a:ext>
                 </a:extLst>
               </a:tr>
@@ -3931,20 +3961,20 @@
               </a:spcBef>
             </a:pPr>
             <a:r>
-              <a:rPr sz="1400" spc="-20" dirty="0">
+              <a:rPr sz="1200" spc="-20" dirty="0">
                 <a:latin typeface="Aptos Display" panose="020B0004020202020204" pitchFamily="34" charset="0"/>
                 <a:cs typeface="Calibri"/>
               </a:rPr>
               <a:t>Standard </a:t>
             </a:r>
             <a:r>
-              <a:rPr sz="1400" spc="-10" dirty="0">
+              <a:rPr sz="1200" spc="-10" dirty="0">
                 <a:latin typeface="Aptos Display" panose="020B0004020202020204" pitchFamily="34" charset="0"/>
                 <a:cs typeface="Calibri"/>
               </a:rPr>
               <a:t>Rules</a:t>
             </a:r>
-            <a:endParaRPr sz="1400" dirty="0">
+            <a:endParaRPr sz="1200" dirty="0">
               <a:latin typeface="Aptos Display" panose="020B0004020202020204" pitchFamily="34" charset="0"/>
               <a:cs typeface="Calibri"/>
             </a:endParaRPr>
@@ -3959,7 +3989,7 @@
         </p:nvSpPr>
         <p:spPr>
           <a:xfrm>
-            <a:off x="3074090" y="2374292"/>
+            <a:off x="3083407" y="2374395"/>
             <a:ext cx="879475" cy="429259"/>
           </a:xfrm>
           <a:prstGeom prst="rect">
@@ -3981,20 +4011,20 @@
               </a:spcBef>
             </a:pPr>
             <a:r>
-              <a:rPr sz="1400" spc="-50" dirty="0">
+              <a:rPr sz="1200" spc="-50" dirty="0">
                 <a:latin typeface="Aptos Display" panose="020B0004020202020204" pitchFamily="34" charset="0"/>
                 <a:cs typeface="Calibri"/>
               </a:rPr>
               <a:t>Tournament </a:t>
             </a:r>
             <a:r>
-              <a:rPr sz="1400" spc="-10" dirty="0">
+              <a:rPr sz="1200" spc="-10" dirty="0">
                 <a:latin typeface="Aptos Display" panose="020B0004020202020204" pitchFamily="34" charset="0"/>
                 <a:cs typeface="Calibri"/>
               </a:rPr>
               <a:t>Rules</a:t>
             </a:r>
-            <a:endParaRPr sz="1400" dirty="0">
+            <a:endParaRPr sz="1200" dirty="0">
               <a:latin typeface="Aptos Display" panose="020B0004020202020204" pitchFamily="34" charset="0"/>
               <a:cs typeface="Calibri"/>
             </a:endParaRPr>
@@ -4010,7 +4040,7 @@
         <p:spPr>
           <a:xfrm>
             <a:off x="5177621" y="1731722"/>
-            <a:ext cx="857740" cy="232500"/>
+            <a:ext cx="857740" cy="219099"/>
           </a:xfrm>
           <a:prstGeom prst="rect">
             <a:avLst/>
@@ -4031,100 +4061,13 @@
               </a:spcBef>
             </a:pPr>
             <a:r>
-              <a:rPr sz="1400" spc="-20" dirty="0">
+              <a:rPr sz="1200" spc="-20" dirty="0">
                 <a:latin typeface="Aptos Display" panose="020B0004020202020204" pitchFamily="34" charset="0"/>
                 <a:cs typeface="Calibri"/>
               </a:rPr>
               <a:t>Game Plan</a:t>
             </a:r>
-            <a:endParaRPr sz="1400" dirty="0">
-              <a:latin typeface="Aptos Display" panose="020B0004020202020204" pitchFamily="34" charset="0"/>
-              <a:cs typeface="Calibri"/>
-            </a:endParaRPr>
-          </a:p>
-        </p:txBody>
-      </p:sp>
-      <p:sp>
-        <p:nvSpPr>
-          <p:cNvPr id="37" name="object 37"/>
-          <p:cNvSpPr txBox="1"/>
-          <p:nvPr/>
-        </p:nvSpPr>
-        <p:spPr>
-          <a:xfrm>
-            <a:off x="4398901" y="3899433"/>
-            <a:ext cx="937894" cy="452755"/>
-          </a:xfrm>
-          <a:prstGeom prst="rect">
-            <a:avLst/>
-          </a:prstGeom>
-        </p:spPr>
-        <p:txBody>
-          <a:bodyPr vert="horz" wrap="square" lIns="0" tIns="12700" rIns="0" bIns="0" rtlCol="0">
-            <a:spAutoFit/>
-          </a:bodyPr>
-          <a:lstStyle/>
-          <a:p>
-            <a:pPr marL="60960">
-              <a:lnSpc>
-                <a:spcPct val="100000"/>
-              </a:lnSpc>
-              <a:spcBef>
-                <a:spcPts val="100"/>
-              </a:spcBef>
-            </a:pPr>
-            <a:r>
-              <a:rPr sz="1400" spc="-10" dirty="0">
-                <a:solidFill>
-                  <a:srgbClr val="4471C4"/>
-                </a:solidFill>
-                <a:latin typeface="Aptos Display" panose="020B0004020202020204" pitchFamily="34" charset="0"/>
-                <a:cs typeface="Calibri"/>
-              </a:rPr>
-              <a:t>Competent</a:t>
-            </a:r>
-            <a:endParaRPr sz="1400">
-              <a:latin typeface="Aptos Display" panose="020B0004020202020204" pitchFamily="34" charset="0"/>
-              <a:cs typeface="Calibri"/>
-            </a:endParaRPr>
-          </a:p>
-          <a:p>
-            <a:pPr marL="12700">
-              <a:lnSpc>
-                <a:spcPct val="100000"/>
-              </a:lnSpc>
-            </a:pPr>
-            <a:r>
-              <a:rPr sz="1400" spc="-90" dirty="0">
-                <a:solidFill>
-                  <a:srgbClr val="4471C4"/>
-                </a:solidFill>
-                <a:latin typeface="Aptos Display" panose="020B0004020202020204" pitchFamily="34" charset="0"/>
-                <a:cs typeface="Calibri"/>
-              </a:rPr>
-              <a:t>&amp;</a:t>
-            </a:r>
-            <a:r>
-              <a:rPr sz="1400" spc="-35" dirty="0">
-                <a:solidFill>
-                  <a:srgbClr val="4471C4"/>
-                </a:solidFill>
-                <a:latin typeface="Aptos Display" panose="020B0004020202020204" pitchFamily="34" charset="0"/>
-                <a:cs typeface="Calibri"/>
-              </a:rPr>
-              <a:t> </a:t>
-            </a:r>
-            <a:r>
-              <a:rPr sz="1400" spc="-10" dirty="0">
-                <a:solidFill>
-                  <a:srgbClr val="4471C4"/>
-                </a:solidFill>
-                <a:latin typeface="Aptos Display" panose="020B0004020202020204" pitchFamily="34" charset="0"/>
-                <a:cs typeface="Calibri"/>
-              </a:rPr>
-              <a:t>Conscious</a:t>
-            </a:r>
-            <a:endParaRPr sz="1400">
+            <a:endParaRPr sz="1200" dirty="0">
               <a:latin typeface="Aptos Display" panose="020B0004020202020204" pitchFamily="34" charset="0"/>
               <a:cs typeface="Calibri"/>
             </a:endParaRPr>
@@ -4487,7 +4430,7 @@
           <a:bodyPr wrap="square" lIns="0" tIns="0" rIns="0" bIns="0" rtlCol="0"/>
           <a:lstStyle/>
           <a:p>
-            <a:endParaRPr>
+            <a:endParaRPr sz="1600">
               <a:latin typeface="Aptos Display" panose="020B0004020202020204" pitchFamily="34" charset="0"/>
             </a:endParaRPr>
           </a:p>
@@ -4523,7 +4466,7 @@
               </a:spcBef>
             </a:pPr>
             <a:r>
-              <a:rPr sz="1400" spc="-10" dirty="0">
+              <a:rPr sz="1200" spc="-10" dirty="0">
                 <a:solidFill>
                   <a:srgbClr val="498038"/>
                 </a:solidFill>
@@ -4532,7 +4475,7 @@
               </a:rPr>
               <a:t>Confidence Level</a:t>
             </a:r>
-            <a:endParaRPr sz="1400" dirty="0">
+            <a:endParaRPr sz="1200" dirty="0">
               <a:latin typeface="Aptos Display" panose="020B0004020202020204" pitchFamily="34" charset="0"/>
               <a:cs typeface="Calibri"/>
             </a:endParaRPr>
@@ -4683,7 +4626,7 @@
           <p:cNvPr id="1026" name="Picture 2" descr="The mind-heart connection | Women's Wellness">
             <a:extLst>
               <a:ext uri="{FF2B5EF4-FFF2-40B4-BE49-F238E27FC236}">
-                <a16:creationId xmlns:a16="http://schemas.microsoft.com/office/drawing/2014/main" id="{50A03586-44F4-DC5E-A467-306940D7F9DF}"/>
+                <a16:creationId xmlns:a16="http://schemas.microsoft.com/office/drawing/2014/main" xmlns="" id="{50A03586-44F4-DC5E-A467-306940D7F9DF}"/>
               </a:ext>
             </a:extLst>
           </p:cNvPr>
@@ -4767,13 +4710,13 @@
               </a:spcBef>
             </a:pPr>
             <a:r>
-              <a:rPr sz="1400" spc="-10" dirty="0">
+              <a:rPr sz="1200" spc="-10" dirty="0">
                 <a:latin typeface="Aptos Display" panose="020B0004020202020204" pitchFamily="34" charset="0"/>
                 <a:cs typeface="Calibri"/>
               </a:rPr>
               <a:t>Positive mindset</a:t>
             </a:r>
-            <a:endParaRPr sz="1400" dirty="0">
+            <a:endParaRPr sz="1200" dirty="0">
               <a:latin typeface="Aptos Display" panose="020B0004020202020204" pitchFamily="34" charset="0"/>
               <a:cs typeface="Calibri"/>
             </a:endParaRPr>
@@ -4785,7 +4728,7 @@
           <p:cNvPr id="80" name="Oval 79">
             <a:extLst>
               <a:ext uri="{FF2B5EF4-FFF2-40B4-BE49-F238E27FC236}">
-                <a16:creationId xmlns:a16="http://schemas.microsoft.com/office/drawing/2014/main" id="{75EA7FC4-ED55-9BD5-41A0-DEC4E0923494}"/>
+                <a16:creationId xmlns:a16="http://schemas.microsoft.com/office/drawing/2014/main" xmlns="" id="{75EA7FC4-ED55-9BD5-41A0-DEC4E0923494}"/>
               </a:ext>
             </a:extLst>
           </p:cNvPr>
@@ -4824,7 +4767,7 @@
           <a:lstStyle/>
           <a:p>
             <a:pPr algn="ctr"/>
-            <a:endParaRPr lang="en-MY"/>
+            <a:endParaRPr lang="en-MY" sz="1600"/>
           </a:p>
         </p:txBody>
       </p:sp>
@@ -4859,7 +4802,7 @@
         <p:spPr>
           <a:xfrm>
             <a:off x="4590283" y="2523360"/>
-            <a:ext cx="716663" cy="443711"/>
+            <a:ext cx="716663" cy="382156"/>
           </a:xfrm>
           <a:prstGeom prst="rect">
             <a:avLst/>
@@ -4880,34 +4823,34 @@
               </a:spcBef>
             </a:pPr>
             <a:r>
-              <a:rPr sz="1400" b="1" dirty="0">
+              <a:rPr sz="1200" b="1" dirty="0">
                 <a:latin typeface="Aptos Display" panose="020B0004020202020204" pitchFamily="34" charset="0"/>
                 <a:cs typeface="Calibri"/>
               </a:rPr>
               <a:t>Strategy</a:t>
             </a:r>
             <a:r>
-              <a:rPr sz="1400" b="1" spc="-5" dirty="0">
+              <a:rPr sz="1200" b="1" spc="-5" dirty="0">
                 <a:latin typeface="Aptos Display" panose="020B0004020202020204" pitchFamily="34" charset="0"/>
                 <a:cs typeface="Calibri"/>
               </a:rPr>
               <a:t> </a:t>
             </a:r>
             <a:r>
-              <a:rPr sz="1400" b="1" spc="-50" dirty="0">
+              <a:rPr sz="1200" b="1" spc="-50" dirty="0">
                 <a:latin typeface="Aptos Display" panose="020B0004020202020204" pitchFamily="34" charset="0"/>
                 <a:cs typeface="Calibri"/>
               </a:rPr>
               <a:t>&amp;</a:t>
             </a:r>
             <a:r>
-              <a:rPr lang="en-MY" sz="1400" b="1" spc="-50" dirty="0">
+              <a:rPr lang="en-MY" sz="1200" b="1" spc="-50" dirty="0">
                 <a:latin typeface="Aptos Display" panose="020B0004020202020204" pitchFamily="34" charset="0"/>
                 <a:cs typeface="Calibri"/>
               </a:rPr>
               <a:t> Tactics</a:t>
             </a:r>
-            <a:endParaRPr sz="1400" dirty="0">
+            <a:endParaRPr sz="1200" dirty="0">
               <a:latin typeface="Aptos Display" panose="020B0004020202020204" pitchFamily="34" charset="0"/>
               <a:cs typeface="Calibri"/>
             </a:endParaRPr>
@@ -4923,7 +4866,7 @@
         <p:spPr>
           <a:xfrm>
             <a:off x="5385130" y="3055937"/>
-            <a:ext cx="563245" cy="666115"/>
+            <a:ext cx="563245" cy="566822"/>
           </a:xfrm>
           <a:prstGeom prst="rect">
             <a:avLst/>
@@ -4944,27 +4887,27 @@
               </a:spcBef>
             </a:pPr>
             <a:r>
-              <a:rPr sz="1400" b="1" spc="40" dirty="0">
+              <a:rPr sz="1200" b="1" spc="40" dirty="0">
                 <a:latin typeface="Aptos Display" panose="020B0004020202020204" pitchFamily="34" charset="0"/>
                 <a:cs typeface="Calibri"/>
               </a:rPr>
               <a:t>Skills </a:t>
             </a:r>
             <a:r>
-              <a:rPr sz="1400" b="1" spc="-50" dirty="0">
+              <a:rPr sz="1200" b="1" spc="-50" dirty="0">
                 <a:latin typeface="Aptos Display" panose="020B0004020202020204" pitchFamily="34" charset="0"/>
                 <a:cs typeface="Calibri"/>
               </a:rPr>
               <a:t>&amp; </a:t>
             </a:r>
             <a:r>
-              <a:rPr sz="1400" b="1" spc="-10" dirty="0">
+              <a:rPr sz="1200" b="1" spc="-10" dirty="0">
                 <a:latin typeface="Aptos Display" panose="020B0004020202020204" pitchFamily="34" charset="0"/>
                 <a:cs typeface="Calibri"/>
               </a:rPr>
               <a:t>Tactics</a:t>
             </a:r>
-            <a:endParaRPr sz="1400" dirty="0">
+            <a:endParaRPr sz="1200" dirty="0">
               <a:latin typeface="Aptos Display" panose="020B0004020202020204" pitchFamily="34" charset="0"/>
               <a:cs typeface="Calibri"/>
             </a:endParaRPr>
@@ -4976,7 +4919,7 @@
           <p:cNvPr id="86" name="TextBox 85">
             <a:extLst>
               <a:ext uri="{FF2B5EF4-FFF2-40B4-BE49-F238E27FC236}">
-                <a16:creationId xmlns:a16="http://schemas.microsoft.com/office/drawing/2014/main" id="{4F179610-6C1D-A702-1FE1-0B2902A03341}"/>
+                <a16:creationId xmlns:a16="http://schemas.microsoft.com/office/drawing/2014/main" xmlns="" id="{4F179610-6C1D-A702-1FE1-0B2902A03341}"/>
               </a:ext>
             </a:extLst>
           </p:cNvPr>
@@ -4986,7 +4929,7 @@
         <p:spPr>
           <a:xfrm>
             <a:off x="4521077" y="3977693"/>
-            <a:ext cx="735073" cy="443711"/>
+            <a:ext cx="735073" cy="382156"/>
           </a:xfrm>
           <a:prstGeom prst="rect">
             <a:avLst/>
@@ -5015,7 +4958,7 @@
           </a:lstStyle>
           <a:p>
             <a:r>
-              <a:rPr lang="en-MY" dirty="0"/>
+              <a:rPr lang="en-MY" sz="1200" dirty="0"/>
               <a:t>In the Zone</a:t>
             </a:r>
           </a:p>
@@ -5051,20 +4994,20 @@
               </a:spcBef>
             </a:pPr>
             <a:r>
-              <a:rPr sz="1400" b="1" spc="-20" dirty="0">
+              <a:rPr sz="1200" b="1" spc="-20" dirty="0">
                 <a:latin typeface="Aptos Display" panose="020B0004020202020204" pitchFamily="34" charset="0"/>
                 <a:cs typeface="Calibri"/>
               </a:rPr>
               <a:t>Game </a:t>
             </a:r>
             <a:r>
-              <a:rPr sz="1400" b="1" spc="-10" dirty="0">
+              <a:rPr sz="1200" b="1" spc="-10" dirty="0">
                 <a:latin typeface="Aptos Display" panose="020B0004020202020204" pitchFamily="34" charset="0"/>
                 <a:cs typeface="Calibri"/>
               </a:rPr>
               <a:t>Rules</a:t>
             </a:r>
-            <a:endParaRPr sz="1400" dirty="0">
+            <a:endParaRPr sz="1200" dirty="0">
               <a:latin typeface="Aptos Display" panose="020B0004020202020204" pitchFamily="34" charset="0"/>
               <a:cs typeface="Calibri"/>
             </a:endParaRPr>
@@ -5076,7 +5019,7 @@
           <p:cNvPr id="105" name="TextBox 104">
             <a:extLst>
               <a:ext uri="{FF2B5EF4-FFF2-40B4-BE49-F238E27FC236}">
-                <a16:creationId xmlns:a16="http://schemas.microsoft.com/office/drawing/2014/main" id="{A15DD660-08A4-2E44-5F07-E82A6BC90DAE}"/>
+                <a16:creationId xmlns:a16="http://schemas.microsoft.com/office/drawing/2014/main" xmlns="" id="{A15DD660-08A4-2E44-5F07-E82A6BC90DAE}"/>
               </a:ext>
             </a:extLst>
           </p:cNvPr>
@@ -5104,7 +5047,7 @@
           <a:p>
             <a:pPr algn="ctr"/>
             <a:r>
-              <a:rPr lang="en-MY" sz="1400" dirty="0">
+              <a:rPr lang="en-MY" sz="1200" dirty="0">
                 <a:solidFill>
                   <a:srgbClr val="4471C4"/>
                 </a:solidFill>
@@ -5120,7 +5063,7 @@
           <p:cNvPr id="40" name="Group 39">
             <a:extLst>
               <a:ext uri="{FF2B5EF4-FFF2-40B4-BE49-F238E27FC236}">
-                <a16:creationId xmlns:a16="http://schemas.microsoft.com/office/drawing/2014/main" id="{EB5A66A3-30AA-F6EC-5509-600CBAB86650}"/>
+                <a16:creationId xmlns:a16="http://schemas.microsoft.com/office/drawing/2014/main" xmlns="" id="{EB5A66A3-30AA-F6EC-5509-600CBAB86650}"/>
               </a:ext>
             </a:extLst>
           </p:cNvPr>
@@ -5501,7 +5444,7 @@
           <p:cNvPr id="97" name="Straight Connector 96">
             <a:extLst>
               <a:ext uri="{FF2B5EF4-FFF2-40B4-BE49-F238E27FC236}">
-                <a16:creationId xmlns:a16="http://schemas.microsoft.com/office/drawing/2014/main" id="{3CACBC4C-2090-B12F-ABF1-3606C8C8E430}"/>
+                <a16:creationId xmlns:a16="http://schemas.microsoft.com/office/drawing/2014/main" xmlns="" id="{3CACBC4C-2090-B12F-ABF1-3606C8C8E430}"/>
               </a:ext>
             </a:extLst>
           </p:cNvPr>
@@ -5539,7 +5482,7 @@
           <p:cNvPr id="106" name="TextBox 105">
             <a:extLst>
               <a:ext uri="{FF2B5EF4-FFF2-40B4-BE49-F238E27FC236}">
-                <a16:creationId xmlns:a16="http://schemas.microsoft.com/office/drawing/2014/main" id="{D8F4F31F-26BB-5F92-DFE8-38E5D7BE631D}"/>
+                <a16:creationId xmlns:a16="http://schemas.microsoft.com/office/drawing/2014/main" xmlns="" id="{D8F4F31F-26BB-5F92-DFE8-38E5D7BE631D}"/>
               </a:ext>
             </a:extLst>
           </p:cNvPr>
@@ -5549,7 +5492,7 @@
         <p:spPr>
           <a:xfrm>
             <a:off x="6361945" y="2895600"/>
-            <a:ext cx="1093709" cy="1304969"/>
+            <a:ext cx="1197441" cy="1304969"/>
           </a:xfrm>
           <a:prstGeom prst="ellipse">
             <a:avLst/>
@@ -5642,7 +5585,7 @@
           <p:cNvPr id="108" name="Straight Connector 107">
             <a:extLst>
               <a:ext uri="{FF2B5EF4-FFF2-40B4-BE49-F238E27FC236}">
-                <a16:creationId xmlns:a16="http://schemas.microsoft.com/office/drawing/2014/main" id="{80EAA640-9D6F-301F-02B5-7BF4F7C4B135}"/>
+                <a16:creationId xmlns:a16="http://schemas.microsoft.com/office/drawing/2014/main" xmlns="" id="{80EAA640-9D6F-301F-02B5-7BF4F7C4B135}"/>
               </a:ext>
             </a:extLst>
           </p:cNvPr>
@@ -5680,7 +5623,7 @@
           <p:cNvPr id="112" name="Straight Connector 111">
             <a:extLst>
               <a:ext uri="{FF2B5EF4-FFF2-40B4-BE49-F238E27FC236}">
-                <a16:creationId xmlns:a16="http://schemas.microsoft.com/office/drawing/2014/main" id="{F27B6072-8B8D-A964-30E3-612D81379460}"/>
+                <a16:creationId xmlns:a16="http://schemas.microsoft.com/office/drawing/2014/main" xmlns="" id="{F27B6072-8B8D-A964-30E3-612D81379460}"/>
               </a:ext>
             </a:extLst>
           </p:cNvPr>
@@ -5719,7 +5662,7 @@
           <p:cNvPr id="1034" name="Straight Connector 1033">
             <a:extLst>
               <a:ext uri="{FF2B5EF4-FFF2-40B4-BE49-F238E27FC236}">
-                <a16:creationId xmlns:a16="http://schemas.microsoft.com/office/drawing/2014/main" id="{FCA470A2-446E-28E8-9930-6A1B51AB5F72}"/>
+                <a16:creationId xmlns:a16="http://schemas.microsoft.com/office/drawing/2014/main" xmlns="" id="{FCA470A2-446E-28E8-9930-6A1B51AB5F72}"/>
               </a:ext>
             </a:extLst>
           </p:cNvPr>
@@ -5757,7 +5700,7 @@
           <p:cNvPr id="1037" name="Straight Connector 1036">
             <a:extLst>
               <a:ext uri="{FF2B5EF4-FFF2-40B4-BE49-F238E27FC236}">
-                <a16:creationId xmlns:a16="http://schemas.microsoft.com/office/drawing/2014/main" id="{5D6F7DE4-7CB5-4CF8-8C0C-4E665DF72734}"/>
+                <a16:creationId xmlns:a16="http://schemas.microsoft.com/office/drawing/2014/main" xmlns="" id="{5D6F7DE4-7CB5-4CF8-8C0C-4E665DF72734}"/>
               </a:ext>
             </a:extLst>
           </p:cNvPr>
@@ -5795,7 +5738,7 @@
           <p:cNvPr id="1043" name="TextBox 1042">
             <a:extLst>
               <a:ext uri="{FF2B5EF4-FFF2-40B4-BE49-F238E27FC236}">
-                <a16:creationId xmlns:a16="http://schemas.microsoft.com/office/drawing/2014/main" id="{BF1B569D-F1E3-5E68-E840-4E3222EBE708}"/>
+                <a16:creationId xmlns:a16="http://schemas.microsoft.com/office/drawing/2014/main" xmlns="" id="{BF1B569D-F1E3-5E68-E840-4E3222EBE708}"/>
               </a:ext>
             </a:extLst>
           </p:cNvPr>
@@ -5805,7 +5748,7 @@
         <p:spPr>
           <a:xfrm>
             <a:off x="2843906" y="3714761"/>
-            <a:ext cx="925108" cy="523220"/>
+            <a:ext cx="925108" cy="461665"/>
           </a:xfrm>
           <a:prstGeom prst="rect">
             <a:avLst/>
@@ -5819,7 +5762,7 @@
           <a:lstStyle/>
           <a:p>
             <a:r>
-              <a:rPr lang="en-MY" sz="1400" dirty="0">
+              <a:rPr lang="en-MY" sz="1200" dirty="0">
                 <a:latin typeface="Aptos Display" panose="020B0004020202020204" pitchFamily="34" charset="0"/>
               </a:rPr>
               <a:t>Referee / Umpire</a:t>
@@ -5832,7 +5775,7 @@
           <p:cNvPr id="104" name="TextBox 103">
             <a:extLst>
               <a:ext uri="{FF2B5EF4-FFF2-40B4-BE49-F238E27FC236}">
-                <a16:creationId xmlns:a16="http://schemas.microsoft.com/office/drawing/2014/main" id="{1854B8D7-6474-ADBE-7948-EE6E2C6F49F0}"/>
+                <a16:creationId xmlns:a16="http://schemas.microsoft.com/office/drawing/2014/main" xmlns="" id="{1854B8D7-6474-ADBE-7948-EE6E2C6F49F0}"/>
               </a:ext>
             </a:extLst>
           </p:cNvPr>
@@ -5860,7 +5803,7 @@
           <a:p>
             <a:pPr algn="ctr"/>
             <a:r>
-              <a:rPr lang="en-MY" sz="1400" dirty="0">
+              <a:rPr lang="en-MY" sz="1200" dirty="0">
                 <a:solidFill>
                   <a:srgbClr val="D17C42"/>
                 </a:solidFill>
@@ -5876,7 +5819,7 @@
           <p:cNvPr id="79" name="Table 78">
             <a:extLst>
               <a:ext uri="{FF2B5EF4-FFF2-40B4-BE49-F238E27FC236}">
-                <a16:creationId xmlns:a16="http://schemas.microsoft.com/office/drawing/2014/main" id="{1EA92ECA-A98A-7627-EBD1-7D1B2BEFBAA9}"/>
+                <a16:creationId xmlns:a16="http://schemas.microsoft.com/office/drawing/2014/main" xmlns="" id="{1EA92ECA-A98A-7627-EBD1-7D1B2BEFBAA9}"/>
               </a:ext>
             </a:extLst>
           </p:cNvPr>
@@ -5905,14 +5848,14 @@
                 <a:gridCol w="1487120">
                   <a:extLst>
                     <a:ext uri="{9D8B030D-6E8A-4147-A177-3AD203B41FA5}">
-                      <a16:colId xmlns:a16="http://schemas.microsoft.com/office/drawing/2014/main" val="2387575604"/>
+                      <a16:colId xmlns:a16="http://schemas.microsoft.com/office/drawing/2014/main" xmlns="" val="2387575604"/>
                     </a:ext>
                   </a:extLst>
                 </a:gridCol>
                 <a:gridCol w="1447800">
                   <a:extLst>
                     <a:ext uri="{9D8B030D-6E8A-4147-A177-3AD203B41FA5}">
-                      <a16:colId xmlns:a16="http://schemas.microsoft.com/office/drawing/2014/main" val="1918605244"/>
+                      <a16:colId xmlns:a16="http://schemas.microsoft.com/office/drawing/2014/main" xmlns="" val="1918605244"/>
                     </a:ext>
                   </a:extLst>
                 </a:gridCol>
@@ -6036,7 +5979,7 @@
                 </a:tc>
                 <a:extLst>
                   <a:ext uri="{0D108BD9-81ED-4DB2-BD59-A6C34878D82A}">
-                    <a16:rowId xmlns:a16="http://schemas.microsoft.com/office/drawing/2014/main" val="2569511601"/>
+                    <a16:rowId xmlns:a16="http://schemas.microsoft.com/office/drawing/2014/main" xmlns="" val="2569511601"/>
                   </a:ext>
                 </a:extLst>
               </a:tr>
@@ -6157,7 +6100,7 @@
                 </a:tc>
                 <a:extLst>
                   <a:ext uri="{0D108BD9-81ED-4DB2-BD59-A6C34878D82A}">
-                    <a16:rowId xmlns:a16="http://schemas.microsoft.com/office/drawing/2014/main" val="1518251971"/>
+                    <a16:rowId xmlns:a16="http://schemas.microsoft.com/office/drawing/2014/main" xmlns="" val="1518251971"/>
                   </a:ext>
                 </a:extLst>
               </a:tr>
@@ -6278,7 +6221,7 @@
                 </a:tc>
                 <a:extLst>
                   <a:ext uri="{0D108BD9-81ED-4DB2-BD59-A6C34878D82A}">
-                    <a16:rowId xmlns:a16="http://schemas.microsoft.com/office/drawing/2014/main" val="606344945"/>
+                    <a16:rowId xmlns:a16="http://schemas.microsoft.com/office/drawing/2014/main" xmlns="" val="606344945"/>
                   </a:ext>
                 </a:extLst>
               </a:tr>
@@ -6399,7 +6342,7 @@
                 </a:tc>
                 <a:extLst>
                   <a:ext uri="{0D108BD9-81ED-4DB2-BD59-A6C34878D82A}">
-                    <a16:rowId xmlns:a16="http://schemas.microsoft.com/office/drawing/2014/main" val="2602610905"/>
+                    <a16:rowId xmlns:a16="http://schemas.microsoft.com/office/drawing/2014/main" xmlns="" val="2602610905"/>
                   </a:ext>
                 </a:extLst>
               </a:tr>
@@ -6520,7 +6463,7 @@
                 </a:tc>
                 <a:extLst>
                   <a:ext uri="{0D108BD9-81ED-4DB2-BD59-A6C34878D82A}">
-                    <a16:rowId xmlns:a16="http://schemas.microsoft.com/office/drawing/2014/main" val="3779165775"/>
+                    <a16:rowId xmlns:a16="http://schemas.microsoft.com/office/drawing/2014/main" xmlns="" val="3779165775"/>
                   </a:ext>
                 </a:extLst>
               </a:tr>
@@ -6645,7 +6588,7 @@
                 </a:tc>
                 <a:extLst>
                   <a:ext uri="{0D108BD9-81ED-4DB2-BD59-A6C34878D82A}">
-                    <a16:rowId xmlns:a16="http://schemas.microsoft.com/office/drawing/2014/main" val="2251396852"/>
+                    <a16:rowId xmlns:a16="http://schemas.microsoft.com/office/drawing/2014/main" xmlns="" val="2251396852"/>
                   </a:ext>
                 </a:extLst>
               </a:tr>
@@ -6658,7 +6601,7 @@
           <p:cNvPr id="89" name="Straight Connector 88">
             <a:extLst>
               <a:ext uri="{FF2B5EF4-FFF2-40B4-BE49-F238E27FC236}">
-                <a16:creationId xmlns:a16="http://schemas.microsoft.com/office/drawing/2014/main" id="{4490F0EA-DAFB-D5EB-9D7A-FA2A8AB7025E}"/>
+                <a16:creationId xmlns:a16="http://schemas.microsoft.com/office/drawing/2014/main" xmlns="" id="{4490F0EA-DAFB-D5EB-9D7A-FA2A8AB7025E}"/>
               </a:ext>
             </a:extLst>
           </p:cNvPr>
@@ -6697,7 +6640,7 @@
           <p:cNvPr id="88" name="Straight Connector 87">
             <a:extLst>
               <a:ext uri="{FF2B5EF4-FFF2-40B4-BE49-F238E27FC236}">
-                <a16:creationId xmlns:a16="http://schemas.microsoft.com/office/drawing/2014/main" id="{ACA3B0E0-B567-8BDC-9C10-428B53C7B900}"/>
+                <a16:creationId xmlns:a16="http://schemas.microsoft.com/office/drawing/2014/main" xmlns="" id="{ACA3B0E0-B567-8BDC-9C10-428B53C7B900}"/>
               </a:ext>
             </a:extLst>
           </p:cNvPr>
@@ -6735,7 +6678,7 @@
           <p:cNvPr id="1070" name="TextBox 1069">
             <a:extLst>
               <a:ext uri="{FF2B5EF4-FFF2-40B4-BE49-F238E27FC236}">
-                <a16:creationId xmlns:a16="http://schemas.microsoft.com/office/drawing/2014/main" id="{FC25C524-9637-D684-CDEA-037CAC4EC7CC}"/>
+                <a16:creationId xmlns:a16="http://schemas.microsoft.com/office/drawing/2014/main" xmlns="" id="{FC25C524-9637-D684-CDEA-037CAC4EC7CC}"/>
               </a:ext>
             </a:extLst>
           </p:cNvPr>
@@ -6763,7 +6706,7 @@
           <a:p>
             <a:pPr algn="ctr"/>
             <a:r>
-              <a:rPr lang="en-MY" sz="1400" dirty="0">
+              <a:rPr lang="en-MY" sz="1200" dirty="0">
                 <a:solidFill>
                   <a:schemeClr val="tx1"/>
                 </a:solidFill>
@@ -6779,7 +6722,7 @@
           <p:cNvPr id="1078" name="Straight Connector 1077">
             <a:extLst>
               <a:ext uri="{FF2B5EF4-FFF2-40B4-BE49-F238E27FC236}">
-                <a16:creationId xmlns:a16="http://schemas.microsoft.com/office/drawing/2014/main" id="{D5C93355-E0E1-15AB-5FD3-800D5C1C3C18}"/>
+                <a16:creationId xmlns:a16="http://schemas.microsoft.com/office/drawing/2014/main" xmlns="" id="{D5C93355-E0E1-15AB-5FD3-800D5C1C3C18}"/>
               </a:ext>
             </a:extLst>
           </p:cNvPr>
@@ -6817,7 +6760,7 @@
           <p:cNvPr id="94" name="Straight Connector 93">
             <a:extLst>
               <a:ext uri="{FF2B5EF4-FFF2-40B4-BE49-F238E27FC236}">
-                <a16:creationId xmlns:a16="http://schemas.microsoft.com/office/drawing/2014/main" id="{D9A18D5F-FA46-467F-7930-D70B985AEE49}"/>
+                <a16:creationId xmlns:a16="http://schemas.microsoft.com/office/drawing/2014/main" xmlns="" id="{D9A18D5F-FA46-467F-7930-D70B985AEE49}"/>
               </a:ext>
             </a:extLst>
           </p:cNvPr>
@@ -6855,7 +6798,7 @@
           <p:cNvPr id="96" name="Oval 95">
             <a:extLst>
               <a:ext uri="{FF2B5EF4-FFF2-40B4-BE49-F238E27FC236}">
-                <a16:creationId xmlns:a16="http://schemas.microsoft.com/office/drawing/2014/main" id="{565CF67B-78E9-5E96-0785-95A72351409F}"/>
+                <a16:creationId xmlns:a16="http://schemas.microsoft.com/office/drawing/2014/main" xmlns="" id="{565CF67B-78E9-5E96-0785-95A72351409F}"/>
               </a:ext>
             </a:extLst>
           </p:cNvPr>
@@ -6896,12 +6839,12 @@
           <a:p>
             <a:pPr algn="ctr"/>
             <a:r>
-              <a:rPr lang="en-MY" sz="1100" b="1" dirty="0">
+              <a:rPr lang="en-MY" sz="1050" b="1" dirty="0">
                 <a:latin typeface="Aptos Display" panose="020B0004020202020204" pitchFamily="34" charset="0"/>
               </a:rPr>
               <a:t>M</a:t>
             </a:r>
-            <a:endParaRPr lang="en-MY" b="1" dirty="0">
+            <a:endParaRPr lang="en-MY" sz="1600" b="1" dirty="0">
               <a:latin typeface="Aptos Display" panose="020B0004020202020204" pitchFamily="34" charset="0"/>
             </a:endParaRPr>
           </a:p>
@@ -6912,7 +6855,7 @@
           <p:cNvPr id="98" name="Oval 97">
             <a:extLst>
               <a:ext uri="{FF2B5EF4-FFF2-40B4-BE49-F238E27FC236}">
-                <a16:creationId xmlns:a16="http://schemas.microsoft.com/office/drawing/2014/main" id="{43745D4E-BEE4-FA14-588E-CE877424639D}"/>
+                <a16:creationId xmlns:a16="http://schemas.microsoft.com/office/drawing/2014/main" xmlns="" id="{43745D4E-BEE4-FA14-588E-CE877424639D}"/>
               </a:ext>
             </a:extLst>
           </p:cNvPr>
@@ -6953,12 +6896,12 @@
           <a:p>
             <a:pPr algn="ctr"/>
             <a:r>
-              <a:rPr lang="en-MY" sz="1100" b="1" dirty="0">
+              <a:rPr lang="en-MY" sz="1050" b="1" dirty="0">
                 <a:latin typeface="Aptos Display" panose="020B0004020202020204" pitchFamily="34" charset="0"/>
               </a:rPr>
               <a:t>U</a:t>
             </a:r>
-            <a:endParaRPr lang="en-MY" b="1" dirty="0">
+            <a:endParaRPr lang="en-MY" sz="1600" b="1" dirty="0">
               <a:latin typeface="Aptos Display" panose="020B0004020202020204" pitchFamily="34" charset="0"/>
             </a:endParaRPr>
           </a:p>
@@ -6969,7 +6912,7 @@
           <p:cNvPr id="99" name="Oval 98">
             <a:extLst>
               <a:ext uri="{FF2B5EF4-FFF2-40B4-BE49-F238E27FC236}">
-                <a16:creationId xmlns:a16="http://schemas.microsoft.com/office/drawing/2014/main" id="{E199581C-47AA-A928-69EF-E790578B98B5}"/>
+                <a16:creationId xmlns:a16="http://schemas.microsoft.com/office/drawing/2014/main" xmlns="" id="{E199581C-47AA-A928-69EF-E790578B98B5}"/>
               </a:ext>
             </a:extLst>
           </p:cNvPr>
@@ -7010,12 +6953,12 @@
           <a:p>
             <a:pPr algn="ctr"/>
             <a:r>
-              <a:rPr lang="en-MY" sz="1100" b="1" dirty="0">
+              <a:rPr lang="en-MY" sz="1050" b="1" dirty="0">
                 <a:latin typeface="Aptos Display" panose="020B0004020202020204" pitchFamily="34" charset="0"/>
               </a:rPr>
               <a:t>A</a:t>
             </a:r>
-            <a:endParaRPr lang="en-MY" b="1" dirty="0">
+            <a:endParaRPr lang="en-MY" sz="1600" b="1" dirty="0">
               <a:latin typeface="Aptos Display" panose="020B0004020202020204" pitchFamily="34" charset="0"/>
             </a:endParaRPr>
           </a:p>
@@ -7026,7 +6969,7 @@
           <p:cNvPr id="101" name="Oval 100">
             <a:extLst>
               <a:ext uri="{FF2B5EF4-FFF2-40B4-BE49-F238E27FC236}">
-                <a16:creationId xmlns:a16="http://schemas.microsoft.com/office/drawing/2014/main" id="{B04E7350-3452-E759-EB08-91FBA3127FA7}"/>
+                <a16:creationId xmlns:a16="http://schemas.microsoft.com/office/drawing/2014/main" xmlns="" id="{B04E7350-3452-E759-EB08-91FBA3127FA7}"/>
               </a:ext>
             </a:extLst>
           </p:cNvPr>
@@ -7067,12 +7010,12 @@
           <a:p>
             <a:pPr algn="ctr"/>
             <a:r>
-              <a:rPr lang="en-MY" sz="1100" b="1" dirty="0">
+              <a:rPr lang="en-MY" sz="1050" b="1" dirty="0">
                 <a:latin typeface="Aptos Display" panose="020B0004020202020204" pitchFamily="34" charset="0"/>
               </a:rPr>
               <a:t>A</a:t>
             </a:r>
-            <a:endParaRPr lang="en-MY" b="1" dirty="0">
+            <a:endParaRPr lang="en-MY" sz="1600" b="1" dirty="0">
               <a:latin typeface="Aptos Display" panose="020B0004020202020204" pitchFamily="34" charset="0"/>
             </a:endParaRPr>
           </a:p>
@@ -7083,7 +7026,7 @@
           <p:cNvPr id="102" name="Oval 101">
             <a:extLst>
               <a:ext uri="{FF2B5EF4-FFF2-40B4-BE49-F238E27FC236}">
-                <a16:creationId xmlns:a16="http://schemas.microsoft.com/office/drawing/2014/main" id="{AFAB1E73-2F24-3BD2-5FFA-1D68016D808E}"/>
+                <a16:creationId xmlns:a16="http://schemas.microsoft.com/office/drawing/2014/main" xmlns="" id="{AFAB1E73-2F24-3BD2-5FFA-1D68016D808E}"/>
               </a:ext>
             </a:extLst>
           </p:cNvPr>
@@ -7124,12 +7067,12 @@
           <a:p>
             <a:pPr algn="ctr"/>
             <a:r>
-              <a:rPr lang="en-MY" sz="1100" b="1" dirty="0">
+              <a:rPr lang="en-MY" sz="1050" b="1" dirty="0">
                 <a:latin typeface="Aptos Display" panose="020B0004020202020204" pitchFamily="34" charset="0"/>
               </a:rPr>
               <a:t>A</a:t>
             </a:r>
-            <a:endParaRPr lang="en-MY" b="1" dirty="0">
+            <a:endParaRPr lang="en-MY" sz="1600" b="1" dirty="0">
               <a:latin typeface="Aptos Display" panose="020B0004020202020204" pitchFamily="34" charset="0"/>
             </a:endParaRPr>
           </a:p>
@@ -7140,7 +7083,7 @@
           <p:cNvPr id="103" name="Oval 102">
             <a:extLst>
               <a:ext uri="{FF2B5EF4-FFF2-40B4-BE49-F238E27FC236}">
-                <a16:creationId xmlns:a16="http://schemas.microsoft.com/office/drawing/2014/main" id="{6C89A133-B69A-E339-1CB5-EC5E6CAA9388}"/>
+                <a16:creationId xmlns:a16="http://schemas.microsoft.com/office/drawing/2014/main" xmlns="" id="{6C89A133-B69A-E339-1CB5-EC5E6CAA9388}"/>
               </a:ext>
             </a:extLst>
           </p:cNvPr>
@@ -7181,12 +7124,12 @@
           <a:p>
             <a:pPr algn="ctr"/>
             <a:r>
-              <a:rPr lang="en-MY" sz="1100" b="1" dirty="0">
+              <a:rPr lang="en-MY" sz="1050" b="1" dirty="0">
                 <a:latin typeface="Aptos Display" panose="020B0004020202020204" pitchFamily="34" charset="0"/>
               </a:rPr>
               <a:t>M</a:t>
             </a:r>
-            <a:endParaRPr lang="en-MY" b="1" dirty="0">
+            <a:endParaRPr lang="en-MY" sz="1600" b="1" dirty="0">
               <a:latin typeface="Aptos Display" panose="020B0004020202020204" pitchFamily="34" charset="0"/>
             </a:endParaRPr>
           </a:p>
@@ -7197,7 +7140,7 @@
           <p:cNvPr id="107" name="Oval 106">
             <a:extLst>
               <a:ext uri="{FF2B5EF4-FFF2-40B4-BE49-F238E27FC236}">
-                <a16:creationId xmlns:a16="http://schemas.microsoft.com/office/drawing/2014/main" id="{2F1D7F6E-922C-518D-4C0A-4E8F56931E55}"/>
+                <a16:creationId xmlns:a16="http://schemas.microsoft.com/office/drawing/2014/main" xmlns="" id="{2F1D7F6E-922C-518D-4C0A-4E8F56931E55}"/>
               </a:ext>
             </a:extLst>
           </p:cNvPr>
@@ -7238,12 +7181,12 @@
           <a:p>
             <a:pPr algn="ctr"/>
             <a:r>
-              <a:rPr lang="en-MY" sz="1100" b="1" dirty="0">
+              <a:rPr lang="en-MY" sz="1050" b="1" dirty="0">
                 <a:latin typeface="Aptos Display" panose="020B0004020202020204" pitchFamily="34" charset="0"/>
               </a:rPr>
               <a:t>U</a:t>
             </a:r>
-            <a:endParaRPr lang="en-MY" b="1" dirty="0">
+            <a:endParaRPr lang="en-MY" sz="1600" b="1" dirty="0">
               <a:latin typeface="Aptos Display" panose="020B0004020202020204" pitchFamily="34" charset="0"/>
             </a:endParaRPr>
           </a:p>
@@ -7254,7 +7197,7 @@
           <p:cNvPr id="109" name="Oval 108">
             <a:extLst>
               <a:ext uri="{FF2B5EF4-FFF2-40B4-BE49-F238E27FC236}">
-                <a16:creationId xmlns:a16="http://schemas.microsoft.com/office/drawing/2014/main" id="{E5EF2794-D465-505B-8E60-E7957758BE92}"/>
+                <a16:creationId xmlns:a16="http://schemas.microsoft.com/office/drawing/2014/main" xmlns="" id="{E5EF2794-D465-505B-8E60-E7957758BE92}"/>
               </a:ext>
             </a:extLst>
           </p:cNvPr>
@@ -7295,12 +7238,12 @@
           <a:p>
             <a:pPr algn="ctr"/>
             <a:r>
-              <a:rPr lang="en-MY" sz="1100" b="1" dirty="0">
+              <a:rPr lang="en-MY" sz="1050" b="1" dirty="0">
                 <a:latin typeface="Aptos Display" panose="020B0004020202020204" pitchFamily="34" charset="0"/>
               </a:rPr>
               <a:t>U</a:t>
             </a:r>
-            <a:endParaRPr lang="en-MY" b="1" dirty="0">
+            <a:endParaRPr lang="en-MY" sz="1600" b="1" dirty="0">
               <a:latin typeface="Aptos Display" panose="020B0004020202020204" pitchFamily="34" charset="0"/>
             </a:endParaRPr>
           </a:p>
@@ -7311,7 +7254,7 @@
           <p:cNvPr id="110" name="Oval 109">
             <a:extLst>
               <a:ext uri="{FF2B5EF4-FFF2-40B4-BE49-F238E27FC236}">
-                <a16:creationId xmlns:a16="http://schemas.microsoft.com/office/drawing/2014/main" id="{5FBEA186-F262-B0F3-688B-2573C8B1F6D9}"/>
+                <a16:creationId xmlns:a16="http://schemas.microsoft.com/office/drawing/2014/main" xmlns="" id="{5FBEA186-F262-B0F3-688B-2573C8B1F6D9}"/>
               </a:ext>
             </a:extLst>
           </p:cNvPr>
@@ -7352,12 +7295,12 @@
           <a:p>
             <a:pPr algn="ctr"/>
             <a:r>
-              <a:rPr lang="en-MY" sz="1100" b="1" dirty="0">
+              <a:rPr lang="en-MY" sz="1050" b="1" dirty="0">
                 <a:latin typeface="Aptos Display" panose="020B0004020202020204" pitchFamily="34" charset="0"/>
               </a:rPr>
               <a:t>U</a:t>
             </a:r>
-            <a:endParaRPr lang="en-MY" b="1" dirty="0">
+            <a:endParaRPr lang="en-MY" sz="1600" b="1" dirty="0">
               <a:latin typeface="Aptos Display" panose="020B0004020202020204" pitchFamily="34" charset="0"/>
             </a:endParaRPr>
           </a:p>
@@ -7368,7 +7311,7 @@
           <p:cNvPr id="111" name="Oval 110">
             <a:extLst>
               <a:ext uri="{FF2B5EF4-FFF2-40B4-BE49-F238E27FC236}">
-                <a16:creationId xmlns:a16="http://schemas.microsoft.com/office/drawing/2014/main" id="{5F409512-2604-1647-32BE-9DAC997E1EE1}"/>
+                <a16:creationId xmlns:a16="http://schemas.microsoft.com/office/drawing/2014/main" xmlns="" id="{5F409512-2604-1647-32BE-9DAC997E1EE1}"/>
               </a:ext>
             </a:extLst>
           </p:cNvPr>
@@ -7377,7 +7320,7 @@
         </p:nvSpPr>
         <p:spPr>
           <a:xfrm>
-            <a:off x="4694329" y="6523062"/>
+            <a:off x="5963080" y="6523062"/>
             <a:ext cx="180000" cy="180000"/>
           </a:xfrm>
           <a:prstGeom prst="ellipse">
@@ -7425,7 +7368,7 @@
           <p:cNvPr id="113" name="Oval 112">
             <a:extLst>
               <a:ext uri="{FF2B5EF4-FFF2-40B4-BE49-F238E27FC236}">
-                <a16:creationId xmlns:a16="http://schemas.microsoft.com/office/drawing/2014/main" id="{707B7FFB-8914-1C24-139F-EA75125D38EC}"/>
+                <a16:creationId xmlns:a16="http://schemas.microsoft.com/office/drawing/2014/main" xmlns="" id="{707B7FFB-8914-1C24-139F-EA75125D38EC}"/>
               </a:ext>
             </a:extLst>
           </p:cNvPr>
@@ -7434,7 +7377,7 @@
         </p:nvSpPr>
         <p:spPr>
           <a:xfrm>
-            <a:off x="3524148" y="6523062"/>
+            <a:off x="4736052" y="6523062"/>
             <a:ext cx="180000" cy="180000"/>
           </a:xfrm>
           <a:prstGeom prst="ellipse">
@@ -7482,7 +7425,7 @@
           <p:cNvPr id="114" name="Oval 113">
             <a:extLst>
               <a:ext uri="{FF2B5EF4-FFF2-40B4-BE49-F238E27FC236}">
-                <a16:creationId xmlns:a16="http://schemas.microsoft.com/office/drawing/2014/main" id="{20EAE97D-4B01-1652-380A-4DDFC6A9E04C}"/>
+                <a16:creationId xmlns:a16="http://schemas.microsoft.com/office/drawing/2014/main" xmlns="" id="{20EAE97D-4B01-1652-380A-4DDFC6A9E04C}"/>
               </a:ext>
             </a:extLst>
           </p:cNvPr>
@@ -7491,7 +7434,7 @@
         </p:nvSpPr>
         <p:spPr>
           <a:xfrm>
-            <a:off x="5824677" y="6523062"/>
+            <a:off x="3518289" y="6523062"/>
             <a:ext cx="180000" cy="180000"/>
           </a:xfrm>
           <a:prstGeom prst="ellipse">
@@ -7581,49 +7524,49 @@
                 <a:gridCol w="615315">
                   <a:extLst>
                     <a:ext uri="{9D8B030D-6E8A-4147-A177-3AD203B41FA5}">
-                      <a16:colId xmlns:a16="http://schemas.microsoft.com/office/drawing/2014/main" val="20000"/>
+                      <a16:colId xmlns:a16="http://schemas.microsoft.com/office/drawing/2014/main" xmlns="" val="20000"/>
                     </a:ext>
                   </a:extLst>
                 </a:gridCol>
                 <a:gridCol w="615315">
                   <a:extLst>
                     <a:ext uri="{9D8B030D-6E8A-4147-A177-3AD203B41FA5}">
-                      <a16:colId xmlns:a16="http://schemas.microsoft.com/office/drawing/2014/main" val="20001"/>
+                      <a16:colId xmlns:a16="http://schemas.microsoft.com/office/drawing/2014/main" xmlns="" val="20001"/>
                     </a:ext>
                   </a:extLst>
                 </a:gridCol>
                 <a:gridCol w="615315">
                   <a:extLst>
                     <a:ext uri="{9D8B030D-6E8A-4147-A177-3AD203B41FA5}">
-                      <a16:colId xmlns:a16="http://schemas.microsoft.com/office/drawing/2014/main" val="20002"/>
+                      <a16:colId xmlns:a16="http://schemas.microsoft.com/office/drawing/2014/main" xmlns="" val="20002"/>
                     </a:ext>
                   </a:extLst>
                 </a:gridCol>
                 <a:gridCol w="615314">
                   <a:extLst>
                     <a:ext uri="{9D8B030D-6E8A-4147-A177-3AD203B41FA5}">
-                      <a16:colId xmlns:a16="http://schemas.microsoft.com/office/drawing/2014/main" val="20003"/>
+                      <a16:colId xmlns:a16="http://schemas.microsoft.com/office/drawing/2014/main" xmlns="" val="20003"/>
                     </a:ext>
                   </a:extLst>
                 </a:gridCol>
                 <a:gridCol w="615314">
                   <a:extLst>
                     <a:ext uri="{9D8B030D-6E8A-4147-A177-3AD203B41FA5}">
-                      <a16:colId xmlns:a16="http://schemas.microsoft.com/office/drawing/2014/main" val="20004"/>
+                      <a16:colId xmlns:a16="http://schemas.microsoft.com/office/drawing/2014/main" xmlns="" val="20004"/>
                     </a:ext>
                   </a:extLst>
                 </a:gridCol>
                 <a:gridCol w="615314">
                   <a:extLst>
                     <a:ext uri="{9D8B030D-6E8A-4147-A177-3AD203B41FA5}">
-                      <a16:colId xmlns:a16="http://schemas.microsoft.com/office/drawing/2014/main" val="20005"/>
+                      <a16:colId xmlns:a16="http://schemas.microsoft.com/office/drawing/2014/main" xmlns="" val="20005"/>
                     </a:ext>
                   </a:extLst>
                 </a:gridCol>
                 <a:gridCol w="615314">
                   <a:extLst>
                     <a:ext uri="{9D8B030D-6E8A-4147-A177-3AD203B41FA5}">
-                      <a16:colId xmlns:a16="http://schemas.microsoft.com/office/drawing/2014/main" val="20006"/>
+                      <a16:colId xmlns:a16="http://schemas.microsoft.com/office/drawing/2014/main" xmlns="" val="20006"/>
                     </a:ext>
                   </a:extLst>
                 </a:gridCol>
@@ -8123,7 +8066,7 @@
                 </a:tc>
                 <a:extLst>
                   <a:ext uri="{0D108BD9-81ED-4DB2-BD59-A6C34878D82A}">
-                    <a16:rowId xmlns:a16="http://schemas.microsoft.com/office/drawing/2014/main" val="10000"/>
+                    <a16:rowId xmlns:a16="http://schemas.microsoft.com/office/drawing/2014/main" xmlns="" val="10000"/>
                   </a:ext>
                 </a:extLst>
               </a:tr>
@@ -8648,7 +8591,7 @@
                 </a:tc>
                 <a:extLst>
                   <a:ext uri="{0D108BD9-81ED-4DB2-BD59-A6C34878D82A}">
-                    <a16:rowId xmlns:a16="http://schemas.microsoft.com/office/drawing/2014/main" val="10001"/>
+                    <a16:rowId xmlns:a16="http://schemas.microsoft.com/office/drawing/2014/main" xmlns="" val="10001"/>
                   </a:ext>
                 </a:extLst>
               </a:tr>
@@ -8743,7 +8686,7 @@
                         </a:rPr>
                         <a:t>timings</a:t>
                       </a:r>
-                      <a:endParaRPr sz="900">
+                      <a:endParaRPr sz="900" dirty="0">
                         <a:latin typeface="Calibri"/>
                         <a:cs typeface="Calibri"/>
                       </a:endParaRPr>
@@ -8841,7 +8784,7 @@
                 </a:tc>
                 <a:extLst>
                   <a:ext uri="{0D108BD9-81ED-4DB2-BD59-A6C34878D82A}">
-                    <a16:rowId xmlns:a16="http://schemas.microsoft.com/office/drawing/2014/main" val="10002"/>
+                    <a16:rowId xmlns:a16="http://schemas.microsoft.com/office/drawing/2014/main" xmlns="" val="10002"/>
                   </a:ext>
                 </a:extLst>
               </a:tr>
@@ -10176,42 +10119,42 @@
                 <a:gridCol w="415290">
                   <a:extLst>
                     <a:ext uri="{9D8B030D-6E8A-4147-A177-3AD203B41FA5}">
-                      <a16:colId xmlns:a16="http://schemas.microsoft.com/office/drawing/2014/main" val="20000"/>
+                      <a16:colId xmlns:a16="http://schemas.microsoft.com/office/drawing/2014/main" xmlns="" val="20000"/>
                     </a:ext>
                   </a:extLst>
                 </a:gridCol>
                 <a:gridCol w="582295">
                   <a:extLst>
                     <a:ext uri="{9D8B030D-6E8A-4147-A177-3AD203B41FA5}">
-                      <a16:colId xmlns:a16="http://schemas.microsoft.com/office/drawing/2014/main" val="20001"/>
+                      <a16:colId xmlns:a16="http://schemas.microsoft.com/office/drawing/2014/main" xmlns="" val="20001"/>
                     </a:ext>
                   </a:extLst>
                 </a:gridCol>
                 <a:gridCol w="762000">
                   <a:extLst>
                     <a:ext uri="{9D8B030D-6E8A-4147-A177-3AD203B41FA5}">
-                      <a16:colId xmlns:a16="http://schemas.microsoft.com/office/drawing/2014/main" val="20002"/>
+                      <a16:colId xmlns:a16="http://schemas.microsoft.com/office/drawing/2014/main" xmlns="" val="20002"/>
                     </a:ext>
                   </a:extLst>
                 </a:gridCol>
                 <a:gridCol w="900430">
                   <a:extLst>
                     <a:ext uri="{9D8B030D-6E8A-4147-A177-3AD203B41FA5}">
-                      <a16:colId xmlns:a16="http://schemas.microsoft.com/office/drawing/2014/main" val="20003"/>
+                      <a16:colId xmlns:a16="http://schemas.microsoft.com/office/drawing/2014/main" xmlns="" val="20003"/>
                     </a:ext>
                   </a:extLst>
                 </a:gridCol>
                 <a:gridCol w="754380">
                   <a:extLst>
                     <a:ext uri="{9D8B030D-6E8A-4147-A177-3AD203B41FA5}">
-                      <a16:colId xmlns:a16="http://schemas.microsoft.com/office/drawing/2014/main" val="20004"/>
+                      <a16:colId xmlns:a16="http://schemas.microsoft.com/office/drawing/2014/main" xmlns="" val="20004"/>
                     </a:ext>
                   </a:extLst>
                 </a:gridCol>
                 <a:gridCol w="621664">
                   <a:extLst>
                     <a:ext uri="{9D8B030D-6E8A-4147-A177-3AD203B41FA5}">
-                      <a16:colId xmlns:a16="http://schemas.microsoft.com/office/drawing/2014/main" val="20005"/>
+                      <a16:colId xmlns:a16="http://schemas.microsoft.com/office/drawing/2014/main" xmlns="" val="20005"/>
                     </a:ext>
                   </a:extLst>
                 </a:gridCol>
@@ -10460,7 +10403,7 @@
                         </a:rPr>
                         <a:t>s</a:t>
                       </a:r>
-                      <a:endParaRPr sz="1400">
+                      <a:endParaRPr sz="1400" dirty="0">
                         <a:latin typeface="Calibri"/>
                         <a:cs typeface="Calibri"/>
                       </a:endParaRPr>
@@ -10536,7 +10479,7 @@
                 </a:tc>
                 <a:extLst>
                   <a:ext uri="{0D108BD9-81ED-4DB2-BD59-A6C34878D82A}">
-                    <a16:rowId xmlns:a16="http://schemas.microsoft.com/office/drawing/2014/main" val="10000"/>
+                    <a16:rowId xmlns:a16="http://schemas.microsoft.com/office/drawing/2014/main" xmlns="" val="10000"/>
                   </a:ext>
                 </a:extLst>
               </a:tr>
@@ -11146,7 +11089,7 @@
                 </a:tc>
                 <a:extLst>
                   <a:ext uri="{0D108BD9-81ED-4DB2-BD59-A6C34878D82A}">
-                    <a16:rowId xmlns:a16="http://schemas.microsoft.com/office/drawing/2014/main" val="10001"/>
+                    <a16:rowId xmlns:a16="http://schemas.microsoft.com/office/drawing/2014/main" xmlns="" val="10001"/>
                   </a:ext>
                 </a:extLst>
               </a:tr>
@@ -11600,7 +11543,7 @@
                 </a:tc>
                 <a:extLst>
                   <a:ext uri="{0D108BD9-81ED-4DB2-BD59-A6C34878D82A}">
-                    <a16:rowId xmlns:a16="http://schemas.microsoft.com/office/drawing/2014/main" val="10002"/>
+                    <a16:rowId xmlns:a16="http://schemas.microsoft.com/office/drawing/2014/main" xmlns="" val="10002"/>
                   </a:ext>
                 </a:extLst>
               </a:tr>
@@ -12174,7 +12117,7 @@
                 </a:tc>
                 <a:extLst>
                   <a:ext uri="{0D108BD9-81ED-4DB2-BD59-A6C34878D82A}">
-                    <a16:rowId xmlns:a16="http://schemas.microsoft.com/office/drawing/2014/main" val="10003"/>
+                    <a16:rowId xmlns:a16="http://schemas.microsoft.com/office/drawing/2014/main" xmlns="" val="10003"/>
                   </a:ext>
                 </a:extLst>
               </a:tr>
@@ -12628,7 +12571,7 @@
                 </a:tc>
                 <a:extLst>
                   <a:ext uri="{0D108BD9-81ED-4DB2-BD59-A6C34878D82A}">
-                    <a16:rowId xmlns:a16="http://schemas.microsoft.com/office/drawing/2014/main" val="10004"/>
+                    <a16:rowId xmlns:a16="http://schemas.microsoft.com/office/drawing/2014/main" xmlns="" val="10004"/>
                   </a:ext>
                 </a:extLst>
               </a:tr>
@@ -13202,7 +13145,7 @@
                 </a:tc>
                 <a:extLst>
                   <a:ext uri="{0D108BD9-81ED-4DB2-BD59-A6C34878D82A}">
-                    <a16:rowId xmlns:a16="http://schemas.microsoft.com/office/drawing/2014/main" val="10005"/>
+                    <a16:rowId xmlns:a16="http://schemas.microsoft.com/office/drawing/2014/main" xmlns="" val="10005"/>
                   </a:ext>
                 </a:extLst>
               </a:tr>
@@ -13656,7 +13599,7 @@
                 </a:tc>
                 <a:extLst>
                   <a:ext uri="{0D108BD9-81ED-4DB2-BD59-A6C34878D82A}">
-                    <a16:rowId xmlns:a16="http://schemas.microsoft.com/office/drawing/2014/main" val="10006"/>
+                    <a16:rowId xmlns:a16="http://schemas.microsoft.com/office/drawing/2014/main" xmlns="" val="10006"/>
                   </a:ext>
                 </a:extLst>
               </a:tr>
@@ -14266,7 +14209,7 @@
                 </a:tc>
                 <a:extLst>
                   <a:ext uri="{0D108BD9-81ED-4DB2-BD59-A6C34878D82A}">
-                    <a16:rowId xmlns:a16="http://schemas.microsoft.com/office/drawing/2014/main" val="10007"/>
+                    <a16:rowId xmlns:a16="http://schemas.microsoft.com/office/drawing/2014/main" xmlns="" val="10007"/>
                   </a:ext>
                 </a:extLst>
               </a:tr>
@@ -14362,28 +14305,28 @@
                 <a:gridCol w="991235">
                   <a:extLst>
                     <a:ext uri="{9D8B030D-6E8A-4147-A177-3AD203B41FA5}">
-                      <a16:colId xmlns:a16="http://schemas.microsoft.com/office/drawing/2014/main" val="20000"/>
+                      <a16:colId xmlns:a16="http://schemas.microsoft.com/office/drawing/2014/main" xmlns="" val="20000"/>
                     </a:ext>
                   </a:extLst>
                 </a:gridCol>
                 <a:gridCol w="991235">
                   <a:extLst>
                     <a:ext uri="{9D8B030D-6E8A-4147-A177-3AD203B41FA5}">
-                      <a16:colId xmlns:a16="http://schemas.microsoft.com/office/drawing/2014/main" val="20001"/>
+                      <a16:colId xmlns:a16="http://schemas.microsoft.com/office/drawing/2014/main" xmlns="" val="20001"/>
                     </a:ext>
                   </a:extLst>
                 </a:gridCol>
                 <a:gridCol w="991234">
                   <a:extLst>
                     <a:ext uri="{9D8B030D-6E8A-4147-A177-3AD203B41FA5}">
-                      <a16:colId xmlns:a16="http://schemas.microsoft.com/office/drawing/2014/main" val="20002"/>
+                      <a16:colId xmlns:a16="http://schemas.microsoft.com/office/drawing/2014/main" xmlns="" val="20002"/>
                     </a:ext>
                   </a:extLst>
                 </a:gridCol>
                 <a:gridCol w="991235">
                   <a:extLst>
                     <a:ext uri="{9D8B030D-6E8A-4147-A177-3AD203B41FA5}">
-                      <a16:colId xmlns:a16="http://schemas.microsoft.com/office/drawing/2014/main" val="20003"/>
+                      <a16:colId xmlns:a16="http://schemas.microsoft.com/office/drawing/2014/main" xmlns="" val="20003"/>
                     </a:ext>
                   </a:extLst>
                 </a:gridCol>
@@ -14692,7 +14635,7 @@
                 </a:tc>
                 <a:extLst>
                   <a:ext uri="{0D108BD9-81ED-4DB2-BD59-A6C34878D82A}">
-                    <a16:rowId xmlns:a16="http://schemas.microsoft.com/office/drawing/2014/main" val="10000"/>
+                    <a16:rowId xmlns:a16="http://schemas.microsoft.com/office/drawing/2014/main" xmlns="" val="10000"/>
                   </a:ext>
                 </a:extLst>
               </a:tr>
@@ -14909,7 +14852,7 @@
                         </a:rPr>
                         <a:t>min</a:t>
                       </a:r>
-                      <a:endParaRPr sz="800">
+                      <a:endParaRPr sz="800" dirty="0">
                         <a:latin typeface="Calibri"/>
                         <a:cs typeface="Calibri"/>
                       </a:endParaRPr>
@@ -14947,7 +14890,7 @@
                 </a:tc>
                 <a:extLst>
                   <a:ext uri="{0D108BD9-81ED-4DB2-BD59-A6C34878D82A}">
-                    <a16:rowId xmlns:a16="http://schemas.microsoft.com/office/drawing/2014/main" val="10001"/>
+                    <a16:rowId xmlns:a16="http://schemas.microsoft.com/office/drawing/2014/main" xmlns="" val="10001"/>
                   </a:ext>
                 </a:extLst>
               </a:tr>
@@ -15016,7 +14959,7 @@
           <p:cNvPr id="64" name="Straight Arrow Connector 63">
             <a:extLst>
               <a:ext uri="{FF2B5EF4-FFF2-40B4-BE49-F238E27FC236}">
-                <a16:creationId xmlns:a16="http://schemas.microsoft.com/office/drawing/2014/main" id="{5A1EE189-594F-CFF5-709E-8B6B5FD49307}"/>
+                <a16:creationId xmlns:a16="http://schemas.microsoft.com/office/drawing/2014/main" xmlns="" id="{5A1EE189-594F-CFF5-709E-8B6B5FD49307}"/>
               </a:ext>
             </a:extLst>
           </p:cNvPr>
@@ -15056,7 +14999,7 @@
           <p:cNvPr id="65" name="Straight Arrow Connector 64">
             <a:extLst>
               <a:ext uri="{FF2B5EF4-FFF2-40B4-BE49-F238E27FC236}">
-                <a16:creationId xmlns:a16="http://schemas.microsoft.com/office/drawing/2014/main" id="{1B5346DD-E900-DAE8-5D7A-CAAD03CB1651}"/>
+                <a16:creationId xmlns:a16="http://schemas.microsoft.com/office/drawing/2014/main" xmlns="" id="{1B5346DD-E900-DAE8-5D7A-CAAD03CB1651}"/>
               </a:ext>
             </a:extLst>
           </p:cNvPr>
@@ -15096,7 +15039,7 @@
           <p:cNvPr id="66" name="object 35">
             <a:extLst>
               <a:ext uri="{FF2B5EF4-FFF2-40B4-BE49-F238E27FC236}">
-                <a16:creationId xmlns:a16="http://schemas.microsoft.com/office/drawing/2014/main" id="{1202464A-3681-FD8C-7686-14C3C550F67E}"/>
+                <a16:creationId xmlns:a16="http://schemas.microsoft.com/office/drawing/2014/main" xmlns="" id="{1202464A-3681-FD8C-7686-14C3C550F67E}"/>
               </a:ext>
             </a:extLst>
           </p:cNvPr>
@@ -15200,7 +15143,7 @@
           <p:cNvPr id="67" name="Straight Arrow Connector 66">
             <a:extLst>
               <a:ext uri="{FF2B5EF4-FFF2-40B4-BE49-F238E27FC236}">
-                <a16:creationId xmlns:a16="http://schemas.microsoft.com/office/drawing/2014/main" id="{CC168718-2CF7-1DB5-2B07-36A2CDC8670E}"/>
+                <a16:creationId xmlns:a16="http://schemas.microsoft.com/office/drawing/2014/main" xmlns="" id="{CC168718-2CF7-1DB5-2B07-36A2CDC8670E}"/>
               </a:ext>
             </a:extLst>
           </p:cNvPr>
@@ -15240,7 +15183,7 @@
           <p:cNvPr id="68" name="object 35">
             <a:extLst>
               <a:ext uri="{FF2B5EF4-FFF2-40B4-BE49-F238E27FC236}">
-                <a16:creationId xmlns:a16="http://schemas.microsoft.com/office/drawing/2014/main" id="{F9B03CAF-7229-1CFA-CFD3-76475472B629}"/>
+                <a16:creationId xmlns:a16="http://schemas.microsoft.com/office/drawing/2014/main" xmlns="" id="{F9B03CAF-7229-1CFA-CFD3-76475472B629}"/>
               </a:ext>
             </a:extLst>
           </p:cNvPr>
@@ -15295,7 +15238,7 @@
           <p:cNvPr id="72" name="Table 71">
             <a:extLst>
               <a:ext uri="{FF2B5EF4-FFF2-40B4-BE49-F238E27FC236}">
-                <a16:creationId xmlns:a16="http://schemas.microsoft.com/office/drawing/2014/main" id="{113A5863-3C36-D1EC-E5AC-878FDC0763BD}"/>
+                <a16:creationId xmlns:a16="http://schemas.microsoft.com/office/drawing/2014/main" xmlns="" id="{113A5863-3C36-D1EC-E5AC-878FDC0763BD}"/>
               </a:ext>
             </a:extLst>
           </p:cNvPr>
@@ -15312,7 +15255,7 @@
         </p:nvGraphicFramePr>
         <p:xfrm>
           <a:off x="619988" y="4014248"/>
-          <a:ext cx="8649982" cy="2750820"/>
+          <a:ext cx="8649982" cy="2857500"/>
         </p:xfrm>
         <a:graphic>
           <a:graphicData uri="http://schemas.openxmlformats.org/drawingml/2006/table">
@@ -15324,42 +15267,42 @@
                 <a:gridCol w="1285298">
                   <a:extLst>
                     <a:ext uri="{9D8B030D-6E8A-4147-A177-3AD203B41FA5}">
-                      <a16:colId xmlns:a16="http://schemas.microsoft.com/office/drawing/2014/main" val="997080739"/>
+                      <a16:colId xmlns:a16="http://schemas.microsoft.com/office/drawing/2014/main" xmlns="" val="997080739"/>
                     </a:ext>
                   </a:extLst>
                 </a:gridCol>
                 <a:gridCol w="1526832">
                   <a:extLst>
                     <a:ext uri="{9D8B030D-6E8A-4147-A177-3AD203B41FA5}">
-                      <a16:colId xmlns:a16="http://schemas.microsoft.com/office/drawing/2014/main" val="3110092370"/>
+                      <a16:colId xmlns:a16="http://schemas.microsoft.com/office/drawing/2014/main" xmlns="" val="3110092370"/>
                     </a:ext>
                   </a:extLst>
                 </a:gridCol>
                 <a:gridCol w="1520882">
                   <a:extLst>
                     <a:ext uri="{9D8B030D-6E8A-4147-A177-3AD203B41FA5}">
-                      <a16:colId xmlns:a16="http://schemas.microsoft.com/office/drawing/2014/main" val="2444569960"/>
+                      <a16:colId xmlns:a16="http://schemas.microsoft.com/office/drawing/2014/main" xmlns="" val="2444569960"/>
                     </a:ext>
                   </a:extLst>
                 </a:gridCol>
                 <a:gridCol w="2143514">
                   <a:extLst>
                     <a:ext uri="{9D8B030D-6E8A-4147-A177-3AD203B41FA5}">
-                      <a16:colId xmlns:a16="http://schemas.microsoft.com/office/drawing/2014/main" val="1797109372"/>
+                      <a16:colId xmlns:a16="http://schemas.microsoft.com/office/drawing/2014/main" xmlns="" val="1797109372"/>
                     </a:ext>
                   </a:extLst>
                 </a:gridCol>
                 <a:gridCol w="443460">
                   <a:extLst>
                     <a:ext uri="{9D8B030D-6E8A-4147-A177-3AD203B41FA5}">
-                      <a16:colId xmlns:a16="http://schemas.microsoft.com/office/drawing/2014/main" val="2513255691"/>
+                      <a16:colId xmlns:a16="http://schemas.microsoft.com/office/drawing/2014/main" xmlns="" val="2513255691"/>
                     </a:ext>
                   </a:extLst>
                 </a:gridCol>
                 <a:gridCol w="1729996">
                   <a:extLst>
                     <a:ext uri="{9D8B030D-6E8A-4147-A177-3AD203B41FA5}">
-                      <a16:colId xmlns:a16="http://schemas.microsoft.com/office/drawing/2014/main" val="4073303138"/>
+                      <a16:colId xmlns:a16="http://schemas.microsoft.com/office/drawing/2014/main" xmlns="" val="4073303138"/>
                     </a:ext>
                   </a:extLst>
                 </a:gridCol>
@@ -15764,7 +15707,7 @@
                 </a:tc>
                 <a:extLst>
                   <a:ext uri="{0D108BD9-81ED-4DB2-BD59-A6C34878D82A}">
-                    <a16:rowId xmlns:a16="http://schemas.microsoft.com/office/drawing/2014/main" val="2543183190"/>
+                    <a16:rowId xmlns:a16="http://schemas.microsoft.com/office/drawing/2014/main" xmlns="" val="2543183190"/>
                   </a:ext>
                 </a:extLst>
               </a:tr>
@@ -16166,7 +16109,7 @@
                 </a:tc>
                 <a:extLst>
                   <a:ext uri="{0D108BD9-81ED-4DB2-BD59-A6C34878D82A}">
-                    <a16:rowId xmlns:a16="http://schemas.microsoft.com/office/drawing/2014/main" val="2460088179"/>
+                    <a16:rowId xmlns:a16="http://schemas.microsoft.com/office/drawing/2014/main" xmlns="" val="2460088179"/>
                   </a:ext>
                 </a:extLst>
               </a:tr>
@@ -16698,7 +16641,7 @@
                 </a:tc>
                 <a:extLst>
                   <a:ext uri="{0D108BD9-81ED-4DB2-BD59-A6C34878D82A}">
-                    <a16:rowId xmlns:a16="http://schemas.microsoft.com/office/drawing/2014/main" val="3164599909"/>
+                    <a16:rowId xmlns:a16="http://schemas.microsoft.com/office/drawing/2014/main" xmlns="" val="3164599909"/>
                   </a:ext>
                 </a:extLst>
               </a:tr>
@@ -17222,7 +17165,7 @@
                 </a:tc>
                 <a:extLst>
                   <a:ext uri="{0D108BD9-81ED-4DB2-BD59-A6C34878D82A}">
-                    <a16:rowId xmlns:a16="http://schemas.microsoft.com/office/drawing/2014/main" val="2711766942"/>
+                    <a16:rowId xmlns:a16="http://schemas.microsoft.com/office/drawing/2014/main" xmlns="" val="2711766942"/>
                   </a:ext>
                 </a:extLst>
               </a:tr>
@@ -17725,7 +17668,7 @@
                 </a:tc>
                 <a:extLst>
                   <a:ext uri="{0D108BD9-81ED-4DB2-BD59-A6C34878D82A}">
-                    <a16:rowId xmlns:a16="http://schemas.microsoft.com/office/drawing/2014/main" val="1572927491"/>
+                    <a16:rowId xmlns:a16="http://schemas.microsoft.com/office/drawing/2014/main" xmlns="" val="1572927491"/>
                   </a:ext>
                 </a:extLst>
               </a:tr>
@@ -18228,7 +18171,7 @@
                 </a:tc>
                 <a:extLst>
                   <a:ext uri="{0D108BD9-81ED-4DB2-BD59-A6C34878D82A}">
-                    <a16:rowId xmlns:a16="http://schemas.microsoft.com/office/drawing/2014/main" val="2780364240"/>
+                    <a16:rowId xmlns:a16="http://schemas.microsoft.com/office/drawing/2014/main" xmlns="" val="2780364240"/>
                   </a:ext>
                 </a:extLst>
               </a:tr>
@@ -18753,7 +18696,7 @@
                 </a:tc>
                 <a:extLst>
                   <a:ext uri="{0D108BD9-81ED-4DB2-BD59-A6C34878D82A}">
-                    <a16:rowId xmlns:a16="http://schemas.microsoft.com/office/drawing/2014/main" val="2035756592"/>
+                    <a16:rowId xmlns:a16="http://schemas.microsoft.com/office/drawing/2014/main" xmlns="" val="2035756592"/>
                   </a:ext>
                 </a:extLst>
               </a:tr>
@@ -19289,7 +19232,7 @@
                 </a:tc>
                 <a:extLst>
                   <a:ext uri="{0D108BD9-81ED-4DB2-BD59-A6C34878D82A}">
-                    <a16:rowId xmlns:a16="http://schemas.microsoft.com/office/drawing/2014/main" val="3578318667"/>
+                    <a16:rowId xmlns:a16="http://schemas.microsoft.com/office/drawing/2014/main" xmlns="" val="3578318667"/>
                   </a:ext>
                 </a:extLst>
               </a:tr>
@@ -19857,7 +19800,7 @@
                 </a:tc>
                 <a:extLst>
                   <a:ext uri="{0D108BD9-81ED-4DB2-BD59-A6C34878D82A}">
-                    <a16:rowId xmlns:a16="http://schemas.microsoft.com/office/drawing/2014/main" val="2794936553"/>
+                    <a16:rowId xmlns:a16="http://schemas.microsoft.com/office/drawing/2014/main" xmlns="" val="2794936553"/>
                   </a:ext>
                 </a:extLst>
               </a:tr>
@@ -19870,7 +19813,7 @@
           <p:cNvPr id="73" name="Oval 72">
             <a:extLst>
               <a:ext uri="{FF2B5EF4-FFF2-40B4-BE49-F238E27FC236}">
-                <a16:creationId xmlns:a16="http://schemas.microsoft.com/office/drawing/2014/main" id="{609E9224-8D15-716E-F200-652C3426B20E}"/>
+                <a16:creationId xmlns:a16="http://schemas.microsoft.com/office/drawing/2014/main" xmlns="" id="{609E9224-8D15-716E-F200-652C3426B20E}"/>
               </a:ext>
             </a:extLst>
           </p:cNvPr>
@@ -19922,7 +19865,7 @@
           <p:cNvPr id="91" name="Rectangle: Rounded Corners 90">
             <a:extLst>
               <a:ext uri="{FF2B5EF4-FFF2-40B4-BE49-F238E27FC236}">
-                <a16:creationId xmlns:a16="http://schemas.microsoft.com/office/drawing/2014/main" id="{8E380F91-EE88-38D2-4521-C6009C8C9212}"/>
+                <a16:creationId xmlns:a16="http://schemas.microsoft.com/office/drawing/2014/main" xmlns="" id="{8E380F91-EE88-38D2-4521-C6009C8C9212}"/>
               </a:ext>
             </a:extLst>
           </p:cNvPr>
@@ -19932,7 +19875,7 @@
         <p:spPr>
           <a:xfrm>
             <a:off x="6230136" y="682837"/>
-            <a:ext cx="2380464" cy="527069"/>
+            <a:ext cx="3218664" cy="527069"/>
           </a:xfrm>
           <a:prstGeom prst="roundRect">
             <a:avLst/>
@@ -19973,7 +19916,7 @@
           <p:cNvPr id="74" name="Oval 73">
             <a:extLst>
               <a:ext uri="{FF2B5EF4-FFF2-40B4-BE49-F238E27FC236}">
-                <a16:creationId xmlns:a16="http://schemas.microsoft.com/office/drawing/2014/main" id="{44335792-3AA8-8E2C-992B-1BCDADE0ECD8}"/>
+                <a16:creationId xmlns:a16="http://schemas.microsoft.com/office/drawing/2014/main" xmlns="" id="{44335792-3AA8-8E2C-992B-1BCDADE0ECD8}"/>
               </a:ext>
             </a:extLst>
           </p:cNvPr>
@@ -20023,7 +19966,7 @@
           <p:cNvPr id="76" name="TextBox 75">
             <a:extLst>
               <a:ext uri="{FF2B5EF4-FFF2-40B4-BE49-F238E27FC236}">
-                <a16:creationId xmlns:a16="http://schemas.microsoft.com/office/drawing/2014/main" id="{2B0391B1-FE26-F1A2-9B8C-1C7723253CB5}"/>
+                <a16:creationId xmlns:a16="http://schemas.microsoft.com/office/drawing/2014/main" xmlns="" id="{2B0391B1-FE26-F1A2-9B8C-1C7723253CB5}"/>
               </a:ext>
             </a:extLst>
           </p:cNvPr>
@@ -20032,7 +19975,7 @@
         </p:nvSpPr>
         <p:spPr>
           <a:xfrm>
-            <a:off x="7657776" y="784853"/>
+            <a:off x="7474061" y="758212"/>
             <a:ext cx="345097" cy="461665"/>
           </a:xfrm>
           <a:prstGeom prst="rect">
@@ -20085,7 +20028,7 @@
           <p:cNvPr id="78" name="TextBox 77">
             <a:extLst>
               <a:ext uri="{FF2B5EF4-FFF2-40B4-BE49-F238E27FC236}">
-                <a16:creationId xmlns:a16="http://schemas.microsoft.com/office/drawing/2014/main" id="{129B138E-5054-B9A4-A3C2-D71F3BB4A9F6}"/>
+                <a16:creationId xmlns:a16="http://schemas.microsoft.com/office/drawing/2014/main" xmlns="" id="{129B138E-5054-B9A4-A3C2-D71F3BB4A9F6}"/>
               </a:ext>
             </a:extLst>
           </p:cNvPr>
@@ -20147,7 +20090,7 @@
           <p:cNvPr id="88" name="Freeform: Shape 87">
             <a:extLst>
               <a:ext uri="{FF2B5EF4-FFF2-40B4-BE49-F238E27FC236}">
-                <a16:creationId xmlns:a16="http://schemas.microsoft.com/office/drawing/2014/main" id="{D2C865A8-09B0-1810-2F8B-4F0714CFCA87}"/>
+                <a16:creationId xmlns:a16="http://schemas.microsoft.com/office/drawing/2014/main" xmlns="" id="{D2C865A8-09B0-1810-2F8B-4F0714CFCA87}"/>
               </a:ext>
             </a:extLst>
           </p:cNvPr>
@@ -20240,7 +20183,7 @@
           <p:cNvPr id="89" name="Freeform: Shape 88">
             <a:extLst>
               <a:ext uri="{FF2B5EF4-FFF2-40B4-BE49-F238E27FC236}">
-                <a16:creationId xmlns:a16="http://schemas.microsoft.com/office/drawing/2014/main" id="{5C09E28E-A22A-C7F3-93BB-2B7A5666613B}"/>
+                <a16:creationId xmlns:a16="http://schemas.microsoft.com/office/drawing/2014/main" xmlns="" id="{5C09E28E-A22A-C7F3-93BB-2B7A5666613B}"/>
               </a:ext>
             </a:extLst>
           </p:cNvPr>
@@ -20333,7 +20276,7 @@
           <p:cNvPr id="90" name="Freeform: Shape 89">
             <a:extLst>
               <a:ext uri="{FF2B5EF4-FFF2-40B4-BE49-F238E27FC236}">
-                <a16:creationId xmlns:a16="http://schemas.microsoft.com/office/drawing/2014/main" id="{6285FCDB-6481-2F7A-2FF8-C427CAC61DA3}"/>
+                <a16:creationId xmlns:a16="http://schemas.microsoft.com/office/drawing/2014/main" xmlns="" id="{6285FCDB-6481-2F7A-2FF8-C427CAC61DA3}"/>
               </a:ext>
             </a:extLst>
           </p:cNvPr>
@@ -20426,7 +20369,7 @@
           <p:cNvPr id="79" name="TextBox 78">
             <a:extLst>
               <a:ext uri="{FF2B5EF4-FFF2-40B4-BE49-F238E27FC236}">
-                <a16:creationId xmlns:a16="http://schemas.microsoft.com/office/drawing/2014/main" id="{C3C6A2D6-1764-21F6-6D62-2E2BB3489168}"/>
+                <a16:creationId xmlns:a16="http://schemas.microsoft.com/office/drawing/2014/main" xmlns="" id="{C3C6A2D6-1764-21F6-6D62-2E2BB3489168}"/>
               </a:ext>
             </a:extLst>
           </p:cNvPr>
@@ -20488,7 +20431,7 @@
           <p:cNvPr id="92" name="Oval 91">
             <a:extLst>
               <a:ext uri="{FF2B5EF4-FFF2-40B4-BE49-F238E27FC236}">
-                <a16:creationId xmlns:a16="http://schemas.microsoft.com/office/drawing/2014/main" id="{12ABD9AD-A408-B7E5-D12B-9C36C19E5372}"/>
+                <a16:creationId xmlns:a16="http://schemas.microsoft.com/office/drawing/2014/main" xmlns="" id="{12ABD9AD-A408-B7E5-D12B-9C36C19E5372}"/>
               </a:ext>
             </a:extLst>
           </p:cNvPr>
@@ -20540,7 +20483,7 @@
           <p:cNvPr id="93" name="Oval 92">
             <a:extLst>
               <a:ext uri="{FF2B5EF4-FFF2-40B4-BE49-F238E27FC236}">
-                <a16:creationId xmlns:a16="http://schemas.microsoft.com/office/drawing/2014/main" id="{874A0924-465D-CFAA-EF0E-789A1E2231C9}"/>
+                <a16:creationId xmlns:a16="http://schemas.microsoft.com/office/drawing/2014/main" xmlns="" id="{874A0924-465D-CFAA-EF0E-789A1E2231C9}"/>
               </a:ext>
             </a:extLst>
           </p:cNvPr>
@@ -20592,7 +20535,7 @@
           <p:cNvPr id="94" name="Oval 93">
             <a:extLst>
               <a:ext uri="{FF2B5EF4-FFF2-40B4-BE49-F238E27FC236}">
-                <a16:creationId xmlns:a16="http://schemas.microsoft.com/office/drawing/2014/main" id="{65F2D843-ADBA-4D66-C0F0-17D31F455F7F}"/>
+                <a16:creationId xmlns:a16="http://schemas.microsoft.com/office/drawing/2014/main" xmlns="" id="{65F2D843-ADBA-4D66-C0F0-17D31F455F7F}"/>
               </a:ext>
             </a:extLst>
           </p:cNvPr>
@@ -20636,6 +20579,316 @@
               </a:rPr>
               <a:t>1</a:t>
             </a:r>
+          </a:p>
+        </p:txBody>
+      </p:sp>
+      <p:sp>
+        <p:nvSpPr>
+          <p:cNvPr id="52" name="TextBox 51">
+            <a:extLst>
+              <a:ext uri="{FF2B5EF4-FFF2-40B4-BE49-F238E27FC236}">
+                <a16:creationId xmlns:a16="http://schemas.microsoft.com/office/drawing/2014/main" xmlns="" id="{2B0391B1-FE26-F1A2-9B8C-1C7723253CB5}"/>
+              </a:ext>
+            </a:extLst>
+          </p:cNvPr>
+          <p:cNvSpPr txBox="1"/>
+          <p:nvPr/>
+        </p:nvSpPr>
+        <p:spPr>
+          <a:xfrm>
+            <a:off x="8901701" y="805377"/>
+            <a:ext cx="345097" cy="461665"/>
+          </a:xfrm>
+          <a:prstGeom prst="rect">
+            <a:avLst/>
+          </a:prstGeom>
+          <a:noFill/>
+        </p:spPr>
+        <p:txBody>
+          <a:bodyPr wrap="square">
+            <a:spAutoFit/>
+          </a:bodyPr>
+          <a:lstStyle/>
+          <a:p>
+            <a:pPr marL="0" marR="0" lvl="0" indent="0" algn="ctr" defTabSz="914400" eaLnBrk="1" fontAlgn="auto" latinLnBrk="0" hangingPunct="1">
+              <a:lnSpc>
+                <a:spcPct val="100000"/>
+              </a:lnSpc>
+              <a:spcBef>
+                <a:spcPts val="0"/>
+              </a:spcBef>
+              <a:spcAft>
+                <a:spcPts val="0"/>
+              </a:spcAft>
+              <a:buClrTx/>
+              <a:buSzTx/>
+              <a:buFontTx/>
+              <a:buNone/>
+              <a:tabLst/>
+              <a:defRPr/>
+            </a:pPr>
+            <a:r>
+              <a:rPr lang="en-MY" sz="2400" spc="-50" dirty="0">
+                <a:solidFill>
+                  <a:srgbClr val="FF0000"/>
+                </a:solidFill>
+                <a:latin typeface="Wingdings"/>
+                <a:cs typeface="Wingdings"/>
+              </a:rPr>
+              <a:t></a:t>
+            </a:r>
+            <a:endParaRPr lang="en-MY" sz="2400" dirty="0">
+              <a:latin typeface="Wingdings"/>
+              <a:cs typeface="Wingdings"/>
+            </a:endParaRPr>
+          </a:p>
+        </p:txBody>
+      </p:sp>
+      <p:sp>
+        <p:nvSpPr>
+          <p:cNvPr id="53" name="TextBox 52">
+            <a:extLst>
+              <a:ext uri="{FF2B5EF4-FFF2-40B4-BE49-F238E27FC236}">
+                <a16:creationId xmlns:a16="http://schemas.microsoft.com/office/drawing/2014/main" xmlns="" id="{129B138E-5054-B9A4-A3C2-D71F3BB4A9F6}"/>
+              </a:ext>
+            </a:extLst>
+          </p:cNvPr>
+          <p:cNvSpPr txBox="1"/>
+          <p:nvPr/>
+        </p:nvSpPr>
+        <p:spPr>
+          <a:xfrm>
+            <a:off x="9044297" y="626471"/>
+            <a:ext cx="345097" cy="461665"/>
+          </a:xfrm>
+          <a:prstGeom prst="rect">
+            <a:avLst/>
+          </a:prstGeom>
+          <a:noFill/>
+        </p:spPr>
+        <p:txBody>
+          <a:bodyPr wrap="square">
+            <a:spAutoFit/>
+          </a:bodyPr>
+          <a:lstStyle/>
+          <a:p>
+            <a:pPr marL="0" marR="0" lvl="0" indent="0" algn="ctr" defTabSz="914400" eaLnBrk="1" fontAlgn="auto" latinLnBrk="0" hangingPunct="1">
+              <a:lnSpc>
+                <a:spcPct val="100000"/>
+              </a:lnSpc>
+              <a:spcBef>
+                <a:spcPts val="0"/>
+              </a:spcBef>
+              <a:spcAft>
+                <a:spcPts val="0"/>
+              </a:spcAft>
+              <a:buClrTx/>
+              <a:buSzTx/>
+              <a:buFontTx/>
+              <a:buNone/>
+              <a:tabLst/>
+              <a:defRPr/>
+            </a:pPr>
+            <a:r>
+              <a:rPr lang="en-MY" sz="2400" spc="-50" dirty="0">
+                <a:solidFill>
+                  <a:srgbClr val="538235"/>
+                </a:solidFill>
+                <a:latin typeface="Wingdings"/>
+                <a:cs typeface="Wingdings"/>
+              </a:rPr>
+              <a:t></a:t>
+            </a:r>
+            <a:endParaRPr lang="en-MY" sz="2400" dirty="0">
+              <a:latin typeface="Wingdings"/>
+              <a:cs typeface="Wingdings"/>
+            </a:endParaRPr>
+          </a:p>
+        </p:txBody>
+      </p:sp>
+      <p:sp>
+        <p:nvSpPr>
+          <p:cNvPr id="54" name="Freeform: Shape 87">
+            <a:extLst>
+              <a:ext uri="{FF2B5EF4-FFF2-40B4-BE49-F238E27FC236}">
+                <a16:creationId xmlns:a16="http://schemas.microsoft.com/office/drawing/2014/main" xmlns="" id="{D2C865A8-09B0-1810-2F8B-4F0714CFCA87}"/>
+              </a:ext>
+            </a:extLst>
+          </p:cNvPr>
+          <p:cNvSpPr/>
+          <p:nvPr/>
+        </p:nvSpPr>
+        <p:spPr>
+          <a:xfrm>
+            <a:off x="7745837" y="947771"/>
+            <a:ext cx="1628158" cy="150338"/>
+          </a:xfrm>
+          <a:custGeom>
+            <a:avLst/>
+            <a:gdLst>
+              <a:gd name="connsiteX0" fmla="*/ 1628158 w 1628158"/>
+              <a:gd name="connsiteY0" fmla="*/ 187629 h 213943"/>
+              <a:gd name="connsiteX1" fmla="*/ 667710 w 1628158"/>
+              <a:gd name="connsiteY1" fmla="*/ 144 h 213943"/>
+              <a:gd name="connsiteX2" fmla="*/ 0 w 1628158"/>
+              <a:gd name="connsiteY2" fmla="*/ 213943 h 213943"/>
+              <a:gd name="connsiteX3" fmla="*/ 0 w 1628158"/>
+              <a:gd name="connsiteY3" fmla="*/ 213943 h 213943"/>
+            </a:gdLst>
+            <a:ahLst/>
+            <a:cxnLst>
+              <a:cxn ang="0">
+                <a:pos x="connsiteX0" y="connsiteY0"/>
+              </a:cxn>
+              <a:cxn ang="0">
+                <a:pos x="connsiteX1" y="connsiteY1"/>
+              </a:cxn>
+              <a:cxn ang="0">
+                <a:pos x="connsiteX2" y="connsiteY2"/>
+              </a:cxn>
+              <a:cxn ang="0">
+                <a:pos x="connsiteX3" y="connsiteY3"/>
+              </a:cxn>
+            </a:cxnLst>
+            <a:rect l="l" t="t" r="r" b="b"/>
+            <a:pathLst>
+              <a:path w="1628158" h="213943">
+                <a:moveTo>
+                  <a:pt x="1628158" y="187629"/>
+                </a:moveTo>
+                <a:cubicBezTo>
+                  <a:pt x="1283614" y="91693"/>
+                  <a:pt x="939070" y="-4242"/>
+                  <a:pt x="667710" y="144"/>
+                </a:cubicBezTo>
+                <a:cubicBezTo>
+                  <a:pt x="396350" y="4530"/>
+                  <a:pt x="0" y="213943"/>
+                  <a:pt x="0" y="213943"/>
+                </a:cubicBezTo>
+                <a:lnTo>
+                  <a:pt x="0" y="213943"/>
+                </a:lnTo>
+              </a:path>
+            </a:pathLst>
+          </a:custGeom>
+          <a:ln>
+            <a:tailEnd type="stealth"/>
+          </a:ln>
+        </p:spPr>
+        <p:style>
+          <a:lnRef idx="1">
+            <a:schemeClr val="accent2"/>
+          </a:lnRef>
+          <a:fillRef idx="0">
+            <a:schemeClr val="accent2"/>
+          </a:fillRef>
+          <a:effectRef idx="0">
+            <a:schemeClr val="accent2"/>
+          </a:effectRef>
+          <a:fontRef idx="minor">
+            <a:schemeClr val="tx1"/>
+          </a:fontRef>
+        </p:style>
+        <p:txBody>
+          <a:bodyPr rtlCol="0" anchor="ctr"/>
+          <a:lstStyle/>
+          <a:p>
+            <a:pPr algn="ctr"/>
+            <a:endParaRPr lang="en-MY"/>
+          </a:p>
+        </p:txBody>
+      </p:sp>
+      <p:sp>
+        <p:nvSpPr>
+          <p:cNvPr id="56" name="Freeform: Shape 89">
+            <a:extLst>
+              <a:ext uri="{FF2B5EF4-FFF2-40B4-BE49-F238E27FC236}">
+                <a16:creationId xmlns:a16="http://schemas.microsoft.com/office/drawing/2014/main" xmlns="" id="{6285FCDB-6481-2F7A-2FF8-C427CAC61DA3}"/>
+              </a:ext>
+            </a:extLst>
+          </p:cNvPr>
+          <p:cNvSpPr/>
+          <p:nvPr/>
+        </p:nvSpPr>
+        <p:spPr>
+          <a:xfrm>
+            <a:off x="8470959" y="728514"/>
+            <a:ext cx="911110" cy="165096"/>
+          </a:xfrm>
+          <a:custGeom>
+            <a:avLst/>
+            <a:gdLst>
+              <a:gd name="connsiteX0" fmla="*/ 911110 w 911110"/>
+              <a:gd name="connsiteY0" fmla="*/ 119047 h 165096"/>
+              <a:gd name="connsiteX1" fmla="*/ 328921 w 911110"/>
+              <a:gd name="connsiteY1" fmla="*/ 636 h 165096"/>
+              <a:gd name="connsiteX2" fmla="*/ 0 w 911110"/>
+              <a:gd name="connsiteY2" fmla="*/ 165096 h 165096"/>
+              <a:gd name="connsiteX3" fmla="*/ 0 w 911110"/>
+              <a:gd name="connsiteY3" fmla="*/ 165096 h 165096"/>
+            </a:gdLst>
+            <a:ahLst/>
+            <a:cxnLst>
+              <a:cxn ang="0">
+                <a:pos x="connsiteX0" y="connsiteY0"/>
+              </a:cxn>
+              <a:cxn ang="0">
+                <a:pos x="connsiteX1" y="connsiteY1"/>
+              </a:cxn>
+              <a:cxn ang="0">
+                <a:pos x="connsiteX2" y="connsiteY2"/>
+              </a:cxn>
+              <a:cxn ang="0">
+                <a:pos x="connsiteX3" y="connsiteY3"/>
+              </a:cxn>
+            </a:cxnLst>
+            <a:rect l="l" t="t" r="r" b="b"/>
+            <a:pathLst>
+              <a:path w="911110" h="165096">
+                <a:moveTo>
+                  <a:pt x="911110" y="119047"/>
+                </a:moveTo>
+                <a:cubicBezTo>
+                  <a:pt x="695941" y="56004"/>
+                  <a:pt x="480773" y="-7039"/>
+                  <a:pt x="328921" y="636"/>
+                </a:cubicBezTo>
+                <a:cubicBezTo>
+                  <a:pt x="177069" y="8311"/>
+                  <a:pt x="0" y="165096"/>
+                  <a:pt x="0" y="165096"/>
+                </a:cubicBezTo>
+                <a:lnTo>
+                  <a:pt x="0" y="165096"/>
+                </a:lnTo>
+              </a:path>
+            </a:pathLst>
+          </a:custGeom>
+          <a:ln>
+            <a:tailEnd type="stealth"/>
+          </a:ln>
+        </p:spPr>
+        <p:style>
+          <a:lnRef idx="1">
+            <a:schemeClr val="accent3"/>
+          </a:lnRef>
+          <a:fillRef idx="0">
+            <a:schemeClr val="accent3"/>
+          </a:fillRef>
+          <a:effectRef idx="0">
+            <a:schemeClr val="accent3"/>
+          </a:effectRef>
+          <a:fontRef idx="minor">
+            <a:schemeClr val="tx1"/>
+          </a:fontRef>
+        </p:style>
+        <p:txBody>
+          <a:bodyPr rtlCol="0" anchor="ctr"/>
+          <a:lstStyle/>
+          <a:p>
+            <a:pPr algn="ctr"/>
+            <a:endParaRPr lang="en-MY"/>
           </a:p>
         </p:txBody>
       </p:sp>
